--- a/topic06/talk-1/a-css-layout-part1.pptx
+++ b/topic06/talk-1/a-css-layout-part1.pptx
@@ -26,6 +26,9 @@
     <p:sldId id="271" r:id="rId23"/>
     <p:sldId id="272" r:id="rId24"/>
     <p:sldId id="273" r:id="rId25"/>
+    <p:sldId id="274" r:id="rId26"/>
+    <p:sldId id="275" r:id="rId27"/>
+    <p:sldId id="276" r:id="rId28"/>
   </p:sldIdLst>
   <p:sldSz cx="13004800" cy="9753600"/>
   <p:notesSz cx="6858000" cy="9144000"/>
@@ -353,7 +356,7 @@
       </p:grpSpPr>
       <p:sp>
         <p:nvSpPr>
-          <p:cNvPr id="184" name="Shape 184"/>
+          <p:cNvPr id="194" name="Shape 194"/>
           <p:cNvSpPr/>
           <p:nvPr>
             <p:ph type="sldImg"/>
@@ -378,7 +381,7 @@
       </p:sp>
       <p:sp>
         <p:nvSpPr>
-          <p:cNvPr id="185" name="Shape 185"/>
+          <p:cNvPr id="195" name="Shape 195"/>
           <p:cNvSpPr/>
           <p:nvPr>
             <p:ph type="body" sz="quarter" idx="1"/>
@@ -506,8 +509,8 @@
         </p:nvSpPr>
         <p:spPr>
           <a:xfrm>
-            <a:off x="647700" y="4749800"/>
-            <a:ext cx="11709422" cy="128"/>
+            <a:off x="647700" y="4749801"/>
+            <a:ext cx="11709421" cy="125"/>
           </a:xfrm>
           <a:prstGeom prst="line">
             <a:avLst/>
@@ -678,8 +681,8 @@
         </p:nvSpPr>
         <p:spPr>
           <a:xfrm>
-            <a:off x="6285653" y="9040142"/>
-            <a:ext cx="3034454" cy="520701"/>
+            <a:off x="6285652" y="9040141"/>
+            <a:ext cx="3034455" cy="520701"/>
           </a:xfrm>
           <a:prstGeom prst="rect">
             <a:avLst/>
@@ -728,8 +731,8 @@
         </p:nvSpPr>
         <p:spPr>
           <a:xfrm>
-            <a:off x="647699" y="1968500"/>
-            <a:ext cx="4876869" cy="128"/>
+            <a:off x="647699" y="1968499"/>
+            <a:ext cx="4876869" cy="129"/>
           </a:xfrm>
           <a:prstGeom prst="line">
             <a:avLst/>
@@ -875,8 +878,8 @@
         </p:nvSpPr>
         <p:spPr>
           <a:xfrm>
-            <a:off x="6285653" y="9040142"/>
-            <a:ext cx="3034454" cy="520701"/>
+            <a:off x="6285652" y="9040141"/>
+            <a:ext cx="3034455" cy="520701"/>
           </a:xfrm>
           <a:prstGeom prst="rect">
             <a:avLst/>
@@ -925,8 +928,8 @@
         </p:nvSpPr>
         <p:spPr>
           <a:xfrm flipH="1">
-            <a:off x="6502398" y="1803400"/>
-            <a:ext cx="2" cy="4318001"/>
+            <a:off x="6502399" y="1803400"/>
+            <a:ext cx="1" cy="4318000"/>
           </a:xfrm>
           <a:prstGeom prst="line">
             <a:avLst/>
@@ -1069,8 +1072,8 @@
         </p:nvSpPr>
         <p:spPr>
           <a:xfrm>
-            <a:off x="6285653" y="9040142"/>
-            <a:ext cx="3034454" cy="520701"/>
+            <a:off x="6285652" y="9040141"/>
+            <a:ext cx="3034455" cy="520701"/>
           </a:xfrm>
           <a:prstGeom prst="rect">
             <a:avLst/>
@@ -1119,8 +1122,8 @@
         </p:nvSpPr>
         <p:spPr>
           <a:xfrm flipH="1">
-            <a:off x="4432298" y="1778000"/>
-            <a:ext cx="2" cy="5054601"/>
+            <a:off x="4432299" y="1778000"/>
+            <a:ext cx="1" cy="5054600"/>
           </a:xfrm>
           <a:prstGeom prst="line">
             <a:avLst/>
@@ -1263,8 +1266,8 @@
         </p:nvSpPr>
         <p:spPr>
           <a:xfrm>
-            <a:off x="6285653" y="9040142"/>
-            <a:ext cx="3034454" cy="520701"/>
+            <a:off x="6285652" y="9040141"/>
+            <a:ext cx="3034455" cy="520701"/>
           </a:xfrm>
           <a:prstGeom prst="rect">
             <a:avLst/>
@@ -1313,8 +1316,8 @@
         </p:nvSpPr>
         <p:spPr>
           <a:xfrm flipH="1">
-            <a:off x="6489698" y="507999"/>
-            <a:ext cx="2" cy="8013733"/>
+            <a:off x="6489699" y="508000"/>
+            <a:ext cx="1" cy="8013732"/>
           </a:xfrm>
           <a:prstGeom prst="line">
             <a:avLst/>
@@ -1457,8 +1460,8 @@
         </p:nvSpPr>
         <p:spPr>
           <a:xfrm>
-            <a:off x="6285653" y="9040142"/>
-            <a:ext cx="3034454" cy="520701"/>
+            <a:off x="6285652" y="9040141"/>
+            <a:ext cx="3034455" cy="520701"/>
           </a:xfrm>
           <a:prstGeom prst="rect">
             <a:avLst/>
@@ -1508,7 +1511,7 @@
         <p:spPr>
           <a:xfrm flipH="1">
             <a:off x="4444998" y="1777968"/>
-            <a:ext cx="2" cy="5067382"/>
+            <a:ext cx="1" cy="5067382"/>
           </a:xfrm>
           <a:prstGeom prst="line">
             <a:avLst/>
@@ -1536,8 +1539,8 @@
         </p:nvSpPr>
         <p:spPr>
           <a:xfrm flipH="1">
-            <a:off x="8547097" y="1777968"/>
-            <a:ext cx="2" cy="5067382"/>
+            <a:off x="8547098" y="1777968"/>
+            <a:ext cx="1" cy="5067382"/>
           </a:xfrm>
           <a:prstGeom prst="line">
             <a:avLst/>
@@ -1680,8 +1683,8 @@
         </p:nvSpPr>
         <p:spPr>
           <a:xfrm>
-            <a:off x="6285653" y="9040142"/>
-            <a:ext cx="3034454" cy="520701"/>
+            <a:off x="6285652" y="9040141"/>
+            <a:ext cx="3034455" cy="520701"/>
           </a:xfrm>
           <a:prstGeom prst="rect">
             <a:avLst/>
@@ -1845,8 +1848,8 @@
         </p:nvSpPr>
         <p:spPr>
           <a:xfrm>
-            <a:off x="6285653" y="9040142"/>
-            <a:ext cx="3034454" cy="520701"/>
+            <a:off x="6285652" y="9040141"/>
+            <a:ext cx="3034455" cy="520701"/>
           </a:xfrm>
           <a:prstGeom prst="rect">
             <a:avLst/>
@@ -1896,7 +1899,7 @@
         <p:spPr>
           <a:xfrm flipH="1">
             <a:off x="6489698" y="520668"/>
-            <a:ext cx="2" cy="7962964"/>
+            <a:ext cx="1" cy="7962964"/>
           </a:xfrm>
           <a:prstGeom prst="line">
             <a:avLst/>
@@ -1924,8 +1927,8 @@
         </p:nvSpPr>
         <p:spPr>
           <a:xfrm>
-            <a:off x="6489696" y="4476750"/>
-            <a:ext cx="5994409" cy="128"/>
+            <a:off x="6489696" y="4476749"/>
+            <a:ext cx="5994409" cy="129"/>
           </a:xfrm>
           <a:prstGeom prst="line">
             <a:avLst/>
@@ -2068,8 +2071,8 @@
         </p:nvSpPr>
         <p:spPr>
           <a:xfrm>
-            <a:off x="6285653" y="9040142"/>
-            <a:ext cx="3034454" cy="520701"/>
+            <a:off x="6285652" y="9040141"/>
+            <a:ext cx="3034455" cy="520701"/>
           </a:xfrm>
           <a:prstGeom prst="rect">
             <a:avLst/>
@@ -2118,8 +2121,8 @@
         </p:nvSpPr>
         <p:spPr>
           <a:xfrm flipH="1">
-            <a:off x="9067797" y="520668"/>
-            <a:ext cx="2" cy="7962964"/>
+            <a:off x="9067798" y="520668"/>
+            <a:ext cx="1" cy="7962964"/>
           </a:xfrm>
           <a:prstGeom prst="line">
             <a:avLst/>
@@ -2147,8 +2150,8 @@
         </p:nvSpPr>
         <p:spPr>
           <a:xfrm>
-            <a:off x="9067796" y="3092450"/>
-            <a:ext cx="3429023" cy="128"/>
+            <a:off x="9067796" y="3092449"/>
+            <a:ext cx="3429023" cy="129"/>
           </a:xfrm>
           <a:prstGeom prst="line">
             <a:avLst/>
@@ -2176,8 +2179,8 @@
         </p:nvSpPr>
         <p:spPr>
           <a:xfrm>
-            <a:off x="9067796" y="5873750"/>
-            <a:ext cx="3429023" cy="128"/>
+            <a:off x="9067796" y="5873749"/>
+            <a:ext cx="3429023" cy="129"/>
           </a:xfrm>
           <a:prstGeom prst="line">
             <a:avLst/>
@@ -2320,8 +2323,8 @@
         </p:nvSpPr>
         <p:spPr>
           <a:xfrm>
-            <a:off x="6285653" y="9040142"/>
-            <a:ext cx="3034454" cy="520701"/>
+            <a:off x="6285652" y="9040141"/>
+            <a:ext cx="3034455" cy="520701"/>
           </a:xfrm>
           <a:prstGeom prst="rect">
             <a:avLst/>
@@ -2484,8 +2487,8 @@
         </p:nvSpPr>
         <p:spPr>
           <a:xfrm>
-            <a:off x="6285653" y="9040142"/>
-            <a:ext cx="3034454" cy="520701"/>
+            <a:off x="6285652" y="9040141"/>
+            <a:ext cx="3034455" cy="520701"/>
           </a:xfrm>
           <a:prstGeom prst="rect">
             <a:avLst/>
@@ -2648,8 +2651,8 @@
         </p:nvSpPr>
         <p:spPr>
           <a:xfrm>
-            <a:off x="6285653" y="9040142"/>
-            <a:ext cx="3034454" cy="520701"/>
+            <a:off x="6285652" y="9040141"/>
+            <a:ext cx="3034455" cy="520701"/>
           </a:xfrm>
           <a:prstGeom prst="rect">
             <a:avLst/>
@@ -2777,6 +2780,170 @@
         </p:spPr>
         <p:txBody>
           <a:bodyPr/>
+          <a:lstStyle/>
+          <a:p>
+            <a:pPr/>
+            <a:fld id="{86CB4B4D-7CA3-9044-876B-883B54F8677D}" type="slidenum"/>
+          </a:p>
+        </p:txBody>
+      </p:sp>
+    </p:spTree>
+  </p:cSld>
+  <p:clrMapOvr>
+    <a:masterClrMapping/>
+  </p:clrMapOvr>
+  <p:transition xmlns:p14="http://schemas.microsoft.com/office/powerpoint/2010/main" spd="med" advClick="1"/>
+</p:sldLayout>
+</file>
+
+<file path=ppt/slideLayouts/slideLayout20.xml><?xml version="1.0" encoding="utf-8"?>
+<p:sldLayout xmlns:a="http://schemas.openxmlformats.org/drawingml/2006/main" xmlns:r="http://schemas.openxmlformats.org/officeDocument/2006/relationships" xmlns:p="http://schemas.openxmlformats.org/presentationml/2006/main" type="tx" showMasterSp="0" showMasterPhAnim="1">
+  <p:cSld name="Title &amp; Bullets">
+    <p:spTree>
+      <p:nvGrpSpPr>
+        <p:cNvPr id="1" name=""/>
+        <p:cNvGrpSpPr/>
+        <p:nvPr/>
+      </p:nvGrpSpPr>
+      <p:grpSpPr>
+        <a:xfrm>
+          <a:off x="0" y="0"/>
+          <a:ext cx="0" cy="0"/>
+          <a:chOff x="0" y="0"/>
+          <a:chExt cx="0" cy="0"/>
+        </a:xfrm>
+      </p:grpSpPr>
+      <p:sp>
+        <p:nvSpPr>
+          <p:cNvPr id="185" name="Shape 185"/>
+          <p:cNvSpPr/>
+          <p:nvPr/>
+        </p:nvSpPr>
+        <p:spPr>
+          <a:xfrm>
+            <a:off x="647700" y="1968500"/>
+            <a:ext cx="11709400" cy="127"/>
+          </a:xfrm>
+          <a:prstGeom prst="line">
+            <a:avLst/>
+          </a:prstGeom>
+          <a:ln w="12700">
+            <a:solidFill>
+              <a:srgbClr val="9A9A9A"/>
+            </a:solidFill>
+            <a:miter lim="400000"/>
+          </a:ln>
+        </p:spPr>
+        <p:txBody>
+          <a:bodyPr lIns="50800" tIns="50800" rIns="50800" bIns="50800" anchor="ctr"/>
+          <a:lstStyle/>
+          <a:p>
+            <a:pPr algn="l" defTabSz="457200">
+              <a:defRPr sz="1200">
+                <a:latin typeface="+mj-lt"/>
+                <a:ea typeface="+mj-ea"/>
+                <a:cs typeface="+mj-cs"/>
+                <a:sym typeface="Helvetica"/>
+              </a:defRPr>
+            </a:pPr>
+          </a:p>
+        </p:txBody>
+      </p:sp>
+      <p:sp>
+        <p:nvSpPr>
+          <p:cNvPr id="186" name="Shape 186"/>
+          <p:cNvSpPr/>
+          <p:nvPr>
+            <p:ph type="title"/>
+          </p:nvPr>
+        </p:nvSpPr>
+        <p:spPr>
+          <a:prstGeom prst="rect">
+            <a:avLst/>
+          </a:prstGeom>
+        </p:spPr>
+        <p:txBody>
+          <a:bodyPr lIns="50800" tIns="50800" rIns="50800" bIns="50800">
+            <a:noAutofit/>
+          </a:bodyPr>
+          <a:lstStyle/>
+          <a:p>
+            <a:pPr/>
+            <a:r>
+              <a:t>Title Text</a:t>
+            </a:r>
+          </a:p>
+        </p:txBody>
+      </p:sp>
+      <p:sp>
+        <p:nvSpPr>
+          <p:cNvPr id="187" name="Shape 187"/>
+          <p:cNvSpPr/>
+          <p:nvPr>
+            <p:ph type="body" idx="1"/>
+          </p:nvPr>
+        </p:nvSpPr>
+        <p:spPr>
+          <a:prstGeom prst="rect">
+            <a:avLst/>
+          </a:prstGeom>
+        </p:spPr>
+        <p:txBody>
+          <a:bodyPr lIns="50800" tIns="50800" rIns="50800" bIns="50800">
+            <a:noAutofit/>
+          </a:bodyPr>
+          <a:lstStyle/>
+          <a:p>
+            <a:pPr/>
+            <a:r>
+              <a:t>Body Level One</a:t>
+            </a:r>
+          </a:p>
+          <a:p>
+            <a:pPr lvl="1"/>
+            <a:r>
+              <a:t>Body Level Two</a:t>
+            </a:r>
+          </a:p>
+          <a:p>
+            <a:pPr lvl="2"/>
+            <a:r>
+              <a:t>Body Level Three</a:t>
+            </a:r>
+          </a:p>
+          <a:p>
+            <a:pPr lvl="3"/>
+            <a:r>
+              <a:t>Body Level Four</a:t>
+            </a:r>
+          </a:p>
+          <a:p>
+            <a:pPr lvl="4"/>
+            <a:r>
+              <a:t>Body Level Five</a:t>
+            </a:r>
+          </a:p>
+        </p:txBody>
+      </p:sp>
+      <p:sp>
+        <p:nvSpPr>
+          <p:cNvPr id="188" name="Shape 188"/>
+          <p:cNvSpPr/>
+          <p:nvPr>
+            <p:ph type="sldNum" sz="quarter" idx="2"/>
+          </p:nvPr>
+        </p:nvSpPr>
+        <p:spPr>
+          <a:xfrm>
+            <a:off x="12268199" y="9194800"/>
+            <a:ext cx="312015" cy="299822"/>
+          </a:xfrm>
+          <a:prstGeom prst="rect">
+            <a:avLst/>
+          </a:prstGeom>
+        </p:spPr>
+        <p:txBody>
+          <a:bodyPr lIns="50800" tIns="50800" rIns="50800" bIns="50800"/>
           <a:lstStyle/>
           <a:p>
             <a:pPr/>
@@ -3050,8 +3217,8 @@
         </p:nvSpPr>
         <p:spPr>
           <a:xfrm>
-            <a:off x="6285653" y="9040142"/>
-            <a:ext cx="3034454" cy="520701"/>
+            <a:off x="6285652" y="9040141"/>
+            <a:ext cx="3034455" cy="520701"/>
           </a:xfrm>
           <a:prstGeom prst="rect">
             <a:avLst/>
@@ -3102,8 +3269,8 @@
         </p:nvSpPr>
         <p:spPr>
           <a:xfrm>
-            <a:off x="6285653" y="9040142"/>
-            <a:ext cx="3034454" cy="520701"/>
+            <a:off x="6285652" y="9040141"/>
+            <a:ext cx="3034455" cy="520701"/>
           </a:xfrm>
           <a:prstGeom prst="rect">
             <a:avLst/>
@@ -3178,8 +3345,8 @@
         </p:nvSpPr>
         <p:spPr>
           <a:xfrm>
-            <a:off x="6285653" y="9040142"/>
-            <a:ext cx="3034454" cy="520701"/>
+            <a:off x="6285652" y="9040141"/>
+            <a:ext cx="3034455" cy="520701"/>
           </a:xfrm>
           <a:prstGeom prst="rect">
             <a:avLst/>
@@ -3258,8 +3425,8 @@
         </p:nvSpPr>
         <p:spPr>
           <a:xfrm>
-            <a:off x="6285653" y="9040142"/>
-            <a:ext cx="3034454" cy="520701"/>
+            <a:off x="6285652" y="9040141"/>
+            <a:ext cx="3034455" cy="520701"/>
           </a:xfrm>
           <a:prstGeom prst="rect">
             <a:avLst/>
@@ -3309,7 +3476,7 @@
         <p:spPr>
           <a:xfrm>
             <a:off x="7543799" y="7975599"/>
-            <a:ext cx="3" cy="1422530"/>
+            <a:ext cx="2" cy="1422530"/>
           </a:xfrm>
           <a:prstGeom prst="line">
             <a:avLst/>
@@ -3482,8 +3649,8 @@
         </p:nvSpPr>
         <p:spPr>
           <a:xfrm>
-            <a:off x="6285653" y="9040142"/>
-            <a:ext cx="3034454" cy="520701"/>
+            <a:off x="6285652" y="9040141"/>
+            <a:ext cx="3034455" cy="520701"/>
           </a:xfrm>
           <a:prstGeom prst="rect">
             <a:avLst/>
@@ -3532,8 +3699,8 @@
         </p:nvSpPr>
         <p:spPr>
           <a:xfrm>
-            <a:off x="647699" y="4749800"/>
-            <a:ext cx="4882123" cy="128"/>
+            <a:off x="647699" y="4749799"/>
+            <a:ext cx="4882124" cy="129"/>
           </a:xfrm>
           <a:prstGeom prst="line">
             <a:avLst/>
@@ -3704,8 +3871,8 @@
         </p:nvSpPr>
         <p:spPr>
           <a:xfrm>
-            <a:off x="6285653" y="9040142"/>
-            <a:ext cx="3034454" cy="520701"/>
+            <a:off x="6285652" y="9040141"/>
+            <a:ext cx="3034455" cy="520701"/>
           </a:xfrm>
           <a:prstGeom prst="rect">
             <a:avLst/>
@@ -3761,8 +3928,8 @@
         </p:nvSpPr>
         <p:spPr>
           <a:xfrm>
-            <a:off x="647700" y="1968500"/>
-            <a:ext cx="11709401" cy="128"/>
+            <a:off x="647700" y="1968501"/>
+            <a:ext cx="11709400" cy="125"/>
           </a:xfrm>
           <a:prstGeom prst="line">
             <a:avLst/>
@@ -3945,6 +4112,7 @@
     <p:sldLayoutId id="2147483665" r:id="rId18"/>
     <p:sldLayoutId id="2147483666" r:id="rId19"/>
     <p:sldLayoutId id="2147483667" r:id="rId20"/>
+    <p:sldLayoutId id="2147483668" r:id="rId21"/>
   </p:sldLayoutIdLst>
   <p:transition xmlns:p14="http://schemas.microsoft.com/office/powerpoint/2010/main" spd="med" advClick="1"/>
   <p:txStyles>
@@ -4760,7 +4928,7 @@
       </p:grpSpPr>
       <p:sp>
         <p:nvSpPr>
-          <p:cNvPr id="187" name="Shape 187"/>
+          <p:cNvPr id="197" name="Shape 197"/>
           <p:cNvSpPr/>
           <p:nvPr>
             <p:ph type="ctrTitle"/>
@@ -4788,7 +4956,7 @@
       </p:sp>
       <p:sp>
         <p:nvSpPr>
-          <p:cNvPr id="188" name="Shape 188"/>
+          <p:cNvPr id="198" name="Shape 198"/>
           <p:cNvSpPr/>
           <p:nvPr>
             <p:ph type="subTitle" sz="half" idx="1"/>
@@ -4838,7 +5006,7 @@
       </p:grpSpPr>
       <p:sp>
         <p:nvSpPr>
-          <p:cNvPr id="231" name="Shape 231"/>
+          <p:cNvPr id="236" name="Shape 236"/>
           <p:cNvSpPr/>
           <p:nvPr>
             <p:ph type="title"/>
@@ -4855,20 +5023,24 @@
           <a:p>
             <a:pPr/>
             <a:r>
-              <a:t>position</a:t>
+              <a:t>max-width</a:t>
             </a:r>
           </a:p>
         </p:txBody>
       </p:sp>
       <p:sp>
         <p:nvSpPr>
-          <p:cNvPr id="232" name="Shape 232"/>
+          <p:cNvPr id="237" name="Shape 237"/>
           <p:cNvSpPr/>
           <p:nvPr>
-            <p:ph type="body" idx="1"/>
+            <p:ph type="body" sz="half" idx="1"/>
           </p:nvPr>
         </p:nvSpPr>
         <p:spPr>
+          <a:xfrm>
+            <a:off x="571499" y="4156719"/>
+            <a:ext cx="6794998" cy="4733281"/>
+          </a:xfrm>
           <a:prstGeom prst="rect">
             <a:avLst/>
           </a:prstGeom>
@@ -4877,13 +5049,57 @@
           <a:bodyPr/>
           <a:lstStyle/>
           <a:p>
-            <a:pPr marL="261365" indent="-261365" defTabSz="572516">
-              <a:spcBef>
-                <a:spcPts val="4700"/>
-              </a:spcBef>
-              <a:defRPr sz="2548">
+            <a:pPr/>
+          </a:p>
+          <a:p>
+            <a:pPr/>
+            <a:r>
+              <a:t>To prevent a horizontal scroll bar appearing we can use the </a:t>
+            </a:r>
+            <a:r>
+              <a:rPr>
                 <a:effectLst>
-                  <a:outerShdw sx="100000" sy="100000" kx="0" ky="0" algn="b" rotWithShape="0" blurRad="37338" dist="37338" dir="2700000">
+                  <a:outerShdw sx="100000" sy="100000" kx="0" ky="0" algn="b" rotWithShape="0" blurRad="38100" dist="38100" dir="2700000">
+                    <a:srgbClr val="000000">
+                      <a:alpha val="43137"/>
+                    </a:srgbClr>
+                  </a:outerShdw>
+                </a:effectLst>
+                <a:latin typeface="Verdana"/>
+                <a:ea typeface="Verdana"/>
+                <a:cs typeface="Verdana"/>
+                <a:sym typeface="Verdana"/>
+              </a:rPr>
+              <a:t>max-width</a:t>
+            </a:r>
+            <a:r>
+              <a:t> property. For a site that needs to be usable on a mobile it is important to use </a:t>
+            </a:r>
+            <a:r>
+              <a:rPr>
+                <a:effectLst>
+                  <a:outerShdw sx="100000" sy="100000" kx="0" ky="0" algn="b" rotWithShape="0" blurRad="38100" dist="38100" dir="2700000">
+                    <a:srgbClr val="000000">
+                      <a:alpha val="43137"/>
+                    </a:srgbClr>
+                  </a:outerShdw>
+                </a:effectLst>
+                <a:latin typeface="Verdana"/>
+                <a:ea typeface="Verdana"/>
+                <a:cs typeface="Verdana"/>
+                <a:sym typeface="Verdana"/>
+              </a:rPr>
+              <a:t>max-width</a:t>
+            </a:r>
+            <a:r>
+              <a:t>.</a:t>
+            </a:r>
+          </a:p>
+          <a:p>
+            <a:pPr>
+              <a:defRPr>
+                <a:effectLst>
+                  <a:outerShdw sx="100000" sy="100000" kx="0" ky="0" algn="b" rotWithShape="0" blurRad="38100" dist="38100" dir="2700000">
                     <a:srgbClr val="000000">
                       <a:alpha val="43137"/>
                     </a:srgbClr>
@@ -4896,7 +5112,7 @@
               </a:defRPr>
             </a:pPr>
             <a:r>
-              <a:t>position</a:t>
+              <a:t>max-width</a:t>
             </a:r>
             <a:r>
               <a:rPr>
@@ -4905,105 +5121,14 @@
                 <a:cs typeface="Helvetica Neue"/>
                 <a:sym typeface="Helvetica Neue"/>
               </a:rPr>
-              <a:t> property often used to make more complex layouts.</a:t>
-            </a:r>
-            <a:endParaRPr>
-              <a:latin typeface="Helvetica Neue"/>
-              <a:ea typeface="Helvetica Neue"/>
-              <a:cs typeface="Helvetica Neue"/>
-              <a:sym typeface="Helvetica Neue"/>
-            </a:endParaRPr>
-          </a:p>
-          <a:p>
-            <a:pPr marL="261365" indent="-261365" defTabSz="572516">
-              <a:spcBef>
-                <a:spcPts val="4700"/>
-              </a:spcBef>
-              <a:defRPr sz="2548"/>
-            </a:pPr>
-            <a:r>
-              <a:t>Has a range of possible values, and their names make no sense and are difficulty to remember.</a:t>
-            </a:r>
-          </a:p>
-          <a:p>
-            <a:pPr marL="261365" indent="-261365" defTabSz="572516">
-              <a:spcBef>
-                <a:spcPts val="4700"/>
-              </a:spcBef>
-              <a:defRPr b="1" sz="2548"/>
-            </a:pPr>
-            <a:r>
-              <a:t>Static</a:t>
-            </a:r>
-          </a:p>
-          <a:p>
-            <a:pPr marL="261365" indent="-261365" defTabSz="572516">
-              <a:spcBef>
-                <a:spcPts val="4700"/>
-              </a:spcBef>
-              <a:defRPr b="1" sz="2548"/>
-            </a:pPr>
-          </a:p>
-          <a:p>
-            <a:pPr marL="261365" indent="-261365" defTabSz="572516">
-              <a:spcBef>
-                <a:spcPts val="4700"/>
-              </a:spcBef>
-              <a:defRPr sz="2548"/>
-            </a:pPr>
-            <a:r>
-              <a:t>static is the default value. An element with </a:t>
-            </a:r>
-            <a:r>
-              <a:rPr>
-                <a:effectLst>
-                  <a:outerShdw sx="100000" sy="100000" kx="0" ky="0" algn="b" rotWithShape="0" blurRad="37338" dist="37338" dir="2700000">
-                    <a:srgbClr val="000000">
-                      <a:alpha val="43137"/>
-                    </a:srgbClr>
-                  </a:outerShdw>
-                </a:effectLst>
-                <a:latin typeface="Verdana"/>
-                <a:ea typeface="Verdana"/>
-                <a:cs typeface="Verdana"/>
-                <a:sym typeface="Verdana"/>
-              </a:rPr>
-              <a:t>position: static; </a:t>
-            </a:r>
-            <a:r>
-              <a:t>is not positioned in any special way. </a:t>
-            </a:r>
-          </a:p>
-          <a:p>
-            <a:pPr marL="261365" indent="-261365" defTabSz="572516">
-              <a:spcBef>
-                <a:spcPts val="4700"/>
-              </a:spcBef>
-              <a:defRPr sz="2548"/>
-            </a:pPr>
-            <a:r>
-              <a:t>A static element is said to be </a:t>
-            </a:r>
-            <a:r>
-              <a:rPr i="1"/>
-              <a:t>not positioned </a:t>
-            </a:r>
-            <a:r>
-              <a:t>and an element with its position set to anything else is said to be </a:t>
-            </a:r>
-            <a:r>
-              <a:rPr i="1"/>
-              <a:t>positioned</a:t>
-            </a:r>
-            <a:r>
-              <a:t>.</a:t>
+              <a:t> is supported by all major browsers including IE7</a:t>
             </a:r>
           </a:p>
         </p:txBody>
       </p:sp>
       <p:pic>
         <p:nvPicPr>
-          <p:cNvPr id="233" name="image16.png"/>
+          <p:cNvPr id="238" name="image9.png"/>
           <p:cNvPicPr>
             <a:picLocks noChangeAspect="1"/>
           </p:cNvPicPr>
@@ -5019,8 +5144,37 @@
         </p:blipFill>
         <p:spPr>
           <a:xfrm>
-            <a:off x="3190032" y="4084711"/>
-            <a:ext cx="9649073" cy="2104974"/>
+            <a:off x="663575" y="1996480"/>
+            <a:ext cx="10045862" cy="2376265"/>
+          </a:xfrm>
+          <a:prstGeom prst="rect">
+            <a:avLst/>
+          </a:prstGeom>
+          <a:ln w="12700">
+            <a:miter lim="400000"/>
+          </a:ln>
+        </p:spPr>
+      </p:pic>
+      <p:pic>
+        <p:nvPicPr>
+          <p:cNvPr id="239" name="image10.png"/>
+          <p:cNvPicPr>
+            <a:picLocks noChangeAspect="1"/>
+          </p:cNvPicPr>
+          <p:nvPr/>
+        </p:nvPicPr>
+        <p:blipFill>
+          <a:blip r:embed="rId3">
+            <a:extLst/>
+          </a:blip>
+          <a:stretch>
+            <a:fillRect/>
+          </a:stretch>
+        </p:blipFill>
+        <p:spPr>
+          <a:xfrm>
+            <a:off x="7726536" y="4660775"/>
+            <a:ext cx="3924301" cy="4467226"/>
           </a:xfrm>
           <a:prstGeom prst="rect">
             <a:avLst/>
@@ -5058,7 +5212,7 @@
       </p:grpSpPr>
       <p:sp>
         <p:nvSpPr>
-          <p:cNvPr id="235" name="Shape 235"/>
+          <p:cNvPr id="241" name="Shape 241"/>
           <p:cNvSpPr/>
           <p:nvPr>
             <p:ph type="title"/>
@@ -5075,14 +5229,14 @@
           <a:p>
             <a:pPr/>
             <a:r>
-              <a:t>position</a:t>
+              <a:t>the box model</a:t>
             </a:r>
           </a:p>
         </p:txBody>
       </p:sp>
       <p:sp>
         <p:nvSpPr>
-          <p:cNvPr id="236" name="Shape 236"/>
+          <p:cNvPr id="242" name="Shape 242"/>
           <p:cNvSpPr/>
           <p:nvPr>
             <p:ph type="body" sz="half" idx="1"/>
@@ -5090,8 +5244,8 @@
         </p:nvSpPr>
         <p:spPr>
           <a:xfrm>
-            <a:off x="406399" y="2334246"/>
-            <a:ext cx="4634758" cy="6565901"/>
+            <a:off x="571499" y="2284511"/>
+            <a:ext cx="4660479" cy="6565901"/>
           </a:xfrm>
           <a:prstGeom prst="rect">
             <a:avLst/>
@@ -5101,59 +5255,36 @@
           <a:bodyPr/>
           <a:lstStyle/>
           <a:p>
+            <a:pPr/>
+            <a:r>
+              <a:t>When you set the width of an element, it can actually appear bigger because of the border  and padding.</a:t>
+            </a:r>
+          </a:p>
+          <a:p>
             <a:pPr>
-              <a:defRPr b="1"/>
+              <a:spcBef>
+                <a:spcPts val="600"/>
+              </a:spcBef>
             </a:pPr>
             <a:r>
-              <a:t>relative</a:t>
+              <a:t>These two elements have their width set the same but they end up rendered as different sizes.</a:t>
             </a:r>
           </a:p>
           <a:p>
             <a:pPr>
-              <a:defRPr>
-                <a:effectLst>
-                  <a:outerShdw sx="100000" sy="100000" kx="0" ky="0" algn="b" rotWithShape="0" blurRad="38100" dist="38100" dir="2700000">
-                    <a:srgbClr val="000000">
-                      <a:alpha val="43137"/>
-                    </a:srgbClr>
-                  </a:outerShdw>
-                </a:effectLst>
-                <a:latin typeface="Verdana"/>
-                <a:ea typeface="Verdana"/>
-                <a:cs typeface="Verdana"/>
-                <a:sym typeface="Verdana"/>
-              </a:defRPr>
+              <a:spcBef>
+                <a:spcPts val="600"/>
+              </a:spcBef>
             </a:pPr>
             <a:r>
-              <a:t>relative</a:t>
-            </a:r>
-            <a:r>
-              <a:rPr>
-                <a:latin typeface="Helvetica Neue"/>
-                <a:ea typeface="Helvetica Neue"/>
-                <a:cs typeface="Helvetica Neue"/>
-                <a:sym typeface="Helvetica Neue"/>
-              </a:rPr>
-              <a:t> behaves the same was as </a:t>
-            </a:r>
-            <a:r>
-              <a:t>static</a:t>
-            </a:r>
-            <a:r>
-              <a:rPr>
-                <a:latin typeface="Helvetica Neue"/>
-                <a:ea typeface="Helvetica Neue"/>
-                <a:cs typeface="Helvetica Neue"/>
-                <a:sym typeface="Helvetica Neue"/>
-              </a:rPr>
-              <a:t> unless you add some extra properties to adjust the element away from its normal position. Other content will not be adjusted to fit into any gap left by that element.</a:t>
+              <a:t>The solution might be to write smaller width value than we wanted</a:t>
             </a:r>
           </a:p>
         </p:txBody>
       </p:sp>
       <p:pic>
         <p:nvPicPr>
-          <p:cNvPr id="237" name="image18.png"/>
+          <p:cNvPr id="243" name="image11.png"/>
           <p:cNvPicPr>
             <a:picLocks noChangeAspect="1"/>
           </p:cNvPicPr>
@@ -5169,8 +5300,8 @@
         </p:blipFill>
         <p:spPr>
           <a:xfrm>
-            <a:off x="2921551" y="6821016"/>
-            <a:ext cx="9930492" cy="2448273"/>
+            <a:off x="5114342" y="6244952"/>
+            <a:ext cx="7893999" cy="3326482"/>
           </a:xfrm>
           <a:prstGeom prst="rect">
             <a:avLst/>
@@ -5178,18 +5309,11 @@
           <a:ln w="12700">
             <a:miter lim="400000"/>
           </a:ln>
-          <a:effectLst>
-            <a:outerShdw sx="100000" sy="100000" kx="0" ky="0" algn="b" rotWithShape="0" blurRad="292100" dist="139700" dir="2700000">
-              <a:srgbClr val="333333">
-                <a:alpha val="64999"/>
-              </a:srgbClr>
-            </a:outerShdw>
-          </a:effectLst>
         </p:spPr>
       </p:pic>
       <p:pic>
         <p:nvPicPr>
-          <p:cNvPr id="238" name="Screen Shot 2015-10-19 at 10.13.36 a.m..png"/>
+          <p:cNvPr id="244" name="image12.png"/>
           <p:cNvPicPr>
             <a:picLocks noChangeAspect="1"/>
           </p:cNvPicPr>
@@ -5205,50 +5329,22 @@
         </p:blipFill>
         <p:spPr>
           <a:xfrm>
-            <a:off x="4976614" y="169279"/>
-            <a:ext cx="7445289" cy="3797782"/>
+            <a:off x="5870731" y="1727200"/>
+            <a:ext cx="7077076" cy="3362325"/>
           </a:xfrm>
           <a:prstGeom prst="rect">
             <a:avLst/>
           </a:prstGeom>
           <a:ln w="12700">
-            <a:solidFill>
-              <a:srgbClr val="000000"/>
-            </a:solidFill>
             <a:miter lim="400000"/>
           </a:ln>
-        </p:spPr>
-      </p:pic>
-      <p:pic>
-        <p:nvPicPr>
-          <p:cNvPr id="239" name="Screen Shot 2015-10-19 at 10.14.00 a.m..png"/>
-          <p:cNvPicPr>
-            <a:picLocks noChangeAspect="1"/>
-          </p:cNvPicPr>
-          <p:nvPr/>
-        </p:nvPicPr>
-        <p:blipFill>
-          <a:blip r:embed="rId4">
-            <a:extLst/>
-          </a:blip>
-          <a:stretch>
-            <a:fillRect/>
-          </a:stretch>
-        </p:blipFill>
-        <p:spPr>
-          <a:xfrm>
-            <a:off x="8299896" y="2492996"/>
-            <a:ext cx="4368801" cy="4114801"/>
-          </a:xfrm>
-          <a:prstGeom prst="rect">
-            <a:avLst/>
-          </a:prstGeom>
-          <a:ln w="12700">
-            <a:solidFill>
-              <a:srgbClr val="000000"/>
-            </a:solidFill>
-            <a:miter lim="400000"/>
-          </a:ln>
+          <a:effectLst>
+            <a:outerShdw sx="100000" sy="100000" kx="0" ky="0" algn="b" rotWithShape="0" blurRad="292100" dist="139700" dir="2700000">
+              <a:srgbClr val="333333">
+                <a:alpha val="64999"/>
+              </a:srgbClr>
+            </a:outerShdw>
+          </a:effectLst>
         </p:spPr>
       </p:pic>
     </p:spTree>
@@ -5277,9 +5373,148 @@
           <a:chExt cx="0" cy="0"/>
         </a:xfrm>
       </p:grpSpPr>
+      <p:sp>
+        <p:nvSpPr>
+          <p:cNvPr id="246" name="Shape 246"/>
+          <p:cNvSpPr/>
+          <p:nvPr>
+            <p:ph type="title"/>
+          </p:nvPr>
+        </p:nvSpPr>
+        <p:spPr>
+          <a:prstGeom prst="rect">
+            <a:avLst/>
+          </a:prstGeom>
+        </p:spPr>
+        <p:txBody>
+          <a:bodyPr/>
+          <a:lstStyle/>
+          <a:p>
+            <a:pPr/>
+            <a:r>
+              <a:t>box-sizing</a:t>
+            </a:r>
+          </a:p>
+        </p:txBody>
+      </p:sp>
+      <p:sp>
+        <p:nvSpPr>
+          <p:cNvPr id="247" name="Shape 247"/>
+          <p:cNvSpPr/>
+          <p:nvPr>
+            <p:ph type="body" sz="half" idx="1"/>
+          </p:nvPr>
+        </p:nvSpPr>
+        <p:spPr>
+          <a:xfrm>
+            <a:off x="237703" y="2324100"/>
+            <a:ext cx="4706766" cy="7089203"/>
+          </a:xfrm>
+          <a:prstGeom prst="rect">
+            <a:avLst/>
+          </a:prstGeom>
+        </p:spPr>
+        <p:txBody>
+          <a:bodyPr/>
+          <a:lstStyle/>
+          <a:p>
+            <a:pPr/>
+            <a:r>
+              <a:t>A new CSS property called </a:t>
+            </a:r>
+            <a:r>
+              <a:rPr>
+                <a:effectLst>
+                  <a:outerShdw sx="100000" sy="100000" kx="0" ky="0" algn="b" rotWithShape="0" blurRad="38100" dist="38100" dir="2700000">
+                    <a:srgbClr val="000000">
+                      <a:alpha val="43137"/>
+                    </a:srgbClr>
+                  </a:outerShdw>
+                </a:effectLst>
+                <a:latin typeface="Verdana"/>
+                <a:ea typeface="Verdana"/>
+                <a:cs typeface="Verdana"/>
+                <a:sym typeface="Verdana"/>
+              </a:rPr>
+              <a:t>box-sizing</a:t>
+            </a:r>
+            <a:r>
+              <a:t> was created for this problem. When you set </a:t>
+            </a:r>
+            <a:r>
+              <a:rPr>
+                <a:effectLst>
+                  <a:outerShdw sx="100000" sy="100000" kx="0" ky="0" algn="b" rotWithShape="0" blurRad="38100" dist="38100" dir="2700000">
+                    <a:srgbClr val="000000">
+                      <a:alpha val="43137"/>
+                    </a:srgbClr>
+                  </a:outerShdw>
+                </a:effectLst>
+                <a:latin typeface="Verdana"/>
+                <a:ea typeface="Verdana"/>
+                <a:cs typeface="Verdana"/>
+                <a:sym typeface="Verdana"/>
+              </a:rPr>
+              <a:t>box-sizing: border-box;</a:t>
+            </a:r>
+            <a:r>
+              <a:t> on an element the padding and border  of that element no longer increases its width.</a:t>
+            </a:r>
+          </a:p>
+          <a:p>
+            <a:pPr>
+              <a:spcBef>
+                <a:spcPts val="600"/>
+              </a:spcBef>
+            </a:pPr>
+            <a:r>
+              <a:t>Here we have set the         </a:t>
+            </a:r>
+            <a:r>
+              <a:rPr>
+                <a:effectLst>
+                  <a:outerShdw sx="100000" sy="100000" kx="0" ky="0" algn="b" rotWithShape="0" blurRad="38100" dist="38100" dir="2700000">
+                    <a:srgbClr val="000000">
+                      <a:alpha val="43137"/>
+                    </a:srgbClr>
+                  </a:outerShdw>
+                </a:effectLst>
+                <a:latin typeface="Verdana"/>
+                <a:ea typeface="Verdana"/>
+                <a:cs typeface="Verdana"/>
+                <a:sym typeface="Verdana"/>
+              </a:rPr>
+              <a:t>box-sizing: border-box; </a:t>
+            </a:r>
+            <a:r>
+              <a:t>on both elements.</a:t>
+            </a:r>
+          </a:p>
+          <a:p>
+            <a:pPr>
+              <a:spcBef>
+                <a:spcPts val="600"/>
+              </a:spcBef>
+            </a:pPr>
+            <a:r>
+              <a:t>Sonme authors want all elements on their pages to work this way.</a:t>
+            </a:r>
+          </a:p>
+          <a:p>
+            <a:pPr>
+              <a:spcBef>
+                <a:spcPts val="600"/>
+              </a:spcBef>
+            </a:pPr>
+            <a:r>
+              <a:t>Use –webkit- and –moz- prefixes to ensure all browser engines targetted. </a:t>
+            </a:r>
+          </a:p>
+        </p:txBody>
+      </p:sp>
       <p:pic>
         <p:nvPicPr>
-          <p:cNvPr id="241" name="image20.png"/>
+          <p:cNvPr id="248" name="image13.png"/>
           <p:cNvPicPr>
             <a:picLocks noChangeAspect="1"/>
           </p:cNvPicPr>
@@ -5295,8 +5530,8 @@
         </p:blipFill>
         <p:spPr>
           <a:xfrm>
-            <a:off x="4927225" y="900321"/>
-            <a:ext cx="7258694" cy="8190118"/>
+            <a:off x="5412366" y="16097"/>
+            <a:ext cx="7293844" cy="4409951"/>
           </a:xfrm>
           <a:prstGeom prst="rect">
             <a:avLst/>
@@ -5304,254 +5539,11 @@
           <a:ln w="12700">
             <a:miter lim="400000"/>
           </a:ln>
-          <a:effectLst>
-            <a:outerShdw sx="100000" sy="100000" kx="0" ky="0" algn="b" rotWithShape="0" blurRad="292100" dist="139700" dir="2700000">
-              <a:srgbClr val="333333">
-                <a:alpha val="64999"/>
-              </a:srgbClr>
-            </a:outerShdw>
-          </a:effectLst>
         </p:spPr>
       </p:pic>
-      <p:sp>
-        <p:nvSpPr>
-          <p:cNvPr id="242" name="Shape 242"/>
-          <p:cNvSpPr/>
-          <p:nvPr>
-            <p:ph type="title"/>
-          </p:nvPr>
-        </p:nvSpPr>
-        <p:spPr>
-          <a:prstGeom prst="rect">
-            <a:avLst/>
-          </a:prstGeom>
-        </p:spPr>
-        <p:txBody>
-          <a:bodyPr/>
-          <a:lstStyle/>
-          <a:p>
-            <a:pPr/>
-            <a:r>
-              <a:t>position</a:t>
-            </a:r>
-          </a:p>
-        </p:txBody>
-      </p:sp>
-      <p:sp>
-        <p:nvSpPr>
-          <p:cNvPr id="243" name="Shape 243"/>
-          <p:cNvSpPr/>
-          <p:nvPr>
-            <p:ph type="body" sz="half" idx="1"/>
-          </p:nvPr>
-        </p:nvSpPr>
-        <p:spPr>
-          <a:xfrm>
-            <a:off x="165695" y="2984603"/>
-            <a:ext cx="4778774" cy="6565901"/>
-          </a:xfrm>
-          <a:prstGeom prst="rect">
-            <a:avLst/>
-          </a:prstGeom>
-        </p:spPr>
-        <p:txBody>
-          <a:bodyPr/>
-          <a:lstStyle/>
-          <a:p>
-            <a:pPr>
-              <a:defRPr b="1"/>
-            </a:pPr>
-            <a:r>
-              <a:t>fixed</a:t>
-            </a:r>
-          </a:p>
-          <a:p>
-            <a:pPr>
-              <a:spcBef>
-                <a:spcPts val="600"/>
-              </a:spcBef>
-            </a:pPr>
-            <a:r>
-              <a:t>A </a:t>
-            </a:r>
-            <a:r>
-              <a:rPr>
-                <a:effectLst>
-                  <a:outerShdw sx="100000" sy="100000" kx="0" ky="0" algn="b" rotWithShape="0" blurRad="38100" dist="38100" dir="2700000">
-                    <a:srgbClr val="000000">
-                      <a:alpha val="43137"/>
-                    </a:srgbClr>
-                  </a:outerShdw>
-                </a:effectLst>
-                <a:latin typeface="Verdana"/>
-                <a:ea typeface="Verdana"/>
-                <a:cs typeface="Verdana"/>
-                <a:sym typeface="Verdana"/>
-              </a:rPr>
-              <a:t>fixed</a:t>
-            </a:r>
-            <a:r>
-              <a:t> element is positioned </a:t>
-            </a:r>
-            <a:r>
-              <a:rPr>
-                <a:effectLst>
-                  <a:outerShdw sx="100000" sy="100000" kx="0" ky="0" algn="b" rotWithShape="0" blurRad="38100" dist="38100" dir="2700000">
-                    <a:srgbClr val="000000">
-                      <a:alpha val="43137"/>
-                    </a:srgbClr>
-                  </a:outerShdw>
-                </a:effectLst>
-                <a:latin typeface="Verdana"/>
-                <a:ea typeface="Verdana"/>
-                <a:cs typeface="Verdana"/>
-                <a:sym typeface="Verdana"/>
-              </a:rPr>
-              <a:t>relative</a:t>
-            </a:r>
-            <a:r>
-              <a:t> to the viewport, which means it always stays in the same place even if the page is scrolled. </a:t>
-            </a:r>
-          </a:p>
-          <a:p>
-            <a:pPr>
-              <a:spcBef>
-                <a:spcPts val="600"/>
-              </a:spcBef>
-            </a:pPr>
-            <a:r>
-              <a:t>As with </a:t>
-            </a:r>
-            <a:r>
-              <a:rPr>
-                <a:effectLst>
-                  <a:outerShdw sx="100000" sy="100000" kx="0" ky="0" algn="b" rotWithShape="0" blurRad="38100" dist="38100" dir="2700000">
-                    <a:srgbClr val="000000">
-                      <a:alpha val="43137"/>
-                    </a:srgbClr>
-                  </a:outerShdw>
-                </a:effectLst>
-                <a:latin typeface="Verdana"/>
-                <a:ea typeface="Verdana"/>
-                <a:cs typeface="Verdana"/>
-                <a:sym typeface="Verdana"/>
-              </a:rPr>
-              <a:t>relative</a:t>
-            </a:r>
-            <a:r>
-              <a:t> the </a:t>
-            </a:r>
-            <a:r>
-              <a:rPr>
-                <a:effectLst>
-                  <a:outerShdw sx="100000" sy="100000" kx="0" ky="0" algn="b" rotWithShape="0" blurRad="38100" dist="38100" dir="2700000">
-                    <a:srgbClr val="000000">
-                      <a:alpha val="43137"/>
-                    </a:srgbClr>
-                  </a:outerShdw>
-                </a:effectLst>
-                <a:latin typeface="Verdana"/>
-                <a:ea typeface="Verdana"/>
-                <a:cs typeface="Verdana"/>
-                <a:sym typeface="Verdana"/>
-              </a:rPr>
-              <a:t>top</a:t>
-            </a:r>
-            <a:r>
-              <a:t>, </a:t>
-            </a:r>
-            <a:r>
-              <a:rPr>
-                <a:effectLst>
-                  <a:outerShdw sx="100000" sy="100000" kx="0" ky="0" algn="b" rotWithShape="0" blurRad="38100" dist="38100" dir="2700000">
-                    <a:srgbClr val="000000">
-                      <a:alpha val="43137"/>
-                    </a:srgbClr>
-                  </a:outerShdw>
-                </a:effectLst>
-                <a:latin typeface="Verdana"/>
-                <a:ea typeface="Verdana"/>
-                <a:cs typeface="Verdana"/>
-                <a:sym typeface="Verdana"/>
-              </a:rPr>
-              <a:t>right</a:t>
-            </a:r>
-            <a:r>
-              <a:t>, </a:t>
-            </a:r>
-            <a:r>
-              <a:rPr>
-                <a:effectLst>
-                  <a:outerShdw sx="100000" sy="100000" kx="0" ky="0" algn="b" rotWithShape="0" blurRad="38100" dist="38100" dir="2700000">
-                    <a:srgbClr val="000000">
-                      <a:alpha val="43137"/>
-                    </a:srgbClr>
-                  </a:outerShdw>
-                </a:effectLst>
-                <a:latin typeface="Verdana"/>
-                <a:ea typeface="Verdana"/>
-                <a:cs typeface="Verdana"/>
-                <a:sym typeface="Verdana"/>
-              </a:rPr>
-              <a:t>bottom</a:t>
-            </a:r>
-            <a:r>
-              <a:t>, and </a:t>
-            </a:r>
-            <a:r>
-              <a:rPr>
-                <a:effectLst>
-                  <a:outerShdw sx="100000" sy="100000" kx="0" ky="0" algn="b" rotWithShape="0" blurRad="38100" dist="38100" dir="2700000">
-                    <a:srgbClr val="000000">
-                      <a:alpha val="43137"/>
-                    </a:srgbClr>
-                  </a:outerShdw>
-                </a:effectLst>
-                <a:latin typeface="Verdana"/>
-                <a:ea typeface="Verdana"/>
-                <a:cs typeface="Verdana"/>
-                <a:sym typeface="Verdana"/>
-              </a:rPr>
-              <a:t>left</a:t>
-            </a:r>
-            <a:r>
-              <a:t> properties are used.</a:t>
-            </a:r>
-          </a:p>
-          <a:p>
-            <a:pPr>
-              <a:spcBef>
-                <a:spcPts val="600"/>
-              </a:spcBef>
-            </a:pPr>
-            <a:r>
-              <a:t>A </a:t>
-            </a:r>
-            <a:r>
-              <a:rPr>
-                <a:effectLst>
-                  <a:outerShdw sx="100000" sy="100000" kx="0" ky="0" algn="b" rotWithShape="0" blurRad="38100" dist="38100" dir="2700000">
-                    <a:srgbClr val="000000">
-                      <a:alpha val="43137"/>
-                    </a:srgbClr>
-                  </a:outerShdw>
-                </a:effectLst>
-                <a:latin typeface="Verdana"/>
-                <a:ea typeface="Verdana"/>
-                <a:cs typeface="Verdana"/>
-                <a:sym typeface="Verdana"/>
-              </a:rPr>
-              <a:t>fixed</a:t>
-            </a:r>
-            <a:r>
-              <a:t> element does not leave a gap in the page where it would normally have been located.</a:t>
-            </a:r>
-          </a:p>
-        </p:txBody>
-      </p:sp>
       <p:pic>
         <p:nvPicPr>
-          <p:cNvPr id="244" name="Screen Shot 2015-10-19 at 10.11.46 a.m..png"/>
+          <p:cNvPr id="249" name="image14.png"/>
           <p:cNvPicPr>
             <a:picLocks noChangeAspect="1"/>
           </p:cNvPicPr>
@@ -5567,23 +5559,27 @@
         </p:blipFill>
         <p:spPr>
           <a:xfrm>
-            <a:off x="7593573" y="1095093"/>
-            <a:ext cx="4976749" cy="1746941"/>
+            <a:off x="4867250" y="4457841"/>
+            <a:ext cx="7848874" cy="4424788"/>
           </a:xfrm>
           <a:prstGeom prst="rect">
             <a:avLst/>
           </a:prstGeom>
           <a:ln w="12700">
-            <a:solidFill>
-              <a:srgbClr val="000000"/>
-            </a:solidFill>
             <a:miter lim="400000"/>
           </a:ln>
+          <a:effectLst>
+            <a:outerShdw sx="100000" sy="100000" kx="0" ky="0" algn="b" rotWithShape="0" blurRad="292100" dist="139700" dir="2700000">
+              <a:srgbClr val="333333">
+                <a:alpha val="64999"/>
+              </a:srgbClr>
+            </a:outerShdw>
+          </a:effectLst>
         </p:spPr>
       </p:pic>
       <p:pic>
         <p:nvPicPr>
-          <p:cNvPr id="245" name="Screen Shot 2015-10-19 at 10.12.44 a.m..png"/>
+          <p:cNvPr id="250" name="image15.png"/>
           <p:cNvPicPr>
             <a:picLocks noChangeAspect="1"/>
           </p:cNvPicPr>
@@ -5599,16 +5595,13 @@
         </p:blipFill>
         <p:spPr>
           <a:xfrm>
-            <a:off x="2895897" y="660463"/>
-            <a:ext cx="3911601" cy="2616201"/>
+            <a:off x="5206255" y="8244454"/>
+            <a:ext cx="6836207" cy="1509147"/>
           </a:xfrm>
           <a:prstGeom prst="rect">
             <a:avLst/>
           </a:prstGeom>
           <a:ln w="12700">
-            <a:solidFill>
-              <a:srgbClr val="000000"/>
-            </a:solidFill>
             <a:miter lim="400000"/>
           </a:ln>
         </p:spPr>
@@ -5641,7 +5634,7 @@
       </p:grpSpPr>
       <p:sp>
         <p:nvSpPr>
-          <p:cNvPr id="247" name="Shape 247"/>
+          <p:cNvPr id="252" name="Shape 252"/>
           <p:cNvSpPr/>
           <p:nvPr>
             <p:ph type="title"/>
@@ -5665,17 +5658,13 @@
       </p:sp>
       <p:sp>
         <p:nvSpPr>
-          <p:cNvPr id="248" name="Shape 248"/>
+          <p:cNvPr id="253" name="Shape 253"/>
           <p:cNvSpPr/>
           <p:nvPr>
-            <p:ph type="body" sz="half" idx="1"/>
+            <p:ph type="body" idx="1"/>
           </p:nvPr>
         </p:nvSpPr>
         <p:spPr>
-          <a:xfrm>
-            <a:off x="14432" y="2093888"/>
-            <a:ext cx="3965481" cy="7324824"/>
-          </a:xfrm>
           <a:prstGeom prst="rect">
             <a:avLst/>
           </a:prstGeom>
@@ -5684,24 +5673,13 @@
           <a:bodyPr/>
           <a:lstStyle/>
           <a:p>
-            <a:pPr marL="240029" indent="-240029" defTabSz="525779">
+            <a:pPr marL="261365" indent="-261365" defTabSz="572516">
               <a:spcBef>
-                <a:spcPts val="4300"/>
+                <a:spcPts val="4700"/>
               </a:spcBef>
-              <a:defRPr b="1" sz="2340"/>
-            </a:pPr>
-            <a:r>
-              <a:t>absolute</a:t>
-            </a:r>
-          </a:p>
-          <a:p>
-            <a:pPr marL="240029" indent="-240029" defTabSz="525779">
-              <a:spcBef>
-                <a:spcPts val="4300"/>
-              </a:spcBef>
-              <a:defRPr sz="2340">
+              <a:defRPr sz="2548">
                 <a:effectLst>
-                  <a:outerShdw sx="100000" sy="100000" kx="0" ky="0" algn="b" rotWithShape="0" blurRad="34289" dist="34289" dir="2700000">
+                  <a:outerShdw sx="100000" sy="100000" kx="0" ky="0" algn="b" rotWithShape="0" blurRad="37338" dist="37338" dir="2700000">
                     <a:srgbClr val="000000">
                       <a:alpha val="43137"/>
                     </a:srgbClr>
@@ -5714,7 +5692,7 @@
               </a:defRPr>
             </a:pPr>
             <a:r>
-              <a:t>absolute</a:t>
+              <a:t>position</a:t>
             </a:r>
             <a:r>
               <a:rPr>
@@ -5723,31 +5701,7 @@
                 <a:cs typeface="Helvetica Neue"/>
                 <a:sym typeface="Helvetica Neue"/>
               </a:rPr>
-              <a:t> is the trickiest position value. </a:t>
-            </a:r>
-            <a:r>
-              <a:t>absolute</a:t>
-            </a:r>
-            <a:r>
-              <a:rPr>
-                <a:latin typeface="Helvetica Neue"/>
-                <a:ea typeface="Helvetica Neue"/>
-                <a:cs typeface="Helvetica Neue"/>
-                <a:sym typeface="Helvetica Neue"/>
-              </a:rPr>
-              <a:t> behaves like     </a:t>
-            </a:r>
-            <a:r>
-              <a:t>fixed</a:t>
-            </a:r>
-            <a:r>
-              <a:rPr>
-                <a:latin typeface="Helvetica Neue"/>
-                <a:ea typeface="Helvetica Neue"/>
-                <a:cs typeface="Helvetica Neue"/>
-                <a:sym typeface="Helvetica Neue"/>
-              </a:rPr>
-              <a:t> except relative to the    nearest positioned ancestor instead of relative to the viewport. If an absolutely positioned element has no positioned ancestors, it uses  the document body, and still moves along the page scrolling.</a:t>
+              <a:t> property often used to make more complex layouts.</a:t>
             </a:r>
             <a:endParaRPr>
               <a:latin typeface="Helvetica Neue"/>
@@ -5757,21 +5711,95 @@
             </a:endParaRPr>
           </a:p>
           <a:p>
-            <a:pPr marL="240029" indent="-240029" defTabSz="525779">
+            <a:pPr marL="261365" indent="-261365" defTabSz="572516">
               <a:spcBef>
-                <a:spcPts val="4300"/>
+                <a:spcPts val="4700"/>
               </a:spcBef>
-              <a:defRPr sz="2340"/>
+              <a:defRPr sz="2548"/>
             </a:pPr>
             <a:r>
-              <a:t>This is tricky, but can be important for creating sophisticated CSS layouts. </a:t>
+              <a:t>Has a range of possible values, and their name can be confusing and difficult to remember.</a:t>
+            </a:r>
+          </a:p>
+          <a:p>
+            <a:pPr marL="261365" indent="-261365" defTabSz="572516">
+              <a:spcBef>
+                <a:spcPts val="4700"/>
+              </a:spcBef>
+              <a:defRPr b="1" sz="2548"/>
+            </a:pPr>
+            <a:r>
+              <a:t>Static</a:t>
+            </a:r>
+          </a:p>
+          <a:p>
+            <a:pPr marL="261365" indent="-261365" defTabSz="572516">
+              <a:spcBef>
+                <a:spcPts val="4700"/>
+              </a:spcBef>
+              <a:defRPr b="1" sz="2548"/>
+            </a:pPr>
+          </a:p>
+          <a:p>
+            <a:pPr marL="261365" indent="-261365" defTabSz="572516">
+              <a:spcBef>
+                <a:spcPts val="4700"/>
+              </a:spcBef>
+              <a:defRPr sz="2548"/>
+            </a:pPr>
+            <a:r>
+              <a:t>static is the default value. An element with </a:t>
+            </a:r>
+            <a:r>
+              <a:rPr>
+                <a:effectLst>
+                  <a:outerShdw sx="100000" sy="100000" kx="0" ky="0" algn="b" rotWithShape="0" blurRad="37338" dist="37338" dir="2700000">
+                    <a:srgbClr val="000000">
+                      <a:alpha val="43137"/>
+                    </a:srgbClr>
+                  </a:outerShdw>
+                </a:effectLst>
+                <a:latin typeface="Verdana"/>
+                <a:ea typeface="Verdana"/>
+                <a:cs typeface="Verdana"/>
+                <a:sym typeface="Verdana"/>
+              </a:rPr>
+              <a:t>position: static; </a:t>
+            </a:r>
+            <a:r>
+              <a:t>is not positioned in any special way. </a:t>
+            </a:r>
+          </a:p>
+          <a:p>
+            <a:pPr marL="261365" indent="-261365" defTabSz="572516">
+              <a:spcBef>
+                <a:spcPts val="4700"/>
+              </a:spcBef>
+              <a:defRPr sz="2548"/>
+            </a:pPr>
+            <a:r>
+              <a:t>A static element is said to be </a:t>
+            </a:r>
+            <a:r>
+              <a:rPr i="1"/>
+              <a:t>not positioned </a:t>
+            </a:r>
+            <a:r>
+              <a:t>and an element with its position set to anything else is said to be </a:t>
+            </a:r>
+            <a:r>
+              <a:rPr i="1"/>
+              <a:t>positioned</a:t>
+            </a:r>
+            <a:r>
+              <a:t>.</a:t>
             </a:r>
           </a:p>
         </p:txBody>
       </p:sp>
       <p:pic>
         <p:nvPicPr>
-          <p:cNvPr id="249" name="image22.png"/>
+          <p:cNvPr id="254" name="image16.png"/>
           <p:cNvPicPr>
             <a:picLocks noChangeAspect="1"/>
           </p:cNvPicPr>
@@ -5781,79 +5809,15 @@
           <a:blip r:embed="rId2">
             <a:extLst/>
           </a:blip>
+          <a:srcRect l="0" t="0" r="68423" b="0"/>
           <a:stretch>
             <a:fillRect/>
           </a:stretch>
         </p:blipFill>
         <p:spPr>
           <a:xfrm>
-            <a:off x="3496592" y="565626"/>
-            <a:ext cx="6011616" cy="3998336"/>
-          </a:xfrm>
-          <a:prstGeom prst="rect">
-            <a:avLst/>
-          </a:prstGeom>
-          <a:ln w="12700">
-            <a:miter lim="400000"/>
-          </a:ln>
-          <a:effectLst>
-            <a:outerShdw sx="100000" sy="100000" kx="0" ky="0" algn="b" rotWithShape="0" blurRad="292100" dist="139700" dir="2700000">
-              <a:srgbClr val="333333">
-                <a:alpha val="64999"/>
-              </a:srgbClr>
-            </a:outerShdw>
-          </a:effectLst>
-        </p:spPr>
-      </p:pic>
-      <p:pic>
-        <p:nvPicPr>
-          <p:cNvPr id="250" name="Screen Shot 2015-10-19 at 10.09.38 a.m..png"/>
-          <p:cNvPicPr>
-            <a:picLocks noChangeAspect="1"/>
-          </p:cNvPicPr>
-          <p:nvPr/>
-        </p:nvPicPr>
-        <p:blipFill>
-          <a:blip r:embed="rId3">
-            <a:extLst/>
-          </a:blip>
-          <a:stretch>
-            <a:fillRect/>
-          </a:stretch>
-        </p:blipFill>
-        <p:spPr>
-          <a:xfrm>
-            <a:off x="4355405" y="5161625"/>
-            <a:ext cx="8329158" cy="3148640"/>
-          </a:xfrm>
-          <a:prstGeom prst="rect">
-            <a:avLst/>
-          </a:prstGeom>
-          <a:ln w="12700">
-            <a:miter lim="400000"/>
-          </a:ln>
-        </p:spPr>
-      </p:pic>
-      <p:pic>
-        <p:nvPicPr>
-          <p:cNvPr id="251" name="Screen Shot 2015-10-19 at 10.10.52 a.m..png"/>
-          <p:cNvPicPr>
-            <a:picLocks noChangeAspect="1"/>
-          </p:cNvPicPr>
-          <p:nvPr/>
-        </p:nvPicPr>
-        <p:blipFill>
-          <a:blip r:embed="rId4">
-            <a:extLst/>
-          </a:blip>
-          <a:stretch>
-            <a:fillRect/>
-          </a:stretch>
-        </p:blipFill>
-        <p:spPr>
-          <a:xfrm>
-            <a:off x="9401330" y="644144"/>
-            <a:ext cx="3536151" cy="3841300"/>
+            <a:off x="6241811" y="3722687"/>
+            <a:ext cx="4224130" cy="2918359"/>
           </a:xfrm>
           <a:prstGeom prst="rect">
             <a:avLst/>
@@ -5891,17 +5855,13 @@
       </p:grpSpPr>
       <p:sp>
         <p:nvSpPr>
-          <p:cNvPr id="253" name="Shape 253"/>
+          <p:cNvPr id="256" name="Shape 256"/>
           <p:cNvSpPr/>
           <p:nvPr>
             <p:ph type="title"/>
           </p:nvPr>
         </p:nvSpPr>
         <p:spPr>
-          <a:xfrm>
-            <a:off x="88900" y="7683500"/>
-            <a:ext cx="11861800" cy="1397000"/>
-          </a:xfrm>
           <a:prstGeom prst="rect">
             <a:avLst/>
           </a:prstGeom>
@@ -5912,23 +5872,23 @@
           <a:p>
             <a:pPr/>
             <a:r>
-              <a:t>position example</a:t>
+              <a:t>position</a:t>
             </a:r>
           </a:p>
         </p:txBody>
       </p:sp>
       <p:sp>
         <p:nvSpPr>
-          <p:cNvPr id="254" name="Shape 254"/>
+          <p:cNvPr id="257" name="Shape 257"/>
           <p:cNvSpPr/>
           <p:nvPr>
-            <p:ph type="body" idx="1"/>
+            <p:ph type="body" sz="quarter" idx="1"/>
           </p:nvPr>
         </p:nvSpPr>
         <p:spPr>
           <a:xfrm>
-            <a:off x="-1536700" y="2324100"/>
-            <a:ext cx="11861800" cy="6565900"/>
+            <a:off x="431799" y="2105646"/>
+            <a:ext cx="3586809" cy="6565901"/>
           </a:xfrm>
           <a:prstGeom prst="rect">
             <a:avLst/>
@@ -5938,13 +5898,59 @@
           <a:bodyPr/>
           <a:lstStyle/>
           <a:p>
-            <a:pPr/>
+            <a:pPr>
+              <a:defRPr b="1"/>
+            </a:pPr>
+            <a:r>
+              <a:t>relative</a:t>
+            </a:r>
+          </a:p>
+          <a:p>
+            <a:pPr>
+              <a:defRPr>
+                <a:effectLst>
+                  <a:outerShdw sx="100000" sy="100000" kx="0" ky="0" algn="b" rotWithShape="0" blurRad="38100" dist="38100" dir="2700000">
+                    <a:srgbClr val="000000">
+                      <a:alpha val="43137"/>
+                    </a:srgbClr>
+                  </a:outerShdw>
+                </a:effectLst>
+                <a:latin typeface="Verdana"/>
+                <a:ea typeface="Verdana"/>
+                <a:cs typeface="Verdana"/>
+                <a:sym typeface="Verdana"/>
+              </a:defRPr>
+            </a:pPr>
+            <a:r>
+              <a:t>relative</a:t>
+            </a:r>
+            <a:r>
+              <a:rPr>
+                <a:latin typeface="Helvetica Neue"/>
+                <a:ea typeface="Helvetica Neue"/>
+                <a:cs typeface="Helvetica Neue"/>
+                <a:sym typeface="Helvetica Neue"/>
+              </a:rPr>
+              <a:t> behaves the same was as </a:t>
+            </a:r>
+            <a:r>
+              <a:t>static</a:t>
+            </a:r>
+            <a:r>
+              <a:rPr>
+                <a:latin typeface="Helvetica Neue"/>
+                <a:ea typeface="Helvetica Neue"/>
+                <a:cs typeface="Helvetica Neue"/>
+                <a:sym typeface="Helvetica Neue"/>
+              </a:rPr>
+              <a:t> unless you add some extra properties to adjust the element away from its normal position. Other content will not be adjusted to fit into any gap left by that element.</a:t>
+            </a:r>
           </a:p>
         </p:txBody>
       </p:sp>
       <p:pic>
         <p:nvPicPr>
-          <p:cNvPr id="255" name="Screen Shot 2015-10-19 at 9.49.30 a.m..png"/>
+          <p:cNvPr id="258" name="image18.png"/>
           <p:cNvPicPr>
             <a:picLocks noChangeAspect="1"/>
           </p:cNvPicPr>
@@ -5960,23 +5966,27 @@
         </p:blipFill>
         <p:spPr>
           <a:xfrm>
-            <a:off x="3382291" y="117412"/>
-            <a:ext cx="7297317" cy="6748724"/>
+            <a:off x="3200951" y="6935316"/>
+            <a:ext cx="9930492" cy="2448273"/>
           </a:xfrm>
           <a:prstGeom prst="rect">
             <a:avLst/>
           </a:prstGeom>
           <a:ln w="12700">
-            <a:solidFill>
-              <a:srgbClr val="000000"/>
-            </a:solidFill>
             <a:miter lim="400000"/>
           </a:ln>
+          <a:effectLst>
+            <a:outerShdw sx="100000" sy="100000" kx="0" ky="0" algn="b" rotWithShape="0" blurRad="292100" dist="139700" dir="2700000">
+              <a:srgbClr val="333333">
+                <a:alpha val="64999"/>
+              </a:srgbClr>
+            </a:outerShdw>
+          </a:effectLst>
         </p:spPr>
       </p:pic>
       <p:pic>
         <p:nvPicPr>
-          <p:cNvPr id="256" name="Screen Shot 2015-10-19 at 10.00.56 a.m..png"/>
+          <p:cNvPr id="259" name="Screen Shot 2015-10-19 at 10.13.36 a.m..png"/>
           <p:cNvPicPr>
             <a:picLocks noChangeAspect="1"/>
           </p:cNvPicPr>
@@ -5992,8 +6002,8 @@
         </p:blipFill>
         <p:spPr>
           <a:xfrm>
-            <a:off x="137657" y="76200"/>
-            <a:ext cx="3102831" cy="7152710"/>
+            <a:off x="5217914" y="1451979"/>
+            <a:ext cx="7445289" cy="3797782"/>
           </a:xfrm>
           <a:prstGeom prst="rect">
             <a:avLst/>
@@ -6008,7 +6018,7 @@
       </p:pic>
       <p:pic>
         <p:nvPicPr>
-          <p:cNvPr id="257" name="Screen Shot 2015-10-19 at 9.50.04 a.m..png"/>
+          <p:cNvPr id="260" name="Screen Shot 2015-10-19 at 10.14.00 a.m..png"/>
           <p:cNvPicPr>
             <a:picLocks noChangeAspect="1"/>
           </p:cNvPicPr>
@@ -6024,8 +6034,8 @@
         </p:blipFill>
         <p:spPr>
           <a:xfrm>
-            <a:off x="4917724" y="5601560"/>
-            <a:ext cx="8734776" cy="4078010"/>
+            <a:off x="8299896" y="2492996"/>
+            <a:ext cx="4368801" cy="4114801"/>
           </a:xfrm>
           <a:prstGeom prst="rect">
             <a:avLst/>
@@ -6064,9 +6074,45 @@
           <a:chExt cx="0" cy="0"/>
         </a:xfrm>
       </p:grpSpPr>
+      <p:pic>
+        <p:nvPicPr>
+          <p:cNvPr id="262" name="image20.png"/>
+          <p:cNvPicPr>
+            <a:picLocks noChangeAspect="1"/>
+          </p:cNvPicPr>
+          <p:nvPr/>
+        </p:nvPicPr>
+        <p:blipFill>
+          <a:blip r:embed="rId2">
+            <a:extLst/>
+          </a:blip>
+          <a:stretch>
+            <a:fillRect/>
+          </a:stretch>
+        </p:blipFill>
+        <p:spPr>
+          <a:xfrm>
+            <a:off x="4927225" y="900321"/>
+            <a:ext cx="7258694" cy="8190118"/>
+          </a:xfrm>
+          <a:prstGeom prst="rect">
+            <a:avLst/>
+          </a:prstGeom>
+          <a:ln w="12700">
+            <a:miter lim="400000"/>
+          </a:ln>
+          <a:effectLst>
+            <a:outerShdw sx="100000" sy="100000" kx="0" ky="0" algn="b" rotWithShape="0" blurRad="292100" dist="139700" dir="2700000">
+              <a:srgbClr val="333333">
+                <a:alpha val="64999"/>
+              </a:srgbClr>
+            </a:outerShdw>
+          </a:effectLst>
+        </p:spPr>
+      </p:pic>
       <p:sp>
         <p:nvSpPr>
-          <p:cNvPr id="259" name="Shape 259"/>
+          <p:cNvPr id="263" name="Shape 263"/>
           <p:cNvSpPr/>
           <p:nvPr>
             <p:ph type="title"/>
@@ -6083,20 +6129,24 @@
           <a:p>
             <a:pPr/>
             <a:r>
-              <a:t>float</a:t>
+              <a:t>position</a:t>
             </a:r>
           </a:p>
         </p:txBody>
       </p:sp>
       <p:sp>
         <p:nvSpPr>
-          <p:cNvPr id="260" name="Shape 260"/>
+          <p:cNvPr id="264" name="Shape 264"/>
           <p:cNvSpPr/>
           <p:nvPr>
-            <p:ph type="body" idx="1"/>
+            <p:ph type="body" sz="half" idx="1"/>
           </p:nvPr>
         </p:nvSpPr>
         <p:spPr>
+          <a:xfrm>
+            <a:off x="165695" y="2984603"/>
+            <a:ext cx="4778774" cy="6565901"/>
+          </a:xfrm>
           <a:prstGeom prst="rect">
             <a:avLst/>
           </a:prstGeom>
@@ -6105,9 +6155,21 @@
           <a:bodyPr/>
           <a:lstStyle/>
           <a:p>
-            <a:pPr/>
-            <a:r>
-              <a:t>another CSS property used for layout is </a:t>
+            <a:pPr>
+              <a:defRPr b="1"/>
+            </a:pPr>
+            <a:r>
+              <a:t>fixed</a:t>
+            </a:r>
+          </a:p>
+          <a:p>
+            <a:pPr>
+              <a:spcBef>
+                <a:spcPts val="600"/>
+              </a:spcBef>
+            </a:pPr>
+            <a:r>
+              <a:t>A </a:t>
             </a:r>
             <a:r>
               <a:rPr>
@@ -6123,47 +6185,170 @@
                 <a:cs typeface="Verdana"/>
                 <a:sym typeface="Verdana"/>
               </a:rPr>
-              <a:t>float</a:t>
-            </a:r>
-            <a:r>
-              <a:t>. Float is intended for wrapping text around images:</a:t>
+              <a:t>fixed</a:t>
+            </a:r>
+            <a:r>
+              <a:t> element is positioned </a:t>
+            </a:r>
+            <a:r>
+              <a:rPr>
+                <a:effectLst>
+                  <a:outerShdw sx="100000" sy="100000" kx="0" ky="0" algn="b" rotWithShape="0" blurRad="38100" dist="38100" dir="2700000">
+                    <a:srgbClr val="000000">
+                      <a:alpha val="43137"/>
+                    </a:srgbClr>
+                  </a:outerShdw>
+                </a:effectLst>
+                <a:latin typeface="Verdana"/>
+                <a:ea typeface="Verdana"/>
+                <a:cs typeface="Verdana"/>
+                <a:sym typeface="Verdana"/>
+              </a:rPr>
+              <a:t>relative</a:t>
+            </a:r>
+            <a:r>
+              <a:t> to the viewport, which means it always stays in the same place even if the page is scrolled. </a:t>
+            </a:r>
+          </a:p>
+          <a:p>
+            <a:pPr>
+              <a:spcBef>
+                <a:spcPts val="600"/>
+              </a:spcBef>
+            </a:pPr>
+            <a:r>
+              <a:t>As with </a:t>
+            </a:r>
+            <a:r>
+              <a:rPr>
+                <a:effectLst>
+                  <a:outerShdw sx="100000" sy="100000" kx="0" ky="0" algn="b" rotWithShape="0" blurRad="38100" dist="38100" dir="2700000">
+                    <a:srgbClr val="000000">
+                      <a:alpha val="43137"/>
+                    </a:srgbClr>
+                  </a:outerShdw>
+                </a:effectLst>
+                <a:latin typeface="Verdana"/>
+                <a:ea typeface="Verdana"/>
+                <a:cs typeface="Verdana"/>
+                <a:sym typeface="Verdana"/>
+              </a:rPr>
+              <a:t>relative</a:t>
+            </a:r>
+            <a:r>
+              <a:t> the </a:t>
+            </a:r>
+            <a:r>
+              <a:rPr>
+                <a:effectLst>
+                  <a:outerShdw sx="100000" sy="100000" kx="0" ky="0" algn="b" rotWithShape="0" blurRad="38100" dist="38100" dir="2700000">
+                    <a:srgbClr val="000000">
+                      <a:alpha val="43137"/>
+                    </a:srgbClr>
+                  </a:outerShdw>
+                </a:effectLst>
+                <a:latin typeface="Verdana"/>
+                <a:ea typeface="Verdana"/>
+                <a:cs typeface="Verdana"/>
+                <a:sym typeface="Verdana"/>
+              </a:rPr>
+              <a:t>top</a:t>
+            </a:r>
+            <a:r>
+              <a:t>, </a:t>
+            </a:r>
+            <a:r>
+              <a:rPr>
+                <a:effectLst>
+                  <a:outerShdw sx="100000" sy="100000" kx="0" ky="0" algn="b" rotWithShape="0" blurRad="38100" dist="38100" dir="2700000">
+                    <a:srgbClr val="000000">
+                      <a:alpha val="43137"/>
+                    </a:srgbClr>
+                  </a:outerShdw>
+                </a:effectLst>
+                <a:latin typeface="Verdana"/>
+                <a:ea typeface="Verdana"/>
+                <a:cs typeface="Verdana"/>
+                <a:sym typeface="Verdana"/>
+              </a:rPr>
+              <a:t>right</a:t>
+            </a:r>
+            <a:r>
+              <a:t>, </a:t>
+            </a:r>
+            <a:r>
+              <a:rPr>
+                <a:effectLst>
+                  <a:outerShdw sx="100000" sy="100000" kx="0" ky="0" algn="b" rotWithShape="0" blurRad="38100" dist="38100" dir="2700000">
+                    <a:srgbClr val="000000">
+                      <a:alpha val="43137"/>
+                    </a:srgbClr>
+                  </a:outerShdw>
+                </a:effectLst>
+                <a:latin typeface="Verdana"/>
+                <a:ea typeface="Verdana"/>
+                <a:cs typeface="Verdana"/>
+                <a:sym typeface="Verdana"/>
+              </a:rPr>
+              <a:t>bottom</a:t>
+            </a:r>
+            <a:r>
+              <a:t>, and </a:t>
+            </a:r>
+            <a:r>
+              <a:rPr>
+                <a:effectLst>
+                  <a:outerShdw sx="100000" sy="100000" kx="0" ky="0" algn="b" rotWithShape="0" blurRad="38100" dist="38100" dir="2700000">
+                    <a:srgbClr val="000000">
+                      <a:alpha val="43137"/>
+                    </a:srgbClr>
+                  </a:outerShdw>
+                </a:effectLst>
+                <a:latin typeface="Verdana"/>
+                <a:ea typeface="Verdana"/>
+                <a:cs typeface="Verdana"/>
+                <a:sym typeface="Verdana"/>
+              </a:rPr>
+              <a:t>left</a:t>
+            </a:r>
+            <a:r>
+              <a:t> properties are used.</a:t>
+            </a:r>
+          </a:p>
+          <a:p>
+            <a:pPr>
+              <a:spcBef>
+                <a:spcPts val="600"/>
+              </a:spcBef>
+            </a:pPr>
+            <a:r>
+              <a:t>A </a:t>
+            </a:r>
+            <a:r>
+              <a:rPr>
+                <a:effectLst>
+                  <a:outerShdw sx="100000" sy="100000" kx="0" ky="0" algn="b" rotWithShape="0" blurRad="38100" dist="38100" dir="2700000">
+                    <a:srgbClr val="000000">
+                      <a:alpha val="43137"/>
+                    </a:srgbClr>
+                  </a:outerShdw>
+                </a:effectLst>
+                <a:latin typeface="Verdana"/>
+                <a:ea typeface="Verdana"/>
+                <a:cs typeface="Verdana"/>
+                <a:sym typeface="Verdana"/>
+              </a:rPr>
+              <a:t>fixed</a:t>
+            </a:r>
+            <a:r>
+              <a:t> element does not leave a gap in the page where it would normally have been located.</a:t>
             </a:r>
           </a:p>
         </p:txBody>
       </p:sp>
       <p:pic>
         <p:nvPicPr>
-          <p:cNvPr id="261" name="image25.png"/>
-          <p:cNvPicPr>
-            <a:picLocks noChangeAspect="1"/>
-          </p:cNvPicPr>
-          <p:nvPr/>
-        </p:nvPicPr>
-        <p:blipFill>
-          <a:blip r:embed="rId2">
-            <a:extLst/>
-          </a:blip>
-          <a:srcRect l="0" t="0" r="59714" b="0"/>
-          <a:stretch>
-            <a:fillRect/>
-          </a:stretch>
-        </p:blipFill>
-        <p:spPr>
-          <a:xfrm>
-            <a:off x="237703" y="3220616"/>
-            <a:ext cx="3944730" cy="2160241"/>
-          </a:xfrm>
-          <a:prstGeom prst="rect">
-            <a:avLst/>
-          </a:prstGeom>
-          <a:ln w="12700">
-            <a:miter lim="400000"/>
-          </a:ln>
-        </p:spPr>
-      </p:pic>
-      <p:pic>
-        <p:nvPicPr>
-          <p:cNvPr id="262" name="image26.png"/>
+          <p:cNvPr id="265" name="Screen Shot 2015-10-19 at 10.11.46 a.m..png"/>
           <p:cNvPicPr>
             <a:picLocks noChangeAspect="1"/>
           </p:cNvPicPr>
@@ -6179,23 +6364,23 @@
         </p:blipFill>
         <p:spPr>
           <a:xfrm>
-            <a:off x="2308734" y="5898797"/>
-            <a:ext cx="9268259" cy="3850980"/>
+            <a:off x="7593573" y="1095093"/>
+            <a:ext cx="4976749" cy="1746941"/>
           </a:xfrm>
           <a:prstGeom prst="rect">
             <a:avLst/>
           </a:prstGeom>
-          <a:ln>
+          <a:ln w="12700">
             <a:solidFill>
               <a:srgbClr val="000000"/>
             </a:solidFill>
-            <a:miter/>
+            <a:miter lim="400000"/>
           </a:ln>
         </p:spPr>
       </p:pic>
       <p:pic>
         <p:nvPicPr>
-          <p:cNvPr id="263" name="Screen Shot 2015-10-19 at 10.03.44 a.m..png"/>
+          <p:cNvPr id="266" name="Screen Shot 2015-10-19 at 10.12.44 a.m..png"/>
           <p:cNvPicPr>
             <a:picLocks noChangeAspect="1"/>
           </p:cNvPicPr>
@@ -6211,8 +6396,8 @@
         </p:blipFill>
         <p:spPr>
           <a:xfrm>
-            <a:off x="4651749" y="2971927"/>
-            <a:ext cx="7946651" cy="2657569"/>
+            <a:off x="2895897" y="660463"/>
+            <a:ext cx="3911601" cy="2616201"/>
           </a:xfrm>
           <a:prstGeom prst="rect">
             <a:avLst/>
@@ -6253,7 +6438,7 @@
       </p:grpSpPr>
       <p:sp>
         <p:nvSpPr>
-          <p:cNvPr id="265" name="Shape 265"/>
+          <p:cNvPr id="268" name="Shape 268"/>
           <p:cNvSpPr/>
           <p:nvPr>
             <p:ph type="title"/>
@@ -6270,14 +6455,120 @@
           <a:p>
             <a:pPr/>
             <a:r>
-              <a:t>box without clear</a:t>
+              <a:t>position</a:t>
+            </a:r>
+          </a:p>
+        </p:txBody>
+      </p:sp>
+      <p:sp>
+        <p:nvSpPr>
+          <p:cNvPr id="269" name="Shape 269"/>
+          <p:cNvSpPr/>
+          <p:nvPr>
+            <p:ph type="body" sz="half" idx="1"/>
+          </p:nvPr>
+        </p:nvSpPr>
+        <p:spPr>
+          <a:xfrm>
+            <a:off x="14432" y="2093888"/>
+            <a:ext cx="3965481" cy="7324824"/>
+          </a:xfrm>
+          <a:prstGeom prst="rect">
+            <a:avLst/>
+          </a:prstGeom>
+        </p:spPr>
+        <p:txBody>
+          <a:bodyPr/>
+          <a:lstStyle/>
+          <a:p>
+            <a:pPr marL="240029" indent="-240029" defTabSz="525779">
+              <a:spcBef>
+                <a:spcPts val="4300"/>
+              </a:spcBef>
+              <a:defRPr b="1" sz="2340"/>
+            </a:pPr>
+            <a:r>
+              <a:t>absolute</a:t>
+            </a:r>
+          </a:p>
+          <a:p>
+            <a:pPr marL="240029" indent="-240029" defTabSz="525779">
+              <a:spcBef>
+                <a:spcPts val="4300"/>
+              </a:spcBef>
+              <a:defRPr sz="2340">
+                <a:effectLst>
+                  <a:outerShdw sx="100000" sy="100000" kx="0" ky="0" algn="b" rotWithShape="0" blurRad="34289" dist="34289" dir="2700000">
+                    <a:srgbClr val="000000">
+                      <a:alpha val="43137"/>
+                    </a:srgbClr>
+                  </a:outerShdw>
+                </a:effectLst>
+                <a:latin typeface="Verdana"/>
+                <a:ea typeface="Verdana"/>
+                <a:cs typeface="Verdana"/>
+                <a:sym typeface="Verdana"/>
+              </a:defRPr>
+            </a:pPr>
+            <a:r>
+              <a:t>absolute</a:t>
+            </a:r>
+            <a:r>
+              <a:rPr>
+                <a:latin typeface="Helvetica Neue"/>
+                <a:ea typeface="Helvetica Neue"/>
+                <a:cs typeface="Helvetica Neue"/>
+                <a:sym typeface="Helvetica Neue"/>
+              </a:rPr>
+              <a:t> is the trickiest position value. </a:t>
+            </a:r>
+            <a:r>
+              <a:t>absolute</a:t>
+            </a:r>
+            <a:r>
+              <a:rPr>
+                <a:latin typeface="Helvetica Neue"/>
+                <a:ea typeface="Helvetica Neue"/>
+                <a:cs typeface="Helvetica Neue"/>
+                <a:sym typeface="Helvetica Neue"/>
+              </a:rPr>
+              <a:t> behaves like     </a:t>
+            </a:r>
+            <a:r>
+              <a:t>fixed</a:t>
+            </a:r>
+            <a:r>
+              <a:rPr>
+                <a:latin typeface="Helvetica Neue"/>
+                <a:ea typeface="Helvetica Neue"/>
+                <a:cs typeface="Helvetica Neue"/>
+                <a:sym typeface="Helvetica Neue"/>
+              </a:rPr>
+              <a:t> except relative to the    nearest positioned ancestor instead of relative to the viewport. If an absolutely positioned element has no positioned ancestors, it uses  the document body, and still moves along the page scrolling.</a:t>
+            </a:r>
+            <a:endParaRPr>
+              <a:latin typeface="Helvetica Neue"/>
+              <a:ea typeface="Helvetica Neue"/>
+              <a:cs typeface="Helvetica Neue"/>
+              <a:sym typeface="Helvetica Neue"/>
+            </a:endParaRPr>
+          </a:p>
+          <a:p>
+            <a:pPr marL="240029" indent="-240029" defTabSz="525779">
+              <a:spcBef>
+                <a:spcPts val="4300"/>
+              </a:spcBef>
+              <a:defRPr sz="2340"/>
+            </a:pPr>
+            <a:r>
+              <a:t>This is tricky, but can be important for creating sophisticated CSS layouts. </a:t>
             </a:r>
           </a:p>
         </p:txBody>
       </p:sp>
       <p:pic>
         <p:nvPicPr>
-          <p:cNvPr id="266" name="image27.png"/>
+          <p:cNvPr id="270" name="image22.png"/>
           <p:cNvPicPr>
             <a:picLocks noChangeAspect="1"/>
           </p:cNvPicPr>
@@ -6287,15 +6578,14 @@
           <a:blip r:embed="rId2">
             <a:extLst/>
           </a:blip>
-          <a:srcRect l="0" t="0" r="69194" b="36426"/>
           <a:stretch>
             <a:fillRect/>
           </a:stretch>
         </p:blipFill>
         <p:spPr>
           <a:xfrm>
-            <a:off x="1120180" y="2684254"/>
-            <a:ext cx="2846438" cy="2244207"/>
+            <a:off x="3496592" y="565626"/>
+            <a:ext cx="6011616" cy="3998336"/>
           </a:xfrm>
           <a:prstGeom prst="rect">
             <a:avLst/>
@@ -6303,11 +6593,18 @@
           <a:ln w="12700">
             <a:miter lim="400000"/>
           </a:ln>
+          <a:effectLst>
+            <a:outerShdw sx="100000" sy="100000" kx="0" ky="0" algn="b" rotWithShape="0" blurRad="292100" dist="139700" dir="2700000">
+              <a:srgbClr val="333333">
+                <a:alpha val="64999"/>
+              </a:srgbClr>
+            </a:outerShdw>
+          </a:effectLst>
         </p:spPr>
       </p:pic>
       <p:pic>
         <p:nvPicPr>
-          <p:cNvPr id="267" name="Screen Shot 2015-10-19 at 10.05.20 a.m..png"/>
+          <p:cNvPr id="271" name="Screen Shot 2015-10-19 at 10.09.38 a.m..png"/>
           <p:cNvPicPr>
             <a:picLocks noChangeAspect="1"/>
           </p:cNvPicPr>
@@ -6323,8 +6620,8 @@
         </p:blipFill>
         <p:spPr>
           <a:xfrm>
-            <a:off x="4751955" y="2359521"/>
-            <a:ext cx="7075615" cy="3300194"/>
+            <a:off x="4355405" y="5161625"/>
+            <a:ext cx="8329158" cy="3148640"/>
           </a:xfrm>
           <a:prstGeom prst="rect">
             <a:avLst/>
@@ -6339,7 +6636,7 @@
       </p:pic>
       <p:pic>
         <p:nvPicPr>
-          <p:cNvPr id="268" name="Screen Shot 2015-10-19 at 10.07.08 a.m..png"/>
+          <p:cNvPr id="272" name="Screen Shot 2015-10-19 at 10.10.52 a.m..png"/>
           <p:cNvPicPr>
             <a:picLocks noChangeAspect="1"/>
           </p:cNvPicPr>
@@ -6349,15 +6646,14 @@
           <a:blip r:embed="rId4">
             <a:extLst/>
           </a:blip>
-          <a:srcRect l="0" t="0" r="20800" b="17629"/>
           <a:stretch>
             <a:fillRect/>
           </a:stretch>
         </p:blipFill>
         <p:spPr>
           <a:xfrm>
-            <a:off x="1263650" y="6050609"/>
-            <a:ext cx="10299700" cy="3144977"/>
+            <a:off x="9401330" y="644144"/>
+            <a:ext cx="3536150" cy="3841300"/>
           </a:xfrm>
           <a:prstGeom prst="rect">
             <a:avLst/>
@@ -6398,13 +6694,17 @@
       </p:grpSpPr>
       <p:sp>
         <p:nvSpPr>
-          <p:cNvPr id="270" name="Shape 270"/>
+          <p:cNvPr id="274" name="Shape 274"/>
           <p:cNvSpPr/>
           <p:nvPr>
             <p:ph type="title"/>
           </p:nvPr>
         </p:nvSpPr>
         <p:spPr>
+          <a:xfrm>
+            <a:off x="88900" y="7683500"/>
+            <a:ext cx="11861800" cy="1397000"/>
+          </a:xfrm>
           <a:prstGeom prst="rect">
             <a:avLst/>
           </a:prstGeom>
@@ -6415,23 +6715,23 @@
           <a:p>
             <a:pPr/>
             <a:r>
-              <a:t>with clear clear</a:t>
+              <a:t>position example</a:t>
             </a:r>
           </a:p>
         </p:txBody>
       </p:sp>
       <p:sp>
         <p:nvSpPr>
-          <p:cNvPr id="271" name="Shape 271"/>
+          <p:cNvPr id="275" name="Shape 275"/>
           <p:cNvSpPr/>
           <p:nvPr>
-            <p:ph type="body" sz="quarter" idx="1"/>
+            <p:ph type="body" idx="1"/>
           </p:nvPr>
         </p:nvSpPr>
         <p:spPr>
           <a:xfrm>
-            <a:off x="571500" y="2324100"/>
-            <a:ext cx="11861800" cy="824509"/>
+            <a:off x="-1536700" y="2324100"/>
+            <a:ext cx="11861800" cy="6565900"/>
           </a:xfrm>
           <a:prstGeom prst="rect">
             <a:avLst/>
@@ -6442,34 +6742,12 @@
           <a:lstStyle/>
           <a:p>
             <a:pPr/>
-            <a:r>
-              <a:t>the </a:t>
-            </a:r>
-            <a:r>
-              <a:rPr>
-                <a:effectLst>
-                  <a:outerShdw sx="100000" sy="100000" kx="0" ky="0" algn="b" rotWithShape="0" blurRad="38100" dist="38100" dir="2700000">
-                    <a:srgbClr val="000000">
-                      <a:alpha val="43137"/>
-                    </a:srgbClr>
-                  </a:outerShdw>
-                </a:effectLst>
-                <a:latin typeface="Verdana"/>
-                <a:ea typeface="Verdana"/>
-                <a:cs typeface="Verdana"/>
-                <a:sym typeface="Verdana"/>
-              </a:rPr>
-              <a:t>clear</a:t>
-            </a:r>
-            <a:r>
-              <a:t> property is important for controlling the behaviour of floats.</a:t>
-            </a:r>
           </a:p>
         </p:txBody>
       </p:sp>
       <p:pic>
         <p:nvPicPr>
-          <p:cNvPr id="272" name="image27.png"/>
+          <p:cNvPr id="276" name="Screen Shot 2015-10-19 at 9.49.30 a.m..png"/>
           <p:cNvPicPr>
             <a:picLocks noChangeAspect="1"/>
           </p:cNvPicPr>
@@ -6479,27 +6757,29 @@
           <a:blip r:embed="rId2">
             <a:extLst/>
           </a:blip>
-          <a:srcRect l="0" t="0" r="69194" b="0"/>
           <a:stretch>
             <a:fillRect/>
           </a:stretch>
         </p:blipFill>
         <p:spPr>
           <a:xfrm>
-            <a:off x="2923580" y="2689748"/>
-            <a:ext cx="2846438" cy="3530083"/>
+            <a:off x="3382291" y="117412"/>
+            <a:ext cx="7297317" cy="6748724"/>
           </a:xfrm>
           <a:prstGeom prst="rect">
             <a:avLst/>
           </a:prstGeom>
           <a:ln w="12700">
+            <a:solidFill>
+              <a:srgbClr val="000000"/>
+            </a:solidFill>
             <a:miter lim="400000"/>
           </a:ln>
         </p:spPr>
       </p:pic>
       <p:pic>
         <p:nvPicPr>
-          <p:cNvPr id="273" name="image28.png"/>
+          <p:cNvPr id="277" name="Screen Shot 2015-10-19 at 10.00.56 a.m..png"/>
           <p:cNvPicPr>
             <a:picLocks noChangeAspect="1"/>
           </p:cNvPicPr>
@@ -6515,122 +6795,23 @@
         </p:blipFill>
         <p:spPr>
           <a:xfrm>
-            <a:off x="1749871" y="6081191"/>
-            <a:ext cx="9496870" cy="3672409"/>
+            <a:off x="137657" y="76200"/>
+            <a:ext cx="3102831" cy="7152710"/>
           </a:xfrm>
           <a:prstGeom prst="rect">
             <a:avLst/>
           </a:prstGeom>
           <a:ln w="12700">
+            <a:solidFill>
+              <a:srgbClr val="000000"/>
+            </a:solidFill>
             <a:miter lim="400000"/>
           </a:ln>
-          <a:effectLst>
-            <a:outerShdw sx="100000" sy="100000" kx="0" ky="0" algn="b" rotWithShape="0" blurRad="292100" dist="139700" dir="2700000">
-              <a:srgbClr val="333333">
-                <a:alpha val="64999"/>
-              </a:srgbClr>
-            </a:outerShdw>
-          </a:effectLst>
         </p:spPr>
       </p:pic>
-      <p:sp>
-        <p:nvSpPr>
-          <p:cNvPr id="274" name="Shape 274"/>
-          <p:cNvSpPr/>
-          <p:nvPr/>
-        </p:nvSpPr>
-        <p:spPr>
-          <a:xfrm>
-            <a:off x="106635" y="3189639"/>
-            <a:ext cx="3096346" cy="2530423"/>
-          </a:xfrm>
-          <a:prstGeom prst="rect">
-            <a:avLst/>
-          </a:prstGeom>
-          <a:ln w="12700">
-            <a:miter lim="400000"/>
-          </a:ln>
-          <a:extLst>
-            <a:ext uri="{C572A759-6A51-4108-AA02-DFA0A04FC94B}">
-              <ma14:wrappingTextBoxFlag xmlns:ma14="http://schemas.microsoft.com/office/mac/drawingml/2011/main" val="1"/>
-            </a:ext>
-          </a:extLst>
-        </p:spPr>
-        <p:txBody>
-          <a:bodyPr lIns="50800" tIns="50800" rIns="50800" bIns="50800" anchor="ctr">
-            <a:spAutoFit/>
-          </a:bodyPr>
-          <a:lstStyle/>
-          <a:p>
-            <a:pPr algn="l">
-              <a:defRPr sz="2600"/>
-            </a:pPr>
-            <a:r>
-              <a:t>You use the value </a:t>
-            </a:r>
-            <a:r>
-              <a:rPr>
-                <a:effectLst>
-                  <a:outerShdw sx="100000" sy="100000" kx="0" ky="0" algn="b" rotWithShape="0" blurRad="38100" dist="38100" dir="2700000">
-                    <a:srgbClr val="000000">
-                      <a:alpha val="43137"/>
-                    </a:srgbClr>
-                  </a:outerShdw>
-                </a:effectLst>
-                <a:latin typeface="Verdana"/>
-                <a:ea typeface="Verdana"/>
-                <a:cs typeface="Verdana"/>
-                <a:sym typeface="Verdana"/>
-              </a:rPr>
-              <a:t>left</a:t>
-            </a:r>
-            <a:r>
-              <a:t> to clear elements floated to the left. You can also clear </a:t>
-            </a:r>
-            <a:r>
-              <a:rPr>
-                <a:effectLst>
-                  <a:outerShdw sx="100000" sy="100000" kx="0" ky="0" algn="b" rotWithShape="0" blurRad="38100" dist="38100" dir="2700000">
-                    <a:srgbClr val="000000">
-                      <a:alpha val="43137"/>
-                    </a:srgbClr>
-                  </a:outerShdw>
-                </a:effectLst>
-                <a:latin typeface="Verdana"/>
-                <a:ea typeface="Verdana"/>
-                <a:cs typeface="Verdana"/>
-                <a:sym typeface="Verdana"/>
-              </a:rPr>
-              <a:t>right</a:t>
-            </a:r>
-            <a:r>
-              <a:t> and </a:t>
-            </a:r>
-            <a:r>
-              <a:rPr>
-                <a:effectLst>
-                  <a:outerShdw sx="100000" sy="100000" kx="0" ky="0" algn="b" rotWithShape="0" blurRad="38100" dist="38100" dir="2700000">
-                    <a:srgbClr val="000000">
-                      <a:alpha val="43137"/>
-                    </a:srgbClr>
-                  </a:outerShdw>
-                </a:effectLst>
-                <a:latin typeface="Verdana"/>
-                <a:ea typeface="Verdana"/>
-                <a:cs typeface="Verdana"/>
-                <a:sym typeface="Verdana"/>
-              </a:rPr>
-              <a:t>both</a:t>
-            </a:r>
-            <a:r>
-              <a:t>.  </a:t>
-            </a:r>
-          </a:p>
-        </p:txBody>
-      </p:sp>
       <p:pic>
         <p:nvPicPr>
-          <p:cNvPr id="275" name="Screen Shot 2015-10-19 at 10.05.20 a.m..png"/>
+          <p:cNvPr id="278" name="Screen Shot 2015-10-19 at 9.50.04 a.m..png"/>
           <p:cNvPicPr>
             <a:picLocks noChangeAspect="1"/>
           </p:cNvPicPr>
@@ -6646,8 +6827,8 @@
         </p:blipFill>
         <p:spPr>
           <a:xfrm>
-            <a:off x="5882255" y="2921022"/>
-            <a:ext cx="7075615" cy="3300195"/>
+            <a:off x="4917724" y="5601560"/>
+            <a:ext cx="8734776" cy="4078010"/>
           </a:xfrm>
           <a:prstGeom prst="rect">
             <a:avLst/>
@@ -6686,9 +6867,712 @@
           <a:chExt cx="0" cy="0"/>
         </a:xfrm>
       </p:grpSpPr>
+      <p:sp>
+        <p:nvSpPr>
+          <p:cNvPr id="280" name="Shape 280"/>
+          <p:cNvSpPr/>
+          <p:nvPr>
+            <p:ph type="title"/>
+          </p:nvPr>
+        </p:nvSpPr>
+        <p:spPr>
+          <a:prstGeom prst="rect">
+            <a:avLst/>
+          </a:prstGeom>
+        </p:spPr>
+        <p:txBody>
+          <a:bodyPr/>
+          <a:lstStyle/>
+          <a:p>
+            <a:pPr/>
+            <a:r>
+              <a:t>float</a:t>
+            </a:r>
+          </a:p>
+        </p:txBody>
+      </p:sp>
+      <p:sp>
+        <p:nvSpPr>
+          <p:cNvPr id="281" name="Shape 281"/>
+          <p:cNvSpPr/>
+          <p:nvPr>
+            <p:ph type="body" idx="1"/>
+          </p:nvPr>
+        </p:nvSpPr>
+        <p:spPr>
+          <a:prstGeom prst="rect">
+            <a:avLst/>
+          </a:prstGeom>
+        </p:spPr>
+        <p:txBody>
+          <a:bodyPr/>
+          <a:lstStyle/>
+          <a:p>
+            <a:pPr/>
+            <a:r>
+              <a:t>Float cab be used for wrapping text around images:</a:t>
+            </a:r>
+          </a:p>
+        </p:txBody>
+      </p:sp>
       <p:pic>
         <p:nvPicPr>
-          <p:cNvPr id="277" name="image29.png"/>
+          <p:cNvPr id="282" name="image25.png"/>
+          <p:cNvPicPr>
+            <a:picLocks noChangeAspect="1"/>
+          </p:cNvPicPr>
+          <p:nvPr/>
+        </p:nvPicPr>
+        <p:blipFill>
+          <a:blip r:embed="rId2">
+            <a:extLst/>
+          </a:blip>
+          <a:srcRect l="0" t="0" r="59714" b="0"/>
+          <a:stretch>
+            <a:fillRect/>
+          </a:stretch>
+        </p:blipFill>
+        <p:spPr>
+          <a:xfrm>
+            <a:off x="237703" y="3220616"/>
+            <a:ext cx="3944730" cy="2160241"/>
+          </a:xfrm>
+          <a:prstGeom prst="rect">
+            <a:avLst/>
+          </a:prstGeom>
+          <a:ln w="12700">
+            <a:miter lim="400000"/>
+          </a:ln>
+        </p:spPr>
+      </p:pic>
+      <p:pic>
+        <p:nvPicPr>
+          <p:cNvPr id="283" name="image26.png"/>
+          <p:cNvPicPr>
+            <a:picLocks noChangeAspect="1"/>
+          </p:cNvPicPr>
+          <p:nvPr/>
+        </p:nvPicPr>
+        <p:blipFill>
+          <a:blip r:embed="rId3">
+            <a:extLst/>
+          </a:blip>
+          <a:stretch>
+            <a:fillRect/>
+          </a:stretch>
+        </p:blipFill>
+        <p:spPr>
+          <a:xfrm>
+            <a:off x="2308734" y="5898797"/>
+            <a:ext cx="9268259" cy="3850980"/>
+          </a:xfrm>
+          <a:prstGeom prst="rect">
+            <a:avLst/>
+          </a:prstGeom>
+          <a:ln>
+            <a:solidFill>
+              <a:srgbClr val="000000"/>
+            </a:solidFill>
+            <a:miter/>
+          </a:ln>
+        </p:spPr>
+      </p:pic>
+      <p:pic>
+        <p:nvPicPr>
+          <p:cNvPr id="284" name="Screen Shot 2015-10-19 at 10.03.44 a.m..png"/>
+          <p:cNvPicPr>
+            <a:picLocks noChangeAspect="1"/>
+          </p:cNvPicPr>
+          <p:nvPr/>
+        </p:nvPicPr>
+        <p:blipFill>
+          <a:blip r:embed="rId4">
+            <a:extLst/>
+          </a:blip>
+          <a:stretch>
+            <a:fillRect/>
+          </a:stretch>
+        </p:blipFill>
+        <p:spPr>
+          <a:xfrm>
+            <a:off x="4651749" y="2971926"/>
+            <a:ext cx="7946651" cy="2657570"/>
+          </a:xfrm>
+          <a:prstGeom prst="rect">
+            <a:avLst/>
+          </a:prstGeom>
+          <a:ln w="12700">
+            <a:solidFill>
+              <a:srgbClr val="000000"/>
+            </a:solidFill>
+            <a:miter lim="400000"/>
+          </a:ln>
+        </p:spPr>
+      </p:pic>
+    </p:spTree>
+  </p:cSld>
+  <p:clrMapOvr>
+    <a:masterClrMapping/>
+  </p:clrMapOvr>
+  <p:transition xmlns:p14="http://schemas.microsoft.com/office/powerpoint/2010/main" spd="med" advClick="1" p14:dur="1000"/>
+</p:sld>
+</file>
+
+<file path=ppt/slides/slide19.xml><?xml version="1.0" encoding="utf-8"?>
+<p:sld xmlns:a="http://schemas.openxmlformats.org/drawingml/2006/main" xmlns:r="http://schemas.openxmlformats.org/officeDocument/2006/relationships" xmlns:p="http://schemas.openxmlformats.org/presentationml/2006/main" showMasterSp="1" showMasterPhAnim="1">
+  <p:cSld>
+    <p:spTree>
+      <p:nvGrpSpPr>
+        <p:cNvPr id="1" name=""/>
+        <p:cNvGrpSpPr/>
+        <p:nvPr/>
+      </p:nvGrpSpPr>
+      <p:grpSpPr>
+        <a:xfrm>
+          <a:off x="0" y="0"/>
+          <a:ext cx="0" cy="0"/>
+          <a:chOff x="0" y="0"/>
+          <a:chExt cx="0" cy="0"/>
+        </a:xfrm>
+      </p:grpSpPr>
+      <p:sp>
+        <p:nvSpPr>
+          <p:cNvPr id="286" name="Shape 286"/>
+          <p:cNvSpPr/>
+          <p:nvPr>
+            <p:ph type="title"/>
+          </p:nvPr>
+        </p:nvSpPr>
+        <p:spPr>
+          <a:prstGeom prst="rect">
+            <a:avLst/>
+          </a:prstGeom>
+        </p:spPr>
+        <p:txBody>
+          <a:bodyPr/>
+          <a:lstStyle/>
+          <a:p>
+            <a:pPr/>
+            <a:r>
+              <a:t>float without clear</a:t>
+            </a:r>
+          </a:p>
+        </p:txBody>
+      </p:sp>
+      <p:pic>
+        <p:nvPicPr>
+          <p:cNvPr id="287" name="image27.png"/>
+          <p:cNvPicPr>
+            <a:picLocks noChangeAspect="1"/>
+          </p:cNvPicPr>
+          <p:nvPr/>
+        </p:nvPicPr>
+        <p:blipFill>
+          <a:blip r:embed="rId2">
+            <a:extLst/>
+          </a:blip>
+          <a:srcRect l="0" t="0" r="69194" b="36426"/>
+          <a:stretch>
+            <a:fillRect/>
+          </a:stretch>
+        </p:blipFill>
+        <p:spPr>
+          <a:xfrm>
+            <a:off x="1120180" y="2684254"/>
+            <a:ext cx="2846438" cy="2244207"/>
+          </a:xfrm>
+          <a:prstGeom prst="rect">
+            <a:avLst/>
+          </a:prstGeom>
+          <a:ln w="12700">
+            <a:miter lim="400000"/>
+          </a:ln>
+        </p:spPr>
+      </p:pic>
+      <p:pic>
+        <p:nvPicPr>
+          <p:cNvPr id="288" name="Screen Shot 2015-10-19 at 10.05.20 a.m..png"/>
+          <p:cNvPicPr>
+            <a:picLocks noChangeAspect="1"/>
+          </p:cNvPicPr>
+          <p:nvPr/>
+        </p:nvPicPr>
+        <p:blipFill>
+          <a:blip r:embed="rId3">
+            <a:extLst/>
+          </a:blip>
+          <a:stretch>
+            <a:fillRect/>
+          </a:stretch>
+        </p:blipFill>
+        <p:spPr>
+          <a:xfrm>
+            <a:off x="4751955" y="2359521"/>
+            <a:ext cx="7075615" cy="3300194"/>
+          </a:xfrm>
+          <a:prstGeom prst="rect">
+            <a:avLst/>
+          </a:prstGeom>
+          <a:ln w="12700">
+            <a:solidFill>
+              <a:srgbClr val="000000"/>
+            </a:solidFill>
+            <a:miter lim="400000"/>
+          </a:ln>
+        </p:spPr>
+      </p:pic>
+      <p:pic>
+        <p:nvPicPr>
+          <p:cNvPr id="289" name="Screen Shot 2015-10-19 at 10.07.08 a.m..png"/>
+          <p:cNvPicPr>
+            <a:picLocks noChangeAspect="1"/>
+          </p:cNvPicPr>
+          <p:nvPr/>
+        </p:nvPicPr>
+        <p:blipFill>
+          <a:blip r:embed="rId4">
+            <a:extLst/>
+          </a:blip>
+          <a:srcRect l="0" t="0" r="20800" b="17629"/>
+          <a:stretch>
+            <a:fillRect/>
+          </a:stretch>
+        </p:blipFill>
+        <p:spPr>
+          <a:xfrm>
+            <a:off x="1263650" y="6050609"/>
+            <a:ext cx="10299700" cy="3144977"/>
+          </a:xfrm>
+          <a:prstGeom prst="rect">
+            <a:avLst/>
+          </a:prstGeom>
+          <a:ln w="12700">
+            <a:solidFill>
+              <a:srgbClr val="000000"/>
+            </a:solidFill>
+            <a:miter lim="400000"/>
+          </a:ln>
+        </p:spPr>
+      </p:pic>
+    </p:spTree>
+  </p:cSld>
+  <p:clrMapOvr>
+    <a:masterClrMapping/>
+  </p:clrMapOvr>
+  <p:transition xmlns:p14="http://schemas.microsoft.com/office/powerpoint/2010/main" spd="med" advClick="1" p14:dur="1000"/>
+</p:sld>
+</file>
+
+<file path=ppt/slides/slide2.xml><?xml version="1.0" encoding="utf-8"?>
+<p:sld xmlns:a="http://schemas.openxmlformats.org/drawingml/2006/main" xmlns:r="http://schemas.openxmlformats.org/officeDocument/2006/relationships" xmlns:p="http://schemas.openxmlformats.org/presentationml/2006/main" showMasterSp="1" showMasterPhAnim="1">
+  <p:cSld>
+    <p:spTree>
+      <p:nvGrpSpPr>
+        <p:cNvPr id="1" name=""/>
+        <p:cNvGrpSpPr/>
+        <p:nvPr/>
+      </p:nvGrpSpPr>
+      <p:grpSpPr>
+        <a:xfrm>
+          <a:off x="0" y="0"/>
+          <a:ext cx="0" cy="0"/>
+          <a:chOff x="0" y="0"/>
+          <a:chExt cx="0" cy="0"/>
+        </a:xfrm>
+      </p:grpSpPr>
+      <p:sp>
+        <p:nvSpPr>
+          <p:cNvPr id="200" name="Shape 200"/>
+          <p:cNvSpPr/>
+          <p:nvPr>
+            <p:ph type="title"/>
+          </p:nvPr>
+        </p:nvSpPr>
+        <p:spPr>
+          <a:prstGeom prst="rect">
+            <a:avLst/>
+          </a:prstGeom>
+        </p:spPr>
+        <p:txBody>
+          <a:bodyPr/>
+          <a:lstStyle/>
+          <a:p>
+            <a:pPr/>
+            <a:r>
+              <a:t>CSS Selector Examples</a:t>
+            </a:r>
+          </a:p>
+        </p:txBody>
+      </p:sp>
+      <p:sp>
+        <p:nvSpPr>
+          <p:cNvPr id="201" name="Shape 201"/>
+          <p:cNvSpPr/>
+          <p:nvPr>
+            <p:ph type="body" idx="4294967295"/>
+          </p:nvPr>
+        </p:nvSpPr>
+        <p:spPr>
+          <a:prstGeom prst="rect">
+            <a:avLst/>
+          </a:prstGeom>
+        </p:spPr>
+        <p:txBody>
+          <a:bodyPr/>
+          <a:lstStyle/>
+          <a:p>
+            <a:pPr>
+              <a:spcBef>
+                <a:spcPts val="600"/>
+              </a:spcBef>
+              <a:defRPr sz="2800">
+                <a:latin typeface="Helvetica Neue Light"/>
+                <a:ea typeface="Helvetica Neue Light"/>
+                <a:cs typeface="Helvetica Neue Light"/>
+                <a:sym typeface="Helvetica Neue Light"/>
+              </a:defRPr>
+            </a:pPr>
+            <a:r>
+              <a:t>Choosing and applying Class and ID names requires careful attention</a:t>
+            </a:r>
+          </a:p>
+          <a:p>
+            <a:pPr>
+              <a:spcBef>
+                <a:spcPts val="600"/>
+              </a:spcBef>
+              <a:defRPr sz="2800">
+                <a:latin typeface="Helvetica Neue Light"/>
+                <a:ea typeface="Helvetica Neue Light"/>
+                <a:cs typeface="Helvetica Neue Light"/>
+                <a:sym typeface="Helvetica Neue Light"/>
+              </a:defRPr>
+            </a:pPr>
+            <a:r>
+              <a:t>Strive to use clear meaningful names as far as possible.</a:t>
+            </a:r>
+          </a:p>
+        </p:txBody>
+      </p:sp>
+    </p:spTree>
+  </p:cSld>
+  <p:clrMapOvr>
+    <a:masterClrMapping/>
+  </p:clrMapOvr>
+  <p:transition xmlns:p14="http://schemas.microsoft.com/office/powerpoint/2010/main" spd="med" advClick="1" p14:dur="1000"/>
+</p:sld>
+</file>
+
+<file path=ppt/slides/slide20.xml><?xml version="1.0" encoding="utf-8"?>
+<p:sld xmlns:a="http://schemas.openxmlformats.org/drawingml/2006/main" xmlns:r="http://schemas.openxmlformats.org/officeDocument/2006/relationships" xmlns:p="http://schemas.openxmlformats.org/presentationml/2006/main" showMasterSp="1" showMasterPhAnim="1">
+  <p:cSld>
+    <p:spTree>
+      <p:nvGrpSpPr>
+        <p:cNvPr id="1" name=""/>
+        <p:cNvGrpSpPr/>
+        <p:nvPr/>
+      </p:nvGrpSpPr>
+      <p:grpSpPr>
+        <a:xfrm>
+          <a:off x="0" y="0"/>
+          <a:ext cx="0" cy="0"/>
+          <a:chOff x="0" y="0"/>
+          <a:chExt cx="0" cy="0"/>
+        </a:xfrm>
+      </p:grpSpPr>
+      <p:sp>
+        <p:nvSpPr>
+          <p:cNvPr id="291" name="Shape 291"/>
+          <p:cNvSpPr/>
+          <p:nvPr>
+            <p:ph type="title"/>
+          </p:nvPr>
+        </p:nvSpPr>
+        <p:spPr>
+          <a:prstGeom prst="rect">
+            <a:avLst/>
+          </a:prstGeom>
+        </p:spPr>
+        <p:txBody>
+          <a:bodyPr/>
+          <a:lstStyle/>
+          <a:p>
+            <a:pPr/>
+            <a:r>
+              <a:t>float with clear</a:t>
+            </a:r>
+          </a:p>
+        </p:txBody>
+      </p:sp>
+      <p:sp>
+        <p:nvSpPr>
+          <p:cNvPr id="292" name="Shape 292"/>
+          <p:cNvSpPr/>
+          <p:nvPr>
+            <p:ph type="body" sz="quarter" idx="1"/>
+          </p:nvPr>
+        </p:nvSpPr>
+        <p:spPr>
+          <a:xfrm>
+            <a:off x="571500" y="2324100"/>
+            <a:ext cx="11861800" cy="824509"/>
+          </a:xfrm>
+          <a:prstGeom prst="rect">
+            <a:avLst/>
+          </a:prstGeom>
+        </p:spPr>
+        <p:txBody>
+          <a:bodyPr/>
+          <a:lstStyle/>
+          <a:p>
+            <a:pPr/>
+            <a:r>
+              <a:t>the </a:t>
+            </a:r>
+            <a:r>
+              <a:rPr>
+                <a:effectLst>
+                  <a:outerShdw sx="100000" sy="100000" kx="0" ky="0" algn="b" rotWithShape="0" blurRad="38100" dist="38100" dir="2700000">
+                    <a:srgbClr val="000000">
+                      <a:alpha val="43137"/>
+                    </a:srgbClr>
+                  </a:outerShdw>
+                </a:effectLst>
+                <a:latin typeface="Verdana"/>
+                <a:ea typeface="Verdana"/>
+                <a:cs typeface="Verdana"/>
+                <a:sym typeface="Verdana"/>
+              </a:rPr>
+              <a:t>clear</a:t>
+            </a:r>
+            <a:r>
+              <a:t> property is important for controlling the behaviour of floats.</a:t>
+            </a:r>
+          </a:p>
+        </p:txBody>
+      </p:sp>
+      <p:pic>
+        <p:nvPicPr>
+          <p:cNvPr id="293" name="image27.png"/>
+          <p:cNvPicPr>
+            <a:picLocks noChangeAspect="1"/>
+          </p:cNvPicPr>
+          <p:nvPr/>
+        </p:nvPicPr>
+        <p:blipFill>
+          <a:blip r:embed="rId2">
+            <a:extLst/>
+          </a:blip>
+          <a:srcRect l="0" t="0" r="69194" b="0"/>
+          <a:stretch>
+            <a:fillRect/>
+          </a:stretch>
+        </p:blipFill>
+        <p:spPr>
+          <a:xfrm>
+            <a:off x="3012480" y="2689748"/>
+            <a:ext cx="2846438" cy="3530083"/>
+          </a:xfrm>
+          <a:prstGeom prst="rect">
+            <a:avLst/>
+          </a:prstGeom>
+          <a:ln w="12700">
+            <a:miter lim="400000"/>
+          </a:ln>
+        </p:spPr>
+      </p:pic>
+      <p:pic>
+        <p:nvPicPr>
+          <p:cNvPr id="294" name="image28.png"/>
+          <p:cNvPicPr>
+            <a:picLocks noChangeAspect="1"/>
+          </p:cNvPicPr>
+          <p:nvPr/>
+        </p:nvPicPr>
+        <p:blipFill>
+          <a:blip r:embed="rId3">
+            <a:extLst/>
+          </a:blip>
+          <a:stretch>
+            <a:fillRect/>
+          </a:stretch>
+        </p:blipFill>
+        <p:spPr>
+          <a:xfrm>
+            <a:off x="1749871" y="6081191"/>
+            <a:ext cx="9496870" cy="3672409"/>
+          </a:xfrm>
+          <a:prstGeom prst="rect">
+            <a:avLst/>
+          </a:prstGeom>
+          <a:ln w="12700">
+            <a:miter lim="400000"/>
+          </a:ln>
+          <a:effectLst>
+            <a:outerShdw sx="100000" sy="100000" kx="0" ky="0" algn="b" rotWithShape="0" blurRad="292100" dist="139700" dir="2700000">
+              <a:srgbClr val="333333">
+                <a:alpha val="64999"/>
+              </a:srgbClr>
+            </a:outerShdw>
+          </a:effectLst>
+        </p:spPr>
+      </p:pic>
+      <p:sp>
+        <p:nvSpPr>
+          <p:cNvPr id="295" name="Shape 295"/>
+          <p:cNvSpPr/>
+          <p:nvPr/>
+        </p:nvSpPr>
+        <p:spPr>
+          <a:xfrm>
+            <a:off x="144735" y="3189639"/>
+            <a:ext cx="3096346" cy="2530423"/>
+          </a:xfrm>
+          <a:prstGeom prst="rect">
+            <a:avLst/>
+          </a:prstGeom>
+          <a:ln w="12700">
+            <a:miter lim="400000"/>
+          </a:ln>
+          <a:extLst>
+            <a:ext uri="{C572A759-6A51-4108-AA02-DFA0A04FC94B}">
+              <ma14:wrappingTextBoxFlag xmlns:ma14="http://schemas.microsoft.com/office/mac/drawingml/2011/main" val="1"/>
+            </a:ext>
+          </a:extLst>
+        </p:spPr>
+        <p:txBody>
+          <a:bodyPr lIns="50800" tIns="50800" rIns="50800" bIns="50800" anchor="ctr">
+            <a:spAutoFit/>
+          </a:bodyPr>
+          <a:lstStyle/>
+          <a:p>
+            <a:pPr algn="l">
+              <a:defRPr sz="2600"/>
+            </a:pPr>
+            <a:r>
+              <a:t>You use the value </a:t>
+            </a:r>
+            <a:r>
+              <a:rPr>
+                <a:effectLst>
+                  <a:outerShdw sx="100000" sy="100000" kx="0" ky="0" algn="b" rotWithShape="0" blurRad="38100" dist="38100" dir="2700000">
+                    <a:srgbClr val="000000">
+                      <a:alpha val="43137"/>
+                    </a:srgbClr>
+                  </a:outerShdw>
+                </a:effectLst>
+                <a:latin typeface="Verdana"/>
+                <a:ea typeface="Verdana"/>
+                <a:cs typeface="Verdana"/>
+                <a:sym typeface="Verdana"/>
+              </a:rPr>
+              <a:t>left</a:t>
+            </a:r>
+            <a:r>
+              <a:t> to clear elements floated to the left. You can also clear </a:t>
+            </a:r>
+            <a:r>
+              <a:rPr>
+                <a:effectLst>
+                  <a:outerShdw sx="100000" sy="100000" kx="0" ky="0" algn="b" rotWithShape="0" blurRad="38100" dist="38100" dir="2700000">
+                    <a:srgbClr val="000000">
+                      <a:alpha val="43137"/>
+                    </a:srgbClr>
+                  </a:outerShdw>
+                </a:effectLst>
+                <a:latin typeface="Verdana"/>
+                <a:ea typeface="Verdana"/>
+                <a:cs typeface="Verdana"/>
+                <a:sym typeface="Verdana"/>
+              </a:rPr>
+              <a:t>right</a:t>
+            </a:r>
+            <a:r>
+              <a:t> and </a:t>
+            </a:r>
+            <a:r>
+              <a:rPr>
+                <a:effectLst>
+                  <a:outerShdw sx="100000" sy="100000" kx="0" ky="0" algn="b" rotWithShape="0" blurRad="38100" dist="38100" dir="2700000">
+                    <a:srgbClr val="000000">
+                      <a:alpha val="43137"/>
+                    </a:srgbClr>
+                  </a:outerShdw>
+                </a:effectLst>
+                <a:latin typeface="Verdana"/>
+                <a:ea typeface="Verdana"/>
+                <a:cs typeface="Verdana"/>
+                <a:sym typeface="Verdana"/>
+              </a:rPr>
+              <a:t>both</a:t>
+            </a:r>
+            <a:r>
+              <a:t>.  </a:t>
+            </a:r>
+          </a:p>
+        </p:txBody>
+      </p:sp>
+      <p:pic>
+        <p:nvPicPr>
+          <p:cNvPr id="296" name="Screen Shot 2015-10-19 at 10.05.20 a.m..png"/>
+          <p:cNvPicPr>
+            <a:picLocks noChangeAspect="1"/>
+          </p:cNvPicPr>
+          <p:nvPr/>
+        </p:nvPicPr>
+        <p:blipFill>
+          <a:blip r:embed="rId4">
+            <a:extLst/>
+          </a:blip>
+          <a:stretch>
+            <a:fillRect/>
+          </a:stretch>
+        </p:blipFill>
+        <p:spPr>
+          <a:xfrm>
+            <a:off x="5882255" y="2921022"/>
+            <a:ext cx="7075615" cy="3300195"/>
+          </a:xfrm>
+          <a:prstGeom prst="rect">
+            <a:avLst/>
+          </a:prstGeom>
+          <a:ln w="12700">
+            <a:solidFill>
+              <a:srgbClr val="000000"/>
+            </a:solidFill>
+            <a:miter lim="400000"/>
+          </a:ln>
+        </p:spPr>
+      </p:pic>
+    </p:spTree>
+  </p:cSld>
+  <p:clrMapOvr>
+    <a:masterClrMapping/>
+  </p:clrMapOvr>
+  <p:transition xmlns:p14="http://schemas.microsoft.com/office/powerpoint/2010/main" spd="med" advClick="1" p14:dur="1000"/>
+</p:sld>
+</file>
+
+<file path=ppt/slides/slide21.xml><?xml version="1.0" encoding="utf-8"?>
+<p:sld xmlns:a="http://schemas.openxmlformats.org/drawingml/2006/main" xmlns:r="http://schemas.openxmlformats.org/officeDocument/2006/relationships" xmlns:p="http://schemas.openxmlformats.org/presentationml/2006/main" showMasterSp="1" showMasterPhAnim="1">
+  <p:cSld>
+    <p:spTree>
+      <p:nvGrpSpPr>
+        <p:cNvPr id="1" name=""/>
+        <p:cNvGrpSpPr/>
+        <p:nvPr/>
+      </p:nvGrpSpPr>
+      <p:grpSpPr>
+        <a:xfrm>
+          <a:off x="0" y="0"/>
+          <a:ext cx="0" cy="0"/>
+          <a:chOff x="0" y="0"/>
+          <a:chExt cx="0" cy="0"/>
+        </a:xfrm>
+      </p:grpSpPr>
+      <p:pic>
+        <p:nvPicPr>
+          <p:cNvPr id="298" name="image29.png"/>
           <p:cNvPicPr>
             <a:picLocks noChangeAspect="1"/>
           </p:cNvPicPr>
@@ -6717,7 +7601,7 @@
       </p:pic>
       <p:pic>
         <p:nvPicPr>
-          <p:cNvPr id="278" name="image30.png"/>
+          <p:cNvPr id="299" name="image30.png"/>
           <p:cNvPicPr>
             <a:picLocks noChangeAspect="1"/>
           </p:cNvPicPr>
@@ -6746,7 +7630,7 @@
       </p:pic>
       <p:grpSp>
         <p:nvGrpSpPr>
-          <p:cNvPr id="281" name="Group 281"/>
+          <p:cNvPr id="302" name="Group 302"/>
           <p:cNvGrpSpPr/>
           <p:nvPr/>
         </p:nvGrpSpPr>
@@ -6760,7 +7644,7 @@
         </p:grpSpPr>
         <p:pic>
           <p:nvPicPr>
-            <p:cNvPr id="279" name="image31.png"/>
+            <p:cNvPr id="300" name="image31.png"/>
             <p:cNvPicPr>
               <a:picLocks noChangeAspect="1"/>
             </p:cNvPicPr>
@@ -6791,7 +7675,7 @@
         </p:pic>
         <p:sp>
           <p:nvSpPr>
-            <p:cNvPr id="280" name="Shape 280"/>
+            <p:cNvPr id="301" name="Shape 301"/>
             <p:cNvSpPr/>
             <p:nvPr/>
           </p:nvSpPr>
@@ -6909,246 +7793,6 @@
 </p:sld>
 </file>
 
-<file path=ppt/slides/slide2.xml><?xml version="1.0" encoding="utf-8"?>
-<p:sld xmlns:a="http://schemas.openxmlformats.org/drawingml/2006/main" xmlns:r="http://schemas.openxmlformats.org/officeDocument/2006/relationships" xmlns:p="http://schemas.openxmlformats.org/presentationml/2006/main" showMasterSp="1" showMasterPhAnim="1">
-  <p:cSld>
-    <p:spTree>
-      <p:nvGrpSpPr>
-        <p:cNvPr id="1" name=""/>
-        <p:cNvGrpSpPr/>
-        <p:nvPr/>
-      </p:nvGrpSpPr>
-      <p:grpSpPr>
-        <a:xfrm>
-          <a:off x="0" y="0"/>
-          <a:ext cx="0" cy="0"/>
-          <a:chOff x="0" y="0"/>
-          <a:chExt cx="0" cy="0"/>
-        </a:xfrm>
-      </p:grpSpPr>
-      <p:pic>
-        <p:nvPicPr>
-          <p:cNvPr id="190" name="image1.png"/>
-          <p:cNvPicPr>
-            <a:picLocks noChangeAspect="1"/>
-          </p:cNvPicPr>
-          <p:nvPr/>
-        </p:nvPicPr>
-        <p:blipFill>
-          <a:blip r:embed="rId2">
-            <a:extLst/>
-          </a:blip>
-          <a:stretch>
-            <a:fillRect/>
-          </a:stretch>
-        </p:blipFill>
-        <p:spPr>
-          <a:xfrm>
-            <a:off x="309712" y="2219058"/>
-            <a:ext cx="5821461" cy="5187586"/>
-          </a:xfrm>
-          <a:prstGeom prst="rect">
-            <a:avLst/>
-          </a:prstGeom>
-          <a:ln w="12700">
-            <a:miter lim="400000"/>
-          </a:ln>
-          <a:effectLst>
-            <a:outerShdw sx="100000" sy="100000" kx="0" ky="0" algn="b" rotWithShape="0" blurRad="292100" dist="139700" dir="2700000">
-              <a:srgbClr val="333333">
-                <a:alpha val="64999"/>
-              </a:srgbClr>
-            </a:outerShdw>
-          </a:effectLst>
-        </p:spPr>
-      </p:pic>
-      <p:sp>
-        <p:nvSpPr>
-          <p:cNvPr id="191" name="Shape 191"/>
-          <p:cNvSpPr/>
-          <p:nvPr>
-            <p:ph type="title"/>
-          </p:nvPr>
-        </p:nvSpPr>
-        <p:spPr>
-          <a:prstGeom prst="rect">
-            <a:avLst/>
-          </a:prstGeom>
-        </p:spPr>
-        <p:txBody>
-          <a:bodyPr/>
-          <a:lstStyle/>
-          <a:p>
-            <a:pPr/>
-            <a:r>
-              <a:t>Lab 0</a:t>
-            </a:r>
-            <a:r>
-              <a:t>6</a:t>
-            </a:r>
-            <a:r>
-              <a:t>: </a:t>
-            </a:r>
-            <a:r>
-              <a:t>Learn CSS </a:t>
-            </a:r>
-            <a:r>
-              <a:t>Layout</a:t>
-            </a:r>
-            <a:r>
-              <a:t> Part 1</a:t>
-            </a:r>
-          </a:p>
-        </p:txBody>
-      </p:sp>
-      <p:sp>
-        <p:nvSpPr>
-          <p:cNvPr id="192" name="Shape 192"/>
-          <p:cNvSpPr/>
-          <p:nvPr>
-            <p:ph type="sldNum" sz="quarter" idx="4294967295"/>
-          </p:nvPr>
-        </p:nvSpPr>
-        <p:spPr>
-          <a:xfrm>
-            <a:off x="12453213" y="9194800"/>
-            <a:ext cx="127001" cy="198222"/>
-          </a:xfrm>
-          <a:prstGeom prst="rect">
-            <a:avLst/>
-          </a:prstGeom>
-          <a:extLst>
-            <a:ext uri="{C572A759-6A51-4108-AA02-DFA0A04FC94B}">
-              <ma14:wrappingTextBoxFlag xmlns:ma14="http://schemas.microsoft.com/office/mac/drawingml/2011/main" val="1"/>
-            </a:ext>
-          </a:extLst>
-        </p:spPr>
-        <p:txBody>
-          <a:bodyPr/>
-          <a:lstStyle/>
-          <a:p>
-            <a:pPr/>
-            <a:fld id="{86CB4B4D-7CA3-9044-876B-883B54F8677D}" type="slidenum"/>
-          </a:p>
-        </p:txBody>
-      </p:sp>
-      <p:pic>
-        <p:nvPicPr>
-          <p:cNvPr id="193" name="image2.png"/>
-          <p:cNvPicPr>
-            <a:picLocks noChangeAspect="1"/>
-          </p:cNvPicPr>
-          <p:nvPr/>
-        </p:nvPicPr>
-        <p:blipFill>
-          <a:blip r:embed="rId3">
-            <a:extLst/>
-          </a:blip>
-          <a:stretch>
-            <a:fillRect/>
-          </a:stretch>
-        </p:blipFill>
-        <p:spPr>
-          <a:xfrm>
-            <a:off x="337633" y="6604992"/>
-            <a:ext cx="6429376" cy="2362201"/>
-          </a:xfrm>
-          <a:prstGeom prst="rect">
-            <a:avLst/>
-          </a:prstGeom>
-          <a:ln w="12700">
-            <a:miter lim="400000"/>
-          </a:ln>
-          <a:effectLst>
-            <a:outerShdw sx="100000" sy="100000" kx="0" ky="0" algn="b" rotWithShape="0" blurRad="292100" dist="139700" dir="2700000">
-              <a:srgbClr val="333333">
-                <a:alpha val="64999"/>
-              </a:srgbClr>
-            </a:outerShdw>
-          </a:effectLst>
-        </p:spPr>
-      </p:pic>
-      <p:pic>
-        <p:nvPicPr>
-          <p:cNvPr id="194" name="image3.png"/>
-          <p:cNvPicPr>
-            <a:picLocks noChangeAspect="1"/>
-          </p:cNvPicPr>
-          <p:nvPr/>
-        </p:nvPicPr>
-        <p:blipFill>
-          <a:blip r:embed="rId4">
-            <a:extLst/>
-          </a:blip>
-          <a:stretch>
-            <a:fillRect/>
-          </a:stretch>
-        </p:blipFill>
-        <p:spPr>
-          <a:xfrm>
-            <a:off x="6369794" y="2247623"/>
-            <a:ext cx="6429376" cy="3228976"/>
-          </a:xfrm>
-          <a:prstGeom prst="rect">
-            <a:avLst/>
-          </a:prstGeom>
-          <a:ln w="12700">
-            <a:miter lim="400000"/>
-          </a:ln>
-          <a:effectLst>
-            <a:outerShdw sx="100000" sy="100000" kx="0" ky="0" algn="b" rotWithShape="0" blurRad="292100" dist="139700" dir="2700000">
-              <a:srgbClr val="333333">
-                <a:alpha val="64999"/>
-              </a:srgbClr>
-            </a:outerShdw>
-          </a:effectLst>
-        </p:spPr>
-      </p:pic>
-      <p:pic>
-        <p:nvPicPr>
-          <p:cNvPr id="195" name="image4.png"/>
-          <p:cNvPicPr>
-            <a:picLocks noChangeAspect="1"/>
-          </p:cNvPicPr>
-          <p:nvPr/>
-        </p:nvPicPr>
-        <p:blipFill>
-          <a:blip r:embed="rId5">
-            <a:extLst/>
-          </a:blip>
-          <a:stretch>
-            <a:fillRect/>
-          </a:stretch>
-        </p:blipFill>
-        <p:spPr>
-          <a:xfrm>
-            <a:off x="7798544" y="5596880"/>
-            <a:ext cx="5000626" cy="2971801"/>
-          </a:xfrm>
-          <a:prstGeom prst="rect">
-            <a:avLst/>
-          </a:prstGeom>
-          <a:ln w="12700">
-            <a:miter lim="400000"/>
-          </a:ln>
-          <a:effectLst>
-            <a:outerShdw sx="100000" sy="100000" kx="0" ky="0" algn="b" rotWithShape="0" blurRad="292100" dist="139700" dir="2700000">
-              <a:srgbClr val="333333">
-                <a:alpha val="64999"/>
-              </a:srgbClr>
-            </a:outerShdw>
-          </a:effectLst>
-        </p:spPr>
-      </p:pic>
-    </p:spTree>
-  </p:cSld>
-  <p:clrMapOvr>
-    <a:masterClrMapping/>
-  </p:clrMapOvr>
-  <p:transition xmlns:p14="http://schemas.microsoft.com/office/powerpoint/2010/main" spd="med" advClick="1" p14:dur="1000"/>
-</p:sld>
-</file>
-
 <file path=ppt/slides/slide3.xml><?xml version="1.0" encoding="utf-8"?>
 <p:sld xmlns:a="http://schemas.openxmlformats.org/drawingml/2006/main" xmlns:r="http://schemas.openxmlformats.org/officeDocument/2006/relationships" xmlns:p="http://schemas.openxmlformats.org/presentationml/2006/main" showMasterSp="1" showMasterPhAnim="1">
   <p:cSld>
@@ -7168,13 +7812,17 @@
       </p:grpSpPr>
       <p:sp>
         <p:nvSpPr>
-          <p:cNvPr id="197" name="Shape 197"/>
+          <p:cNvPr id="203" name="Shape 203"/>
           <p:cNvSpPr/>
           <p:nvPr>
             <p:ph type="title"/>
           </p:nvPr>
         </p:nvSpPr>
         <p:spPr>
+          <a:xfrm>
+            <a:off x="571500" y="330200"/>
+            <a:ext cx="11861800" cy="825500"/>
+          </a:xfrm>
           <a:prstGeom prst="rect">
             <a:avLst/>
           </a:prstGeom>
@@ -7185,173 +7833,804 @@
           <a:p>
             <a:pPr/>
             <a:r>
-              <a:t>CSS Part 1</a:t>
+              <a:t>CSS Selectors Summary (simple)</a:t>
             </a:r>
           </a:p>
         </p:txBody>
       </p:sp>
       <p:sp>
         <p:nvSpPr>
-          <p:cNvPr id="198" name="Shape 198"/>
+          <p:cNvPr id="204" name="Shape 204"/>
           <p:cNvSpPr/>
           <p:nvPr>
-            <p:ph type="body" idx="1"/>
+            <p:ph type="sldNum" sz="quarter" idx="2"/>
           </p:nvPr>
         </p:nvSpPr>
         <p:spPr>
-          <a:prstGeom prst="rect">
-            <a:avLst/>
-          </a:prstGeom>
+          <a:xfrm>
+            <a:off x="12268200" y="9194800"/>
+            <a:ext cx="312014" cy="304800"/>
+          </a:xfrm>
+          <a:prstGeom prst="rect">
+            <a:avLst/>
+          </a:prstGeom>
+          <a:extLst>
+            <a:ext uri="{C572A759-6A51-4108-AA02-DFA0A04FC94B}">
+              <ma14:wrappingTextBoxFlag xmlns:ma14="http://schemas.microsoft.com/office/mac/drawingml/2011/main" val="1"/>
+            </a:ext>
+          </a:extLst>
         </p:spPr>
         <p:txBody>
           <a:bodyPr/>
           <a:lstStyle/>
           <a:p>
-            <a:pPr>
-              <a:spcBef>
-                <a:spcPts val="600"/>
-              </a:spcBef>
-              <a:defRPr sz="2800">
-                <a:latin typeface="Helvetica Neue Light"/>
-                <a:ea typeface="Helvetica Neue Light"/>
-                <a:cs typeface="Helvetica Neue Light"/>
-                <a:sym typeface="Helvetica Neue Light"/>
-              </a:defRPr>
-            </a:pPr>
-            <a:r>
-              <a:t>No layout</a:t>
-            </a:r>
-          </a:p>
-          <a:p>
-            <a:pPr>
-              <a:spcBef>
-                <a:spcPts val="600"/>
-              </a:spcBef>
-              <a:defRPr sz="2800">
-                <a:latin typeface="Helvetica Neue Light"/>
-                <a:ea typeface="Helvetica Neue Light"/>
-                <a:cs typeface="Helvetica Neue Light"/>
-                <a:sym typeface="Helvetica Neue Light"/>
-              </a:defRPr>
-            </a:pPr>
-            <a:r>
-              <a:t>The “display” property</a:t>
-            </a:r>
-          </a:p>
-          <a:p>
-            <a:pPr>
-              <a:spcBef>
-                <a:spcPts val="600"/>
-              </a:spcBef>
-              <a:defRPr sz="2800">
-                <a:latin typeface="Helvetica Neue Light"/>
-                <a:ea typeface="Helvetica Neue Light"/>
-                <a:cs typeface="Helvetica Neue Light"/>
-                <a:sym typeface="Helvetica Neue Light"/>
-              </a:defRPr>
-            </a:pPr>
-            <a:r>
-              <a:t>Margin: auto;</a:t>
-            </a:r>
-          </a:p>
-          <a:p>
-            <a:pPr>
-              <a:spcBef>
-                <a:spcPts val="600"/>
-              </a:spcBef>
-              <a:defRPr sz="2800">
-                <a:latin typeface="Helvetica Neue Light"/>
-                <a:ea typeface="Helvetica Neue Light"/>
-                <a:cs typeface="Helvetica Neue Light"/>
-                <a:sym typeface="Helvetica Neue Light"/>
-              </a:defRPr>
-            </a:pPr>
-            <a:r>
-              <a:t>Max-width</a:t>
-            </a:r>
-          </a:p>
-          <a:p>
-            <a:pPr>
-              <a:spcBef>
-                <a:spcPts val="600"/>
-              </a:spcBef>
-              <a:defRPr sz="2800">
-                <a:latin typeface="Helvetica Neue Light"/>
-                <a:ea typeface="Helvetica Neue Light"/>
-                <a:cs typeface="Helvetica Neue Light"/>
-                <a:sym typeface="Helvetica Neue Light"/>
-              </a:defRPr>
-            </a:pPr>
-            <a:r>
-              <a:t>The box model</a:t>
-            </a:r>
-          </a:p>
-          <a:p>
-            <a:pPr>
-              <a:spcBef>
-                <a:spcPts val="600"/>
-              </a:spcBef>
-              <a:defRPr sz="2800">
-                <a:latin typeface="Helvetica Neue Light"/>
-                <a:ea typeface="Helvetica Neue Light"/>
-                <a:cs typeface="Helvetica Neue Light"/>
-                <a:sym typeface="Helvetica Neue Light"/>
-              </a:defRPr>
-            </a:pPr>
-            <a:r>
-              <a:t>Box-sizing</a:t>
-            </a:r>
-          </a:p>
-          <a:p>
-            <a:pPr>
-              <a:spcBef>
-                <a:spcPts val="600"/>
-              </a:spcBef>
-              <a:defRPr sz="2800">
-                <a:latin typeface="Helvetica Neue Light"/>
-                <a:ea typeface="Helvetica Neue Light"/>
-                <a:cs typeface="Helvetica Neue Light"/>
-                <a:sym typeface="Helvetica Neue Light"/>
-              </a:defRPr>
-            </a:pPr>
-            <a:r>
-              <a:t>Position</a:t>
-            </a:r>
-          </a:p>
-          <a:p>
-            <a:pPr>
-              <a:spcBef>
-                <a:spcPts val="600"/>
-              </a:spcBef>
-              <a:defRPr sz="2800">
-                <a:latin typeface="Helvetica Neue Light"/>
-                <a:ea typeface="Helvetica Neue Light"/>
-                <a:cs typeface="Helvetica Neue Light"/>
-                <a:sym typeface="Helvetica Neue Light"/>
-              </a:defRPr>
-            </a:pPr>
-            <a:r>
-              <a:t>Float</a:t>
-            </a:r>
-          </a:p>
-          <a:p>
-            <a:pPr>
-              <a:spcBef>
-                <a:spcPts val="600"/>
-              </a:spcBef>
-              <a:defRPr sz="2800">
-                <a:latin typeface="Helvetica Neue Light"/>
-                <a:ea typeface="Helvetica Neue Light"/>
-                <a:cs typeface="Helvetica Neue Light"/>
-                <a:sym typeface="Helvetica Neue Light"/>
-              </a:defRPr>
-            </a:pPr>
-            <a:r>
-              <a:t>Clear</a:t>
-            </a:r>
+            <a:pPr/>
+            <a:fld id="{86CB4B4D-7CA3-9044-876B-883B54F8677D}" type="slidenum"/>
           </a:p>
         </p:txBody>
       </p:sp>
+      <p:graphicFrame>
+        <p:nvGraphicFramePr>
+          <p:cNvPr id="205" name="Table 205"/>
+          <p:cNvGraphicFramePr/>
+          <p:nvPr/>
+        </p:nvGraphicFramePr>
+        <p:xfrm>
+          <a:off x="1244600" y="1320800"/>
+          <a:ext cx="10502900" cy="7962901"/>
+        </p:xfrm>
+        <a:graphic xmlns:a="http://schemas.openxmlformats.org/drawingml/2006/main">
+          <a:graphicData uri="http://schemas.openxmlformats.org/drawingml/2006/table">
+            <a:tbl>
+              <a:tblPr firstCol="0" firstRow="1" lastCol="0" lastRow="0" bandCol="0" bandRow="0" rtl="0">
+                <a:tableStyleId>{4C3C2611-4C71-4FC5-86AE-919BDF0F9419}</a:tableStyleId>
+              </a:tblPr>
+              <a:tblGrid>
+                <a:gridCol w="3479800"/>
+                <a:gridCol w="7023100"/>
+              </a:tblGrid>
+              <a:tr h="1066799">
+                <a:tc>
+                  <a:txBody>
+                    <a:bodyPr/>
+                    <a:lstStyle/>
+                    <a:p>
+                      <a:pPr algn="ctr" defTabSz="457200">
+                        <a:defRPr b="0" sz="1800">
+                          <a:solidFill>
+                            <a:srgbClr val="000000"/>
+                          </a:solidFill>
+                        </a:defRPr>
+                      </a:pPr>
+                      <a:r>
+                        <a:rPr sz="2400">
+                          <a:latin typeface="Helvetica Neue Light"/>
+                          <a:ea typeface="Helvetica Neue Light"/>
+                          <a:cs typeface="Helvetica Neue Light"/>
+                          <a:sym typeface="Helvetica Neue Light"/>
+                        </a:rPr>
+                        <a:t>Selector</a:t>
+                      </a:r>
+                    </a:p>
+                  </a:txBody>
+                  <a:tcPr marL="50800" marR="50800" marT="50800" marB="50800" anchor="ctr" anchorCtr="0" horzOverflow="overflow">
+                    <a:lnL w="25400">
+                      <a:solidFill>
+                        <a:srgbClr val="000000"/>
+                      </a:solidFill>
+                      <a:miter lim="400000"/>
+                    </a:lnL>
+                    <a:lnR w="25400">
+                      <a:solidFill>
+                        <a:srgbClr val="000000"/>
+                      </a:solidFill>
+                      <a:miter lim="400000"/>
+                    </a:lnR>
+                    <a:lnT w="25400">
+                      <a:solidFill>
+                        <a:srgbClr val="000000"/>
+                      </a:solidFill>
+                      <a:miter lim="400000"/>
+                    </a:lnT>
+                    <a:lnB w="25400">
+                      <a:solidFill>
+                        <a:srgbClr val="000000"/>
+                      </a:solidFill>
+                      <a:miter lim="400000"/>
+                    </a:lnB>
+                    <a:solidFill>
+                      <a:srgbClr val="CBCBCB"/>
+                    </a:solidFill>
+                  </a:tcPr>
+                </a:tc>
+                <a:tc>
+                  <a:txBody>
+                    <a:bodyPr/>
+                    <a:lstStyle/>
+                    <a:p>
+                      <a:pPr algn="ctr" defTabSz="457200">
+                        <a:defRPr b="0" sz="1800">
+                          <a:solidFill>
+                            <a:srgbClr val="000000"/>
+                          </a:solidFill>
+                        </a:defRPr>
+                      </a:pPr>
+                      <a:r>
+                        <a:rPr sz="2400">
+                          <a:latin typeface="Helvetica Neue Light"/>
+                          <a:ea typeface="Helvetica Neue Light"/>
+                          <a:cs typeface="Helvetica Neue Light"/>
+                          <a:sym typeface="Helvetica Neue Light"/>
+                        </a:rPr>
+                        <a:t>Applies to</a:t>
+                      </a:r>
+                    </a:p>
+                  </a:txBody>
+                  <a:tcPr marL="50800" marR="50800" marT="50800" marB="50800" anchor="ctr" anchorCtr="0" horzOverflow="overflow">
+                    <a:lnL w="25400">
+                      <a:solidFill>
+                        <a:srgbClr val="000000"/>
+                      </a:solidFill>
+                      <a:miter lim="400000"/>
+                    </a:lnL>
+                    <a:lnR w="25400">
+                      <a:solidFill>
+                        <a:srgbClr val="000000"/>
+                      </a:solidFill>
+                      <a:miter lim="400000"/>
+                    </a:lnR>
+                    <a:lnT w="25400">
+                      <a:solidFill>
+                        <a:srgbClr val="000000"/>
+                      </a:solidFill>
+                      <a:miter lim="400000"/>
+                    </a:lnT>
+                    <a:lnB w="25400">
+                      <a:solidFill>
+                        <a:srgbClr val="000000"/>
+                      </a:solidFill>
+                      <a:miter lim="400000"/>
+                    </a:lnB>
+                    <a:solidFill>
+                      <a:srgbClr val="CBCBCB"/>
+                    </a:solidFill>
+                  </a:tcPr>
+                </a:tc>
+              </a:tr>
+              <a:tr h="995362">
+                <a:tc>
+                  <a:txBody>
+                    <a:bodyPr/>
+                    <a:lstStyle/>
+                    <a:p>
+                      <a:pPr algn="ctr" defTabSz="457200">
+                        <a:defRPr sz="1800"/>
+                      </a:pPr>
+                      <a:r>
+                        <a:rPr sz="2400">
+                          <a:sym typeface="Helvetica Neue Light"/>
+                        </a:rPr>
+                        <a:t>p</a:t>
+                      </a:r>
+                    </a:p>
+                  </a:txBody>
+                  <a:tcPr marL="50800" marR="50800" marT="50800" marB="50800" anchor="ctr" anchorCtr="0" horzOverflow="overflow">
+                    <a:lnL w="25400">
+                      <a:solidFill>
+                        <a:srgbClr val="000000"/>
+                      </a:solidFill>
+                      <a:miter lim="400000"/>
+                    </a:lnL>
+                    <a:lnR w="25400">
+                      <a:solidFill>
+                        <a:srgbClr val="000000"/>
+                      </a:solidFill>
+                      <a:miter lim="400000"/>
+                    </a:lnR>
+                    <a:lnT w="25400">
+                      <a:solidFill>
+                        <a:srgbClr val="000000"/>
+                      </a:solidFill>
+                      <a:miter lim="400000"/>
+                    </a:lnT>
+                    <a:lnB w="25400">
+                      <a:solidFill>
+                        <a:srgbClr val="000000"/>
+                      </a:solidFill>
+                      <a:miter lim="400000"/>
+                    </a:lnB>
+                    <a:noFill/>
+                  </a:tcPr>
+                </a:tc>
+                <a:tc>
+                  <a:txBody>
+                    <a:bodyPr/>
+                    <a:lstStyle/>
+                    <a:p>
+                      <a:pPr algn="ctr" defTabSz="457200">
+                        <a:defRPr sz="1800"/>
+                      </a:pPr>
+                      <a:r>
+                        <a:rPr sz="2400">
+                          <a:sym typeface="Helvetica Neue Light"/>
+                        </a:rPr>
+                        <a:t>All paragraphs in the document</a:t>
+                      </a:r>
+                    </a:p>
+                  </a:txBody>
+                  <a:tcPr marL="50800" marR="50800" marT="50800" marB="50800" anchor="ctr" anchorCtr="0" horzOverflow="overflow">
+                    <a:lnL w="25400">
+                      <a:solidFill>
+                        <a:srgbClr val="000000"/>
+                      </a:solidFill>
+                      <a:miter lim="400000"/>
+                    </a:lnL>
+                    <a:lnR w="25400">
+                      <a:solidFill>
+                        <a:srgbClr val="000000"/>
+                      </a:solidFill>
+                      <a:miter lim="400000"/>
+                    </a:lnR>
+                    <a:lnT w="25400">
+                      <a:solidFill>
+                        <a:srgbClr val="000000"/>
+                      </a:solidFill>
+                      <a:miter lim="400000"/>
+                    </a:lnT>
+                    <a:lnB w="25400">
+                      <a:solidFill>
+                        <a:srgbClr val="000000"/>
+                      </a:solidFill>
+                      <a:miter lim="400000"/>
+                    </a:lnB>
+                    <a:noFill/>
+                  </a:tcPr>
+                </a:tc>
+              </a:tr>
+              <a:tr h="923925">
+                <a:tc>
+                  <a:txBody>
+                    <a:bodyPr/>
+                    <a:lstStyle/>
+                    <a:p>
+                      <a:pPr algn="ctr" defTabSz="457200">
+                        <a:defRPr sz="1800"/>
+                      </a:pPr>
+                      <a:r>
+                        <a:rPr sz="2400">
+                          <a:sym typeface="Helvetica Neue Light"/>
+                        </a:rPr>
+                        <a:t>.about</a:t>
+                      </a:r>
+                    </a:p>
+                  </a:txBody>
+                  <a:tcPr marL="50800" marR="50800" marT="50800" marB="50800" anchor="ctr" anchorCtr="0" horzOverflow="overflow">
+                    <a:lnL w="25400">
+                      <a:solidFill>
+                        <a:srgbClr val="000000"/>
+                      </a:solidFill>
+                      <a:miter lim="400000"/>
+                    </a:lnL>
+                    <a:lnR w="25400">
+                      <a:solidFill>
+                        <a:srgbClr val="000000"/>
+                      </a:solidFill>
+                      <a:miter lim="400000"/>
+                    </a:lnR>
+                    <a:lnT w="25400">
+                      <a:solidFill>
+                        <a:srgbClr val="000000"/>
+                      </a:solidFill>
+                      <a:miter lim="400000"/>
+                    </a:lnT>
+                    <a:lnB w="25400">
+                      <a:solidFill>
+                        <a:srgbClr val="000000"/>
+                      </a:solidFill>
+                      <a:miter lim="400000"/>
+                    </a:lnB>
+                    <a:noFill/>
+                  </a:tcPr>
+                </a:tc>
+                <a:tc>
+                  <a:txBody>
+                    <a:bodyPr/>
+                    <a:lstStyle/>
+                    <a:p>
+                      <a:pPr algn="ctr" defTabSz="457200">
+                        <a:defRPr sz="1800"/>
+                      </a:pPr>
+                      <a:r>
+                        <a:rPr sz="2400">
+                          <a:sym typeface="Helvetica Neue Light"/>
+                        </a:rPr>
+                        <a:t>All elements in the document with a class value of about</a:t>
+                      </a:r>
+                    </a:p>
+                  </a:txBody>
+                  <a:tcPr marL="50800" marR="50800" marT="50800" marB="50800" anchor="ctr" anchorCtr="0" horzOverflow="overflow">
+                    <a:lnL w="25400">
+                      <a:solidFill>
+                        <a:srgbClr val="000000"/>
+                      </a:solidFill>
+                      <a:miter lim="400000"/>
+                    </a:lnL>
+                    <a:lnR w="25400">
+                      <a:solidFill>
+                        <a:srgbClr val="000000"/>
+                      </a:solidFill>
+                      <a:miter lim="400000"/>
+                    </a:lnR>
+                    <a:lnT w="25400">
+                      <a:solidFill>
+                        <a:srgbClr val="000000"/>
+                      </a:solidFill>
+                      <a:miter lim="400000"/>
+                    </a:lnT>
+                    <a:lnB w="25400">
+                      <a:solidFill>
+                        <a:srgbClr val="000000"/>
+                      </a:solidFill>
+                      <a:miter lim="400000"/>
+                    </a:lnB>
+                    <a:noFill/>
+                  </a:tcPr>
+                </a:tc>
+              </a:tr>
+              <a:tr h="995362">
+                <a:tc>
+                  <a:txBody>
+                    <a:bodyPr/>
+                    <a:lstStyle/>
+                    <a:p>
+                      <a:pPr algn="ctr" defTabSz="457200">
+                        <a:defRPr sz="1800"/>
+                      </a:pPr>
+                      <a:r>
+                        <a:rPr sz="2400">
+                          <a:sym typeface="Helvetica Neue Light"/>
+                        </a:rPr>
+                        <a:t>#corporatehistory</a:t>
+                      </a:r>
+                    </a:p>
+                  </a:txBody>
+                  <a:tcPr marL="50800" marR="50800" marT="50800" marB="50800" anchor="ctr" anchorCtr="0" horzOverflow="overflow">
+                    <a:lnL w="25400">
+                      <a:solidFill>
+                        <a:srgbClr val="000000"/>
+                      </a:solidFill>
+                      <a:miter lim="400000"/>
+                    </a:lnL>
+                    <a:lnR w="25400">
+                      <a:solidFill>
+                        <a:srgbClr val="000000"/>
+                      </a:solidFill>
+                      <a:miter lim="400000"/>
+                    </a:lnR>
+                    <a:lnT w="25400">
+                      <a:solidFill>
+                        <a:srgbClr val="000000"/>
+                      </a:solidFill>
+                      <a:miter lim="400000"/>
+                    </a:lnT>
+                    <a:lnB w="25400">
+                      <a:solidFill>
+                        <a:srgbClr val="000000"/>
+                      </a:solidFill>
+                      <a:miter lim="400000"/>
+                    </a:lnB>
+                    <a:noFill/>
+                  </a:tcPr>
+                </a:tc>
+                <a:tc>
+                  <a:txBody>
+                    <a:bodyPr/>
+                    <a:lstStyle/>
+                    <a:p>
+                      <a:pPr algn="ctr" defTabSz="457200">
+                        <a:defRPr sz="1800"/>
+                      </a:pPr>
+                      <a:r>
+                        <a:rPr sz="2400">
+                          <a:sym typeface="Helvetica Neue Light"/>
+                        </a:rPr>
+                        <a:t>The element in the document with an id value of corporate history (if present)</a:t>
+                      </a:r>
+                    </a:p>
+                  </a:txBody>
+                  <a:tcPr marL="50800" marR="50800" marT="50800" marB="50800" anchor="ctr" anchorCtr="0" horzOverflow="overflow">
+                    <a:lnL w="25400">
+                      <a:solidFill>
+                        <a:srgbClr val="000000"/>
+                      </a:solidFill>
+                      <a:miter lim="400000"/>
+                    </a:lnL>
+                    <a:lnR w="25400">
+                      <a:solidFill>
+                        <a:srgbClr val="000000"/>
+                      </a:solidFill>
+                      <a:miter lim="400000"/>
+                    </a:lnR>
+                    <a:lnT w="25400">
+                      <a:solidFill>
+                        <a:srgbClr val="000000"/>
+                      </a:solidFill>
+                      <a:miter lim="400000"/>
+                    </a:lnT>
+                    <a:lnB w="25400">
+                      <a:solidFill>
+                        <a:srgbClr val="000000"/>
+                      </a:solidFill>
+                      <a:miter lim="400000"/>
+                    </a:lnB>
+                    <a:noFill/>
+                  </a:tcPr>
+                </a:tc>
+              </a:tr>
+              <a:tr h="995362">
+                <a:tc>
+                  <a:txBody>
+                    <a:bodyPr/>
+                    <a:lstStyle/>
+                    <a:p>
+                      <a:pPr algn="ctr" defTabSz="457200">
+                        <a:defRPr sz="1800"/>
+                      </a:pPr>
+                      <a:r>
+                        <a:rPr sz="2400">
+                          <a:sym typeface="Helvetica Neue Light"/>
+                        </a:rPr>
+                        <a:t>h1,h2,h3</a:t>
+                      </a:r>
+                    </a:p>
+                  </a:txBody>
+                  <a:tcPr marL="50800" marR="50800" marT="50800" marB="50800" anchor="ctr" anchorCtr="0" horzOverflow="overflow">
+                    <a:lnL w="25400">
+                      <a:solidFill>
+                        <a:srgbClr val="000000"/>
+                      </a:solidFill>
+                      <a:miter lim="400000"/>
+                    </a:lnL>
+                    <a:lnR w="25400">
+                      <a:solidFill>
+                        <a:srgbClr val="000000"/>
+                      </a:solidFill>
+                      <a:miter lim="400000"/>
+                    </a:lnR>
+                    <a:lnT w="25400">
+                      <a:solidFill>
+                        <a:srgbClr val="000000"/>
+                      </a:solidFill>
+                      <a:miter lim="400000"/>
+                    </a:lnT>
+                    <a:lnB w="25400">
+                      <a:solidFill>
+                        <a:srgbClr val="000000"/>
+                      </a:solidFill>
+                      <a:miter lim="400000"/>
+                    </a:lnB>
+                    <a:noFill/>
+                  </a:tcPr>
+                </a:tc>
+                <a:tc>
+                  <a:txBody>
+                    <a:bodyPr/>
+                    <a:lstStyle/>
+                    <a:p>
+                      <a:pPr algn="ctr" defTabSz="457200">
+                        <a:defRPr sz="1800"/>
+                      </a:pPr>
+                      <a:r>
+                        <a:rPr sz="2400">
+                          <a:sym typeface="Helvetica Neue Light"/>
+                        </a:rPr>
+                        <a:t>All first-, second-, and third-level headings in the document</a:t>
+                      </a:r>
+                    </a:p>
+                  </a:txBody>
+                  <a:tcPr marL="50800" marR="50800" marT="50800" marB="50800" anchor="ctr" anchorCtr="0" horzOverflow="overflow">
+                    <a:lnL w="25400">
+                      <a:solidFill>
+                        <a:srgbClr val="000000"/>
+                      </a:solidFill>
+                      <a:miter lim="400000"/>
+                    </a:lnL>
+                    <a:lnR w="25400">
+                      <a:solidFill>
+                        <a:srgbClr val="000000"/>
+                      </a:solidFill>
+                      <a:miter lim="400000"/>
+                    </a:lnR>
+                    <a:lnT w="25400">
+                      <a:solidFill>
+                        <a:srgbClr val="000000"/>
+                      </a:solidFill>
+                      <a:miter lim="400000"/>
+                    </a:lnT>
+                    <a:lnB w="25400">
+                      <a:solidFill>
+                        <a:srgbClr val="000000"/>
+                      </a:solidFill>
+                      <a:miter lim="400000"/>
+                    </a:lnB>
+                    <a:noFill/>
+                  </a:tcPr>
+                </a:tc>
+              </a:tr>
+              <a:tr h="995362">
+                <a:tc>
+                  <a:txBody>
+                    <a:bodyPr/>
+                    <a:lstStyle/>
+                    <a:p>
+                      <a:pPr algn="ctr" defTabSz="457200">
+                        <a:defRPr sz="1800"/>
+                      </a:pPr>
+                      <a:r>
+                        <a:rPr sz="2400">
+                          <a:sym typeface="Helvetica Neue Light"/>
+                        </a:rPr>
+                        <a:t>.privacy, .copyright</a:t>
+                      </a:r>
+                    </a:p>
+                  </a:txBody>
+                  <a:tcPr marL="50800" marR="50800" marT="50800" marB="50800" anchor="ctr" anchorCtr="0" horzOverflow="overflow">
+                    <a:lnL w="25400">
+                      <a:solidFill>
+                        <a:srgbClr val="000000"/>
+                      </a:solidFill>
+                      <a:miter lim="400000"/>
+                    </a:lnL>
+                    <a:lnR w="25400">
+                      <a:solidFill>
+                        <a:srgbClr val="000000"/>
+                      </a:solidFill>
+                      <a:miter lim="400000"/>
+                    </a:lnR>
+                    <a:lnT w="25400">
+                      <a:solidFill>
+                        <a:srgbClr val="000000"/>
+                      </a:solidFill>
+                      <a:miter lim="400000"/>
+                    </a:lnT>
+                    <a:lnB w="25400">
+                      <a:solidFill>
+                        <a:srgbClr val="000000"/>
+                      </a:solidFill>
+                      <a:miter lim="400000"/>
+                    </a:lnB>
+                    <a:noFill/>
+                  </a:tcPr>
+                </a:tc>
+                <a:tc>
+                  <a:txBody>
+                    <a:bodyPr/>
+                    <a:lstStyle/>
+                    <a:p>
+                      <a:pPr algn="ctr" defTabSz="457200">
+                        <a:defRPr sz="1800"/>
+                      </a:pPr>
+                      <a:r>
+                        <a:rPr sz="2400">
+                          <a:sym typeface="Helvetica Neue Light"/>
+                        </a:rPr>
+                        <a:t>All elements with a class of privacy or copyright</a:t>
+                      </a:r>
+                    </a:p>
+                  </a:txBody>
+                  <a:tcPr marL="50800" marR="50800" marT="50800" marB="50800" anchor="ctr" anchorCtr="0" horzOverflow="overflow">
+                    <a:lnL w="25400">
+                      <a:solidFill>
+                        <a:srgbClr val="000000"/>
+                      </a:solidFill>
+                      <a:miter lim="400000"/>
+                    </a:lnL>
+                    <a:lnR w="25400">
+                      <a:solidFill>
+                        <a:srgbClr val="000000"/>
+                      </a:solidFill>
+                      <a:miter lim="400000"/>
+                    </a:lnR>
+                    <a:lnT w="25400">
+                      <a:solidFill>
+                        <a:srgbClr val="000000"/>
+                      </a:solidFill>
+                      <a:miter lim="400000"/>
+                    </a:lnT>
+                    <a:lnB w="25400">
+                      <a:solidFill>
+                        <a:srgbClr val="000000"/>
+                      </a:solidFill>
+                      <a:miter lim="400000"/>
+                    </a:lnB>
+                    <a:noFill/>
+                  </a:tcPr>
+                </a:tc>
+              </a:tr>
+              <a:tr h="995362">
+                <a:tc>
+                  <a:txBody>
+                    <a:bodyPr/>
+                    <a:lstStyle/>
+                    <a:p>
+                      <a:pPr algn="ctr" defTabSz="457200">
+                        <a:defRPr sz="1800"/>
+                      </a:pPr>
+                      <a:r>
+                        <a:rPr sz="2400">
+                          <a:sym typeface="Helvetica Neue Light"/>
+                        </a:rPr>
+                        <a:t>#header,#footer</a:t>
+                      </a:r>
+                    </a:p>
+                  </a:txBody>
+                  <a:tcPr marL="50800" marR="50800" marT="50800" marB="50800" anchor="ctr" anchorCtr="0" horzOverflow="overflow">
+                    <a:lnL w="25400">
+                      <a:solidFill>
+                        <a:srgbClr val="000000"/>
+                      </a:solidFill>
+                      <a:miter lim="400000"/>
+                    </a:lnL>
+                    <a:lnR w="25400">
+                      <a:solidFill>
+                        <a:srgbClr val="000000"/>
+                      </a:solidFill>
+                      <a:miter lim="400000"/>
+                    </a:lnR>
+                    <a:lnT w="25400">
+                      <a:solidFill>
+                        <a:srgbClr val="000000"/>
+                      </a:solidFill>
+                      <a:miter lim="400000"/>
+                    </a:lnT>
+                    <a:lnB w="25400">
+                      <a:solidFill>
+                        <a:srgbClr val="000000"/>
+                      </a:solidFill>
+                      <a:miter lim="400000"/>
+                    </a:lnB>
+                    <a:noFill/>
+                  </a:tcPr>
+                </a:tc>
+                <a:tc>
+                  <a:txBody>
+                    <a:bodyPr/>
+                    <a:lstStyle/>
+                    <a:p>
+                      <a:pPr algn="ctr" defTabSz="457200">
+                        <a:defRPr sz="1800"/>
+                      </a:pPr>
+                      <a:r>
+                        <a:rPr sz="2400">
+                          <a:sym typeface="Helvetica Neue Light"/>
+                        </a:rPr>
+                        <a:t>The element assigned an id of header, and the element assigned an id of footer</a:t>
+                      </a:r>
+                    </a:p>
+                  </a:txBody>
+                  <a:tcPr marL="50800" marR="50800" marT="50800" marB="50800" anchor="ctr" anchorCtr="0" horzOverflow="overflow">
+                    <a:lnL w="25400">
+                      <a:solidFill>
+                        <a:srgbClr val="000000"/>
+                      </a:solidFill>
+                      <a:miter lim="400000"/>
+                    </a:lnL>
+                    <a:lnR w="25400">
+                      <a:solidFill>
+                        <a:srgbClr val="000000"/>
+                      </a:solidFill>
+                      <a:miter lim="400000"/>
+                    </a:lnR>
+                    <a:lnT w="25400">
+                      <a:solidFill>
+                        <a:srgbClr val="000000"/>
+                      </a:solidFill>
+                      <a:miter lim="400000"/>
+                    </a:lnT>
+                    <a:lnB w="25400">
+                      <a:solidFill>
+                        <a:srgbClr val="000000"/>
+                      </a:solidFill>
+                      <a:miter lim="400000"/>
+                    </a:lnB>
+                    <a:noFill/>
+                  </a:tcPr>
+                </a:tc>
+              </a:tr>
+              <a:tr h="995362">
+                <a:tc>
+                  <a:txBody>
+                    <a:bodyPr/>
+                    <a:lstStyle/>
+                    <a:p>
+                      <a:pPr algn="ctr" defTabSz="457200">
+                        <a:defRPr sz="1800"/>
+                      </a:pPr>
+                      <a:r>
+                        <a:rPr sz="2400">
+                          <a:sym typeface="Helvetica Neue Light"/>
+                        </a:rPr>
+                        <a:t>p.footnote</a:t>
+                      </a:r>
+                    </a:p>
+                  </a:txBody>
+                  <a:tcPr marL="50800" marR="50800" marT="50800" marB="50800" anchor="ctr" anchorCtr="0" horzOverflow="overflow">
+                    <a:lnL w="25400">
+                      <a:solidFill>
+                        <a:srgbClr val="000000"/>
+                      </a:solidFill>
+                      <a:miter lim="400000"/>
+                    </a:lnL>
+                    <a:lnR w="25400">
+                      <a:solidFill>
+                        <a:srgbClr val="000000"/>
+                      </a:solidFill>
+                      <a:miter lim="400000"/>
+                    </a:lnR>
+                    <a:lnT w="25400">
+                      <a:solidFill>
+                        <a:srgbClr val="000000"/>
+                      </a:solidFill>
+                      <a:miter lim="400000"/>
+                    </a:lnT>
+                    <a:lnB w="25400">
+                      <a:solidFill>
+                        <a:srgbClr val="000000"/>
+                      </a:solidFill>
+                      <a:miter lim="400000"/>
+                    </a:lnB>
+                    <a:noFill/>
+                  </a:tcPr>
+                </a:tc>
+                <a:tc>
+                  <a:txBody>
+                    <a:bodyPr/>
+                    <a:lstStyle/>
+                    <a:p>
+                      <a:pPr algn="ctr" defTabSz="457200">
+                        <a:defRPr sz="1800"/>
+                      </a:pPr>
+                      <a:r>
+                        <a:rPr sz="2400">
+                          <a:sym typeface="Helvetica Neue Light"/>
+                        </a:rPr>
+                        <a:t>All paragraphs assigned a class of footnote</a:t>
+                      </a:r>
+                    </a:p>
+                  </a:txBody>
+                  <a:tcPr marL="50800" marR="50800" marT="50800" marB="50800" anchor="ctr" anchorCtr="0" horzOverflow="overflow">
+                    <a:lnL w="25400">
+                      <a:solidFill>
+                        <a:srgbClr val="000000"/>
+                      </a:solidFill>
+                      <a:miter lim="400000"/>
+                    </a:lnL>
+                    <a:lnR w="25400">
+                      <a:solidFill>
+                        <a:srgbClr val="000000"/>
+                      </a:solidFill>
+                      <a:miter lim="400000"/>
+                    </a:lnR>
+                    <a:lnT w="25400">
+                      <a:solidFill>
+                        <a:srgbClr val="000000"/>
+                      </a:solidFill>
+                      <a:miter lim="400000"/>
+                    </a:lnT>
+                    <a:lnB w="25400">
+                      <a:solidFill>
+                        <a:srgbClr val="000000"/>
+                      </a:solidFill>
+                      <a:miter lim="400000"/>
+                    </a:lnB>
+                    <a:noFill/>
+                  </a:tcPr>
+                </a:tc>
+              </a:tr>
+            </a:tbl>
+          </a:graphicData>
+        </a:graphic>
+      </p:graphicFrame>
     </p:spTree>
   </p:cSld>
   <p:clrMapOvr>
@@ -7380,13 +8659,17 @@
       </p:grpSpPr>
       <p:sp>
         <p:nvSpPr>
-          <p:cNvPr id="200" name="Shape 200"/>
+          <p:cNvPr id="207" name="Shape 207"/>
           <p:cNvSpPr/>
           <p:nvPr>
             <p:ph type="title"/>
           </p:nvPr>
         </p:nvSpPr>
         <p:spPr>
+          <a:xfrm>
+            <a:off x="571500" y="114300"/>
+            <a:ext cx="11861800" cy="673100"/>
+          </a:xfrm>
           <a:prstGeom prst="rect">
             <a:avLst/>
           </a:prstGeom>
@@ -7397,98 +8680,27 @@
           <a:p>
             <a:pPr/>
             <a:r>
-              <a:t>No Layout</a:t>
+              <a:t>CSS Selectors Summary (advanced)</a:t>
             </a:r>
           </a:p>
         </p:txBody>
       </p:sp>
       <p:sp>
         <p:nvSpPr>
-          <p:cNvPr id="201" name="Shape 201"/>
+          <p:cNvPr id="208" name="Shape 208"/>
           <p:cNvSpPr/>
           <p:nvPr>
-            <p:ph type="body" sz="quarter" idx="1"/>
+            <p:ph type="sldNum" sz="quarter" idx="2"/>
           </p:nvPr>
         </p:nvSpPr>
         <p:spPr>
           <a:xfrm>
-            <a:off x="571500" y="2324100"/>
-            <a:ext cx="11861800" cy="2048644"/>
+            <a:off x="12268200" y="9194800"/>
+            <a:ext cx="312014" cy="304800"/>
           </a:xfrm>
           <a:prstGeom prst="rect">
             <a:avLst/>
           </a:prstGeom>
-        </p:spPr>
-        <p:txBody>
-          <a:bodyPr/>
-          <a:lstStyle/>
-          <a:p>
-            <a:pPr/>
-            <a:r>
-              <a:t>No layout is ok if you want one big column of content.</a:t>
-            </a:r>
-          </a:p>
-          <a:p>
-            <a:pPr/>
-            <a:r>
-              <a:t>What happens if you make the browser really wide?</a:t>
-            </a:r>
-          </a:p>
-        </p:txBody>
-      </p:sp>
-      <p:pic>
-        <p:nvPicPr>
-          <p:cNvPr id="202" name="image5.png"/>
-          <p:cNvPicPr>
-            <a:picLocks noChangeAspect="1"/>
-          </p:cNvPicPr>
-          <p:nvPr/>
-        </p:nvPicPr>
-        <p:blipFill>
-          <a:blip r:embed="rId2">
-            <a:extLst/>
-          </a:blip>
-          <a:stretch>
-            <a:fillRect/>
-          </a:stretch>
-        </p:blipFill>
-        <p:spPr>
-          <a:xfrm>
-            <a:off x="453728" y="4012703"/>
-            <a:ext cx="4981576" cy="4076701"/>
-          </a:xfrm>
-          <a:prstGeom prst="rect">
-            <a:avLst/>
-          </a:prstGeom>
-          <a:ln w="12700">
-            <a:miter lim="400000"/>
-          </a:ln>
-          <a:effectLst>
-            <a:outerShdw sx="100000" sy="100000" kx="0" ky="0" algn="b" rotWithShape="0" blurRad="292100" dist="139700" dir="2700000">
-              <a:srgbClr val="333333">
-                <a:alpha val="64999"/>
-              </a:srgbClr>
-            </a:outerShdw>
-          </a:effectLst>
-        </p:spPr>
-      </p:pic>
-      <p:sp>
-        <p:nvSpPr>
-          <p:cNvPr id="203" name="Shape 203"/>
-          <p:cNvSpPr/>
-          <p:nvPr/>
-        </p:nvSpPr>
-        <p:spPr>
-          <a:xfrm>
-            <a:off x="6214367" y="6681741"/>
-            <a:ext cx="6218933" cy="954886"/>
-          </a:xfrm>
-          <a:prstGeom prst="rect">
-            <a:avLst/>
-          </a:prstGeom>
-          <a:ln w="12700">
-            <a:miter lim="400000"/>
-          </a:ln>
           <a:extLst>
             <a:ext uri="{C572A759-6A51-4108-AA02-DFA0A04FC94B}">
               <ma14:wrappingTextBoxFlag xmlns:ma14="http://schemas.microsoft.com/office/mac/drawingml/2011/main" val="1"/>
@@ -7496,58 +8708,780 @@
           </a:extLst>
         </p:spPr>
         <p:txBody>
-          <a:bodyPr lIns="50800" tIns="50800" rIns="50800" bIns="50800" anchor="ctr">
-            <a:spAutoFit/>
-          </a:bodyPr>
-          <a:lstStyle>
-            <a:lvl1pPr>
-              <a:defRPr sz="2800"/>
-            </a:lvl1pPr>
-          </a:lstStyle>
+          <a:bodyPr/>
+          <a:lstStyle/>
           <a:p>
             <a:pPr/>
-            <a:r>
-              <a:t>Your eyes have to travel a long distance right to left to the next line.</a:t>
-            </a:r>
+            <a:fld id="{86CB4B4D-7CA3-9044-876B-883B54F8677D}" type="slidenum"/>
           </a:p>
         </p:txBody>
       </p:sp>
-      <p:pic>
-        <p:nvPicPr>
-          <p:cNvPr id="204" name="image6.png"/>
-          <p:cNvPicPr>
-            <a:picLocks noChangeAspect="1"/>
-          </p:cNvPicPr>
+      <p:graphicFrame>
+        <p:nvGraphicFramePr>
+          <p:cNvPr id="209" name="Table 209"/>
+          <p:cNvGraphicFramePr/>
           <p:nvPr/>
-        </p:nvPicPr>
-        <p:blipFill>
-          <a:blip r:embed="rId3">
-            <a:extLst/>
-          </a:blip>
-          <a:stretch>
-            <a:fillRect/>
-          </a:stretch>
-        </p:blipFill>
-        <p:spPr>
-          <a:xfrm>
-            <a:off x="126752" y="8089403"/>
-            <a:ext cx="11887201" cy="939801"/>
-          </a:xfrm>
-          <a:prstGeom prst="rect">
-            <a:avLst/>
-          </a:prstGeom>
-          <a:ln w="12700">
-            <a:miter lim="400000"/>
-          </a:ln>
-          <a:effectLst>
-            <a:outerShdw sx="100000" sy="100000" kx="0" ky="0" algn="b" rotWithShape="0" blurRad="292100" dist="139700" dir="2700000">
-              <a:srgbClr val="333333">
-                <a:alpha val="64999"/>
-              </a:srgbClr>
-            </a:outerShdw>
-          </a:effectLst>
-        </p:spPr>
-      </p:pic>
+        </p:nvGraphicFramePr>
+        <p:xfrm>
+          <a:off x="393696" y="835658"/>
+          <a:ext cx="12090404" cy="8763001"/>
+        </p:xfrm>
+        <a:graphic xmlns:a="http://schemas.openxmlformats.org/drawingml/2006/main">
+          <a:graphicData uri="http://schemas.openxmlformats.org/drawingml/2006/table">
+            <a:tbl>
+              <a:tblPr firstCol="0" firstRow="1" lastCol="0" lastRow="0" bandCol="0" bandRow="0" rtl="0">
+                <a:tableStyleId>{4C3C2611-4C71-4FC5-86AE-919BDF0F9419}</a:tableStyleId>
+              </a:tblPr>
+              <a:tblGrid>
+                <a:gridCol w="5090255"/>
+                <a:gridCol w="7000148"/>
+              </a:tblGrid>
+              <a:tr h="682523">
+                <a:tc>
+                  <a:txBody>
+                    <a:bodyPr/>
+                    <a:lstStyle/>
+                    <a:p>
+                      <a:pPr algn="ctr" defTabSz="457200">
+                        <a:defRPr b="0" sz="1800">
+                          <a:solidFill>
+                            <a:srgbClr val="000000"/>
+                          </a:solidFill>
+                        </a:defRPr>
+                      </a:pPr>
+                      <a:r>
+                        <a:rPr sz="2400">
+                          <a:latin typeface="Helvetica Neue Light"/>
+                          <a:ea typeface="Helvetica Neue Light"/>
+                          <a:cs typeface="Helvetica Neue Light"/>
+                          <a:sym typeface="Helvetica Neue Light"/>
+                        </a:rPr>
+                        <a:t>Selector</a:t>
+                      </a:r>
+                    </a:p>
+                  </a:txBody>
+                  <a:tcPr marL="50800" marR="50800" marT="50800" marB="50800" anchor="ctr" anchorCtr="0" horzOverflow="overflow">
+                    <a:lnL w="25400">
+                      <a:solidFill>
+                        <a:srgbClr val="000000"/>
+                      </a:solidFill>
+                      <a:miter lim="400000"/>
+                    </a:lnL>
+                    <a:lnR w="25400">
+                      <a:solidFill>
+                        <a:srgbClr val="000000"/>
+                      </a:solidFill>
+                      <a:miter lim="400000"/>
+                    </a:lnR>
+                    <a:lnT w="25400">
+                      <a:solidFill>
+                        <a:srgbClr val="000000"/>
+                      </a:solidFill>
+                      <a:miter lim="400000"/>
+                    </a:lnT>
+                    <a:lnB w="25400">
+                      <a:solidFill>
+                        <a:srgbClr val="000000"/>
+                      </a:solidFill>
+                      <a:miter lim="400000"/>
+                    </a:lnB>
+                    <a:solidFill>
+                      <a:srgbClr val="CBCBCB"/>
+                    </a:solidFill>
+                  </a:tcPr>
+                </a:tc>
+                <a:tc>
+                  <a:txBody>
+                    <a:bodyPr/>
+                    <a:lstStyle/>
+                    <a:p>
+                      <a:pPr algn="ctr" defTabSz="457200">
+                        <a:defRPr b="0" sz="1800">
+                          <a:solidFill>
+                            <a:srgbClr val="000000"/>
+                          </a:solidFill>
+                        </a:defRPr>
+                      </a:pPr>
+                      <a:r>
+                        <a:rPr sz="2400">
+                          <a:latin typeface="Helvetica Neue Light"/>
+                          <a:ea typeface="Helvetica Neue Light"/>
+                          <a:cs typeface="Helvetica Neue Light"/>
+                          <a:sym typeface="Helvetica Neue Light"/>
+                        </a:rPr>
+                        <a:t>Applies to</a:t>
+                      </a:r>
+                    </a:p>
+                  </a:txBody>
+                  <a:tcPr marL="50800" marR="50800" marT="50800" marB="50800" anchor="ctr" anchorCtr="0" horzOverflow="overflow">
+                    <a:lnL w="25400">
+                      <a:solidFill>
+                        <a:srgbClr val="000000"/>
+                      </a:solidFill>
+                      <a:miter lim="400000"/>
+                    </a:lnL>
+                    <a:lnR w="25400">
+                      <a:solidFill>
+                        <a:srgbClr val="000000"/>
+                      </a:solidFill>
+                      <a:miter lim="400000"/>
+                    </a:lnR>
+                    <a:lnT w="25400">
+                      <a:solidFill>
+                        <a:srgbClr val="000000"/>
+                      </a:solidFill>
+                      <a:miter lim="400000"/>
+                    </a:lnT>
+                    <a:lnB w="25400">
+                      <a:solidFill>
+                        <a:srgbClr val="000000"/>
+                      </a:solidFill>
+                      <a:miter lim="400000"/>
+                    </a:lnB>
+                    <a:solidFill>
+                      <a:srgbClr val="CBCBCB"/>
+                    </a:solidFill>
+                  </a:tcPr>
+                </a:tc>
+              </a:tr>
+              <a:tr h="1080007">
+                <a:tc>
+                  <a:txBody>
+                    <a:bodyPr/>
+                    <a:lstStyle/>
+                    <a:p>
+                      <a:pPr algn="ctr" defTabSz="457200">
+                        <a:defRPr sz="1800"/>
+                      </a:pPr>
+                      <a:r>
+                        <a:rPr sz="2400">
+                          <a:sym typeface="Helvetica Neue Light"/>
+                        </a:rPr>
+                        <a:t>#bodycopy.usergenerated</a:t>
+                      </a:r>
+                    </a:p>
+                  </a:txBody>
+                  <a:tcPr marL="50800" marR="50800" marT="50800" marB="50800" anchor="ctr" anchorCtr="0" horzOverflow="overflow">
+                    <a:lnL w="25400">
+                      <a:solidFill>
+                        <a:srgbClr val="000000"/>
+                      </a:solidFill>
+                      <a:miter lim="400000"/>
+                    </a:lnL>
+                    <a:lnR w="25400">
+                      <a:solidFill>
+                        <a:srgbClr val="000000"/>
+                      </a:solidFill>
+                      <a:miter lim="400000"/>
+                    </a:lnR>
+                    <a:lnT w="25400">
+                      <a:solidFill>
+                        <a:srgbClr val="000000"/>
+                      </a:solidFill>
+                      <a:miter lim="400000"/>
+                    </a:lnT>
+                    <a:lnB w="25400">
+                      <a:solidFill>
+                        <a:srgbClr val="000000"/>
+                      </a:solidFill>
+                      <a:miter lim="400000"/>
+                    </a:lnB>
+                    <a:noFill/>
+                  </a:tcPr>
+                </a:tc>
+                <a:tc>
+                  <a:txBody>
+                    <a:bodyPr/>
+                    <a:lstStyle/>
+                    <a:p>
+                      <a:pPr algn="ctr" defTabSz="457200">
+                        <a:defRPr sz="1800"/>
+                      </a:pPr>
+                      <a:r>
+                        <a:rPr sz="2400">
+                          <a:sym typeface="Helvetica Neue Light"/>
+                        </a:rPr>
+                        <a:t>An element that has been assigned both an id of bodycopy and a class of usergenerated</a:t>
+                      </a:r>
+                    </a:p>
+                  </a:txBody>
+                  <a:tcPr marL="50800" marR="50800" marT="50800" marB="50800" anchor="ctr" anchorCtr="0" horzOverflow="overflow">
+                    <a:lnL w="25400">
+                      <a:solidFill>
+                        <a:srgbClr val="000000"/>
+                      </a:solidFill>
+                      <a:miter lim="400000"/>
+                    </a:lnL>
+                    <a:lnR w="25400">
+                      <a:solidFill>
+                        <a:srgbClr val="000000"/>
+                      </a:solidFill>
+                      <a:miter lim="400000"/>
+                    </a:lnR>
+                    <a:lnT w="25400">
+                      <a:solidFill>
+                        <a:srgbClr val="000000"/>
+                      </a:solidFill>
+                      <a:miter lim="400000"/>
+                    </a:lnT>
+                    <a:lnB w="25400">
+                      <a:solidFill>
+                        <a:srgbClr val="000000"/>
+                      </a:solidFill>
+                      <a:miter lim="400000"/>
+                    </a:lnB>
+                    <a:noFill/>
+                  </a:tcPr>
+                </a:tc>
+              </a:tr>
+              <a:tr h="992909">
+                <a:tc>
+                  <a:txBody>
+                    <a:bodyPr/>
+                    <a:lstStyle/>
+                    <a:p>
+                      <a:pPr algn="ctr" defTabSz="457200">
+                        <a:defRPr sz="1800"/>
+                      </a:pPr>
+                      <a:r>
+                        <a:rPr sz="2400">
+                          <a:sym typeface="Helvetica Neue Light"/>
+                        </a:rPr>
+                        <a:t>.navigation a</a:t>
+                      </a:r>
+                    </a:p>
+                  </a:txBody>
+                  <a:tcPr marL="50800" marR="50800" marT="50800" marB="50800" anchor="ctr" anchorCtr="0" horzOverflow="overflow">
+                    <a:lnL w="25400">
+                      <a:solidFill>
+                        <a:srgbClr val="000000"/>
+                      </a:solidFill>
+                      <a:miter lim="400000"/>
+                    </a:lnL>
+                    <a:lnR w="25400">
+                      <a:solidFill>
+                        <a:srgbClr val="000000"/>
+                      </a:solidFill>
+                      <a:miter lim="400000"/>
+                    </a:lnR>
+                    <a:lnT w="25400">
+                      <a:solidFill>
+                        <a:srgbClr val="000000"/>
+                      </a:solidFill>
+                      <a:miter lim="400000"/>
+                    </a:lnT>
+                    <a:lnB w="25400">
+                      <a:solidFill>
+                        <a:srgbClr val="000000"/>
+                      </a:solidFill>
+                      <a:miter lim="400000"/>
+                    </a:lnB>
+                    <a:noFill/>
+                  </a:tcPr>
+                </a:tc>
+                <a:tc>
+                  <a:txBody>
+                    <a:bodyPr/>
+                    <a:lstStyle/>
+                    <a:p>
+                      <a:pPr algn="ctr" defTabSz="457200">
+                        <a:defRPr sz="1800"/>
+                      </a:pPr>
+                      <a:r>
+                        <a:rPr sz="2400">
+                          <a:sym typeface="Helvetica Neue Light"/>
+                        </a:rPr>
+                        <a:t>All links with an ancestor parent assigned a class of navigation</a:t>
+                      </a:r>
+                    </a:p>
+                  </a:txBody>
+                  <a:tcPr marL="50800" marR="50800" marT="50800" marB="50800" anchor="ctr" anchorCtr="0" horzOverflow="overflow">
+                    <a:lnL w="25400">
+                      <a:solidFill>
+                        <a:srgbClr val="000000"/>
+                      </a:solidFill>
+                      <a:miter lim="400000"/>
+                    </a:lnL>
+                    <a:lnR w="25400">
+                      <a:solidFill>
+                        <a:srgbClr val="000000"/>
+                      </a:solidFill>
+                      <a:miter lim="400000"/>
+                    </a:lnR>
+                    <a:lnT w="25400">
+                      <a:solidFill>
+                        <a:srgbClr val="000000"/>
+                      </a:solidFill>
+                      <a:miter lim="400000"/>
+                    </a:lnT>
+                    <a:lnB w="25400">
+                      <a:solidFill>
+                        <a:srgbClr val="000000"/>
+                      </a:solidFill>
+                      <a:miter lim="400000"/>
+                    </a:lnB>
+                    <a:noFill/>
+                  </a:tcPr>
+                </a:tc>
+              </a:tr>
+              <a:tr h="1082185">
+                <a:tc>
+                  <a:txBody>
+                    <a:bodyPr/>
+                    <a:lstStyle/>
+                    <a:p>
+                      <a:pPr algn="ctr" defTabSz="457200">
+                        <a:defRPr sz="1800"/>
+                      </a:pPr>
+                      <a:r>
+                        <a:rPr sz="2400">
+                          <a:sym typeface="Helvetica Neue Light"/>
+                        </a:rPr>
+                        <a:t>#primarynavigation li.current</a:t>
+                      </a:r>
+                    </a:p>
+                  </a:txBody>
+                  <a:tcPr marL="50800" marR="50800" marT="50800" marB="50800" anchor="ctr" anchorCtr="0" horzOverflow="overflow">
+                    <a:lnL w="25400">
+                      <a:solidFill>
+                        <a:srgbClr val="000000"/>
+                      </a:solidFill>
+                      <a:miter lim="400000"/>
+                    </a:lnL>
+                    <a:lnR w="25400">
+                      <a:solidFill>
+                        <a:srgbClr val="000000"/>
+                      </a:solidFill>
+                      <a:miter lim="400000"/>
+                    </a:lnR>
+                    <a:lnT w="25400">
+                      <a:solidFill>
+                        <a:srgbClr val="000000"/>
+                      </a:solidFill>
+                      <a:miter lim="400000"/>
+                    </a:lnT>
+                    <a:lnB w="25400">
+                      <a:solidFill>
+                        <a:srgbClr val="000000"/>
+                      </a:solidFill>
+                      <a:miter lim="400000"/>
+                    </a:lnB>
+                    <a:noFill/>
+                  </a:tcPr>
+                </a:tc>
+                <a:tc>
+                  <a:txBody>
+                    <a:bodyPr/>
+                    <a:lstStyle/>
+                    <a:p>
+                      <a:pPr algn="ctr" defTabSz="457200">
+                        <a:defRPr sz="1800"/>
+                      </a:pPr>
+                      <a:r>
+                        <a:rPr sz="2400">
+                          <a:sym typeface="Helvetica Neue Light"/>
+                        </a:rPr>
+                        <a:t>All list items with a class of current and an ancestor parent with an id of primarynavigation</a:t>
+                      </a:r>
+                    </a:p>
+                  </a:txBody>
+                  <a:tcPr marL="50800" marR="50800" marT="50800" marB="50800" anchor="ctr" anchorCtr="0" horzOverflow="overflow">
+                    <a:lnL w="25400">
+                      <a:solidFill>
+                        <a:srgbClr val="000000"/>
+                      </a:solidFill>
+                      <a:miter lim="400000"/>
+                    </a:lnL>
+                    <a:lnR w="25400">
+                      <a:solidFill>
+                        <a:srgbClr val="000000"/>
+                      </a:solidFill>
+                      <a:miter lim="400000"/>
+                    </a:lnR>
+                    <a:lnT w="25400">
+                      <a:solidFill>
+                        <a:srgbClr val="000000"/>
+                      </a:solidFill>
+                      <a:miter lim="400000"/>
+                    </a:lnT>
+                    <a:lnB w="25400">
+                      <a:solidFill>
+                        <a:srgbClr val="000000"/>
+                      </a:solidFill>
+                      <a:miter lim="400000"/>
+                    </a:lnB>
+                    <a:noFill/>
+                  </a:tcPr>
+                </a:tc>
+              </a:tr>
+              <a:tr h="886216">
+                <a:tc>
+                  <a:txBody>
+                    <a:bodyPr/>
+                    <a:lstStyle/>
+                    <a:p>
+                      <a:pPr algn="ctr" defTabSz="457200">
+                        <a:defRPr sz="1800"/>
+                      </a:pPr>
+                      <a:r>
+                        <a:rPr sz="2400">
+                          <a:sym typeface="Helvetica Neue Light"/>
+                        </a:rPr>
+                        <a:t>.about #bodycopy</a:t>
+                      </a:r>
+                    </a:p>
+                  </a:txBody>
+                  <a:tcPr marL="50800" marR="50800" marT="50800" marB="50800" anchor="ctr" anchorCtr="0" horzOverflow="overflow">
+                    <a:lnL w="25400">
+                      <a:solidFill>
+                        <a:srgbClr val="000000"/>
+                      </a:solidFill>
+                      <a:miter lim="400000"/>
+                    </a:lnL>
+                    <a:lnR w="25400">
+                      <a:solidFill>
+                        <a:srgbClr val="000000"/>
+                      </a:solidFill>
+                      <a:miter lim="400000"/>
+                    </a:lnR>
+                    <a:lnT w="25400">
+                      <a:solidFill>
+                        <a:srgbClr val="000000"/>
+                      </a:solidFill>
+                      <a:miter lim="400000"/>
+                    </a:lnT>
+                    <a:lnB w="25400">
+                      <a:solidFill>
+                        <a:srgbClr val="000000"/>
+                      </a:solidFill>
+                      <a:miter lim="400000"/>
+                    </a:lnB>
+                    <a:noFill/>
+                  </a:tcPr>
+                </a:tc>
+                <a:tc>
+                  <a:txBody>
+                    <a:bodyPr/>
+                    <a:lstStyle/>
+                    <a:p>
+                      <a:pPr algn="ctr" defTabSz="457200">
+                        <a:defRPr sz="1800"/>
+                      </a:pPr>
+                      <a:r>
+                        <a:rPr sz="2400">
+                          <a:sym typeface="Helvetica Neue Light"/>
+                        </a:rPr>
+                        <a:t>Any element on the site with an id of bodycopy and an ancestor parent assigned a class of about</a:t>
+                      </a:r>
+                    </a:p>
+                  </a:txBody>
+                  <a:tcPr marL="50800" marR="50800" marT="50800" marB="50800" anchor="ctr" anchorCtr="0" horzOverflow="overflow">
+                    <a:lnL w="25400">
+                      <a:solidFill>
+                        <a:srgbClr val="000000"/>
+                      </a:solidFill>
+                      <a:miter lim="400000"/>
+                    </a:lnL>
+                    <a:lnR w="25400">
+                      <a:solidFill>
+                        <a:srgbClr val="000000"/>
+                      </a:solidFill>
+                      <a:miter lim="400000"/>
+                    </a:lnR>
+                    <a:lnT w="25400">
+                      <a:solidFill>
+                        <a:srgbClr val="000000"/>
+                      </a:solidFill>
+                      <a:miter lim="400000"/>
+                    </a:lnT>
+                    <a:lnB w="25400">
+                      <a:solidFill>
+                        <a:srgbClr val="000000"/>
+                      </a:solidFill>
+                      <a:miter lim="400000"/>
+                    </a:lnB>
+                    <a:noFill/>
+                  </a:tcPr>
+                </a:tc>
+              </a:tr>
+              <a:tr h="1269510">
+                <a:tc>
+                  <a:txBody>
+                    <a:bodyPr/>
+                    <a:lstStyle/>
+                    <a:p>
+                      <a:pPr algn="ctr" defTabSz="457200">
+                        <a:defRPr sz="1800"/>
+                      </a:pPr>
+                      <a:r>
+                        <a:rPr sz="2400">
+                          <a:sym typeface="Helvetica Neue Light"/>
+                        </a:rPr>
+                        <a:t>body#personalproducts,
+body#proproducts,
+body#enterpriseproducts</a:t>
+                      </a:r>
+                    </a:p>
+                  </a:txBody>
+                  <a:tcPr marL="50800" marR="50800" marT="50800" marB="50800" anchor="ctr" anchorCtr="0" horzOverflow="overflow">
+                    <a:lnL w="25400">
+                      <a:solidFill>
+                        <a:srgbClr val="000000"/>
+                      </a:solidFill>
+                      <a:miter lim="400000"/>
+                    </a:lnL>
+                    <a:lnR w="25400">
+                      <a:solidFill>
+                        <a:srgbClr val="000000"/>
+                      </a:solidFill>
+                      <a:miter lim="400000"/>
+                    </a:lnR>
+                    <a:lnT w="25400">
+                      <a:solidFill>
+                        <a:srgbClr val="000000"/>
+                      </a:solidFill>
+                      <a:miter lim="400000"/>
+                    </a:lnT>
+                    <a:lnB w="25400">
+                      <a:solidFill>
+                        <a:srgbClr val="000000"/>
+                      </a:solidFill>
+                      <a:miter lim="400000"/>
+                    </a:lnB>
+                    <a:noFill/>
+                  </a:tcPr>
+                </a:tc>
+                <a:tc>
+                  <a:txBody>
+                    <a:bodyPr/>
+                    <a:lstStyle/>
+                    <a:p>
+                      <a:pPr algn="ctr" defTabSz="457200">
+                        <a:defRPr sz="1800"/>
+                      </a:pPr>
+                      <a:r>
+                        <a:rPr sz="2400">
+                          <a:sym typeface="Helvetica Neue Light"/>
+                        </a:rPr>
+                        <a:t>The body elements within the site assigned the ids personalproducts, proproducts, and enterpriseproducts</a:t>
+                      </a:r>
+                    </a:p>
+                  </a:txBody>
+                  <a:tcPr marL="50800" marR="50800" marT="50800" marB="50800" anchor="ctr" anchorCtr="0" horzOverflow="overflow">
+                    <a:lnL w="25400">
+                      <a:solidFill>
+                        <a:srgbClr val="000000"/>
+                      </a:solidFill>
+                      <a:miter lim="400000"/>
+                    </a:lnL>
+                    <a:lnR w="25400">
+                      <a:solidFill>
+                        <a:srgbClr val="000000"/>
+                      </a:solidFill>
+                      <a:miter lim="400000"/>
+                    </a:lnR>
+                    <a:lnT w="25400">
+                      <a:solidFill>
+                        <a:srgbClr val="000000"/>
+                      </a:solidFill>
+                      <a:miter lim="400000"/>
+                    </a:lnT>
+                    <a:lnB w="25400">
+                      <a:solidFill>
+                        <a:srgbClr val="000000"/>
+                      </a:solidFill>
+                      <a:miter lim="400000"/>
+                    </a:lnB>
+                    <a:noFill/>
+                  </a:tcPr>
+                </a:tc>
+              </a:tr>
+              <a:tr h="1956935">
+                <a:tc>
+                  <a:txBody>
+                    <a:bodyPr/>
+                    <a:lstStyle/>
+                    <a:p>
+                      <a:pPr algn="ctr" defTabSz="457200">
+                        <a:defRPr sz="1800"/>
+                      </a:pPr>
+                      <a:r>
+                        <a:rPr sz="2400">
+                          <a:sym typeface="Helvetica Neue Light"/>
+                        </a:rPr>
+                        <a:t>body#personalproducts #bodycopy,
+body#proproducts #bodycopy,
+body#enterpriseproducts #bodycopy</a:t>
+                      </a:r>
+                    </a:p>
+                  </a:txBody>
+                  <a:tcPr marL="50800" marR="50800" marT="50800" marB="50800" anchor="ctr" anchorCtr="0" horzOverflow="overflow">
+                    <a:lnL w="25400">
+                      <a:solidFill>
+                        <a:srgbClr val="000000"/>
+                      </a:solidFill>
+                      <a:miter lim="400000"/>
+                    </a:lnL>
+                    <a:lnR w="25400">
+                      <a:solidFill>
+                        <a:srgbClr val="000000"/>
+                      </a:solidFill>
+                      <a:miter lim="400000"/>
+                    </a:lnR>
+                    <a:lnT w="25400">
+                      <a:solidFill>
+                        <a:srgbClr val="000000"/>
+                      </a:solidFill>
+                      <a:miter lim="400000"/>
+                    </a:lnT>
+                    <a:lnB w="25400">
+                      <a:solidFill>
+                        <a:srgbClr val="000000"/>
+                      </a:solidFill>
+                      <a:miter lim="400000"/>
+                    </a:lnB>
+                    <a:noFill/>
+                  </a:tcPr>
+                </a:tc>
+                <a:tc>
+                  <a:txBody>
+                    <a:bodyPr/>
+                    <a:lstStyle/>
+                    <a:p>
+                      <a:pPr algn="ctr" defTabSz="457200">
+                        <a:defRPr sz="1800"/>
+                      </a:pPr>
+                      <a:r>
+                        <a:rPr sz="2400">
+                          <a:sym typeface="Helvetica Neue Light"/>
+                        </a:rPr>
+                        <a:t>The elements assigned an id of bodycopy, within the documents suggested by the previous example</a:t>
+                      </a:r>
+                    </a:p>
+                  </a:txBody>
+                  <a:tcPr marL="50800" marR="50800" marT="50800" marB="50800" anchor="ctr" anchorCtr="0" horzOverflow="overflow">
+                    <a:lnL w="25400">
+                      <a:solidFill>
+                        <a:srgbClr val="000000"/>
+                      </a:solidFill>
+                      <a:miter lim="400000"/>
+                    </a:lnL>
+                    <a:lnR w="25400">
+                      <a:solidFill>
+                        <a:srgbClr val="000000"/>
+                      </a:solidFill>
+                      <a:miter lim="400000"/>
+                    </a:lnR>
+                    <a:lnT w="25400">
+                      <a:solidFill>
+                        <a:srgbClr val="000000"/>
+                      </a:solidFill>
+                      <a:miter lim="400000"/>
+                    </a:lnT>
+                    <a:lnB w="25400">
+                      <a:solidFill>
+                        <a:srgbClr val="000000"/>
+                      </a:solidFill>
+                      <a:miter lim="400000"/>
+                    </a:lnB>
+                    <a:noFill/>
+                  </a:tcPr>
+                </a:tc>
+              </a:tr>
+              <a:tr h="812711">
+                <a:tc>
+                  <a:txBody>
+                    <a:bodyPr/>
+                    <a:lstStyle/>
+                    <a:p>
+                      <a:pPr algn="ctr" defTabSz="457200">
+                        <a:defRPr sz="1800"/>
+                      </a:pPr>
+                      <a:r>
+                        <a:rPr sz="2400">
+                          <a:sym typeface="Helvetica Neue Light"/>
+                        </a:rPr>
+                        <a:t>ol li ol li ol li</a:t>
+                      </a:r>
+                    </a:p>
+                  </a:txBody>
+                  <a:tcPr marL="50800" marR="50800" marT="50800" marB="50800" anchor="ctr" anchorCtr="0" horzOverflow="overflow">
+                    <a:lnL w="25400">
+                      <a:solidFill>
+                        <a:srgbClr val="000000"/>
+                      </a:solidFill>
+                      <a:miter lim="400000"/>
+                    </a:lnL>
+                    <a:lnR w="25400">
+                      <a:solidFill>
+                        <a:srgbClr val="000000"/>
+                      </a:solidFill>
+                      <a:miter lim="400000"/>
+                    </a:lnR>
+                    <a:lnT w="25400">
+                      <a:solidFill>
+                        <a:srgbClr val="000000"/>
+                      </a:solidFill>
+                      <a:miter lim="400000"/>
+                    </a:lnT>
+                    <a:lnB w="25400">
+                      <a:solidFill>
+                        <a:srgbClr val="000000"/>
+                      </a:solidFill>
+                      <a:miter lim="400000"/>
+                    </a:lnB>
+                    <a:noFill/>
+                  </a:tcPr>
+                </a:tc>
+                <a:tc>
+                  <a:txBody>
+                    <a:bodyPr/>
+                    <a:lstStyle/>
+                    <a:p>
+                      <a:pPr algn="ctr" defTabSz="457200">
+                        <a:defRPr sz="1800"/>
+                      </a:pPr>
+                      <a:r>
+                        <a:rPr sz="2400">
+                          <a:sym typeface="Helvetica Neue Light"/>
+                        </a:rPr>
+                        <a:t>A list item in the third level of a nested ordered list</a:t>
+                      </a:r>
+                    </a:p>
+                  </a:txBody>
+                  <a:tcPr marL="50800" marR="50800" marT="50800" marB="50800" anchor="ctr" anchorCtr="0" horzOverflow="overflow">
+                    <a:lnL w="25400">
+                      <a:solidFill>
+                        <a:srgbClr val="000000"/>
+                      </a:solidFill>
+                      <a:miter lim="400000"/>
+                    </a:lnL>
+                    <a:lnR w="25400">
+                      <a:solidFill>
+                        <a:srgbClr val="000000"/>
+                      </a:solidFill>
+                      <a:miter lim="400000"/>
+                    </a:lnR>
+                    <a:lnT w="25400">
+                      <a:solidFill>
+                        <a:srgbClr val="000000"/>
+                      </a:solidFill>
+                      <a:miter lim="400000"/>
+                    </a:lnT>
+                    <a:lnB w="25400">
+                      <a:solidFill>
+                        <a:srgbClr val="000000"/>
+                      </a:solidFill>
+                      <a:miter lim="400000"/>
+                    </a:lnB>
+                    <a:noFill/>
+                  </a:tcPr>
+                </a:tc>
+              </a:tr>
+            </a:tbl>
+          </a:graphicData>
+        </a:graphic>
+      </p:graphicFrame>
     </p:spTree>
   </p:cSld>
   <p:clrMapOvr>
@@ -7574,467 +9508,97 @@
           <a:chExt cx="0" cy="0"/>
         </a:xfrm>
       </p:grpSpPr>
+      <p:pic>
+        <p:nvPicPr>
+          <p:cNvPr id="211" name="image1.png"/>
+          <p:cNvPicPr>
+            <a:picLocks noChangeAspect="1"/>
+          </p:cNvPicPr>
+          <p:nvPr/>
+        </p:nvPicPr>
+        <p:blipFill>
+          <a:blip r:embed="rId2">
+            <a:extLst/>
+          </a:blip>
+          <a:stretch>
+            <a:fillRect/>
+          </a:stretch>
+        </p:blipFill>
+        <p:spPr>
+          <a:xfrm>
+            <a:off x="309712" y="2219058"/>
+            <a:ext cx="5821461" cy="5187586"/>
+          </a:xfrm>
+          <a:prstGeom prst="rect">
+            <a:avLst/>
+          </a:prstGeom>
+          <a:ln w="12700">
+            <a:miter lim="400000"/>
+          </a:ln>
+          <a:effectLst>
+            <a:outerShdw sx="100000" sy="100000" kx="0" ky="0" algn="b" rotWithShape="0" blurRad="292100" dist="139700" dir="2700000">
+              <a:srgbClr val="333333">
+                <a:alpha val="64999"/>
+              </a:srgbClr>
+            </a:outerShdw>
+          </a:effectLst>
+        </p:spPr>
+      </p:pic>
       <p:sp>
         <p:nvSpPr>
-          <p:cNvPr id="206" name="Shape 206"/>
+          <p:cNvPr id="212" name="Shape 212"/>
           <p:cNvSpPr/>
           <p:nvPr>
             <p:ph type="title"/>
           </p:nvPr>
         </p:nvSpPr>
         <p:spPr>
-          <a:xfrm>
-            <a:off x="9939535" y="797935"/>
-            <a:ext cx="2899569" cy="588205"/>
-          </a:xfrm>
           <a:prstGeom prst="rect">
             <a:avLst/>
           </a:prstGeom>
         </p:spPr>
         <p:txBody>
           <a:bodyPr/>
-          <a:lstStyle>
-            <a:lvl1pPr defTabSz="414781">
-              <a:defRPr sz="2982"/>
-            </a:lvl1pPr>
-          </a:lstStyle>
+          <a:lstStyle/>
           <a:p>
             <a:pPr/>
             <a:r>
-              <a:t>“display” property</a:t>
+              <a:t>Lab 0</a:t>
+            </a:r>
+            <a:r>
+              <a:t>6</a:t>
+            </a:r>
+            <a:r>
+              <a:t>: </a:t>
+            </a:r>
+            <a:r>
+              <a:t>Learn CSS </a:t>
+            </a:r>
+            <a:r>
+              <a:t>Layout</a:t>
+            </a:r>
+            <a:r>
+              <a:t> Part 1</a:t>
             </a:r>
           </a:p>
         </p:txBody>
       </p:sp>
       <p:sp>
         <p:nvSpPr>
-          <p:cNvPr id="207" name="Shape 207"/>
+          <p:cNvPr id="213" name="Shape 213"/>
           <p:cNvSpPr/>
           <p:nvPr>
-            <p:ph type="body" idx="1"/>
+            <p:ph type="sldNum" sz="quarter" idx="4294967295"/>
           </p:nvPr>
         </p:nvSpPr>
         <p:spPr>
           <a:xfrm>
-            <a:off x="237703" y="196280"/>
-            <a:ext cx="9361042" cy="9312635"/>
+            <a:off x="12453214" y="9194800"/>
+            <a:ext cx="127001" cy="198222"/>
           </a:xfrm>
           <a:prstGeom prst="rect">
             <a:avLst/>
           </a:prstGeom>
-          <a:solidFill>
-            <a:srgbClr val="FFFFFF"/>
-          </a:solidFill>
-        </p:spPr>
-        <p:txBody>
-          <a:bodyPr/>
-          <a:lstStyle/>
-          <a:p>
-            <a:pPr marL="0" indent="0">
-              <a:spcBef>
-                <a:spcPts val="1200"/>
-              </a:spcBef>
-              <a:buSzTx/>
-              <a:buNone/>
-              <a:defRPr sz="2400">
-                <a:effectLst>
-                  <a:outerShdw sx="100000" sy="100000" kx="0" ky="0" algn="b" rotWithShape="0" blurRad="38100" dist="38100" dir="2700000">
-                    <a:srgbClr val="000000">
-                      <a:alpha val="43137"/>
-                    </a:srgbClr>
-                  </a:outerShdw>
-                </a:effectLst>
-                <a:latin typeface="Verdana"/>
-                <a:ea typeface="Verdana"/>
-                <a:cs typeface="Verdana"/>
-                <a:sym typeface="Verdana"/>
-              </a:defRPr>
-            </a:pPr>
-            <a:r>
-              <a:t>display</a:t>
-            </a:r>
-            <a:r>
-              <a:rPr sz="2600">
-                <a:latin typeface="Helvetica Neue"/>
-                <a:ea typeface="Helvetica Neue"/>
-                <a:cs typeface="Helvetica Neue"/>
-                <a:sym typeface="Helvetica Neue"/>
-              </a:rPr>
-              <a:t> </a:t>
-            </a:r>
-            <a:r>
-              <a:rPr sz="2800">
-                <a:latin typeface="Helvetica Neue"/>
-                <a:ea typeface="Helvetica Neue"/>
-                <a:cs typeface="Helvetica Neue"/>
-                <a:sym typeface="Helvetica Neue"/>
-              </a:rPr>
-              <a:t>is CSS’s most important property for controlling layout.</a:t>
-            </a:r>
-            <a:endParaRPr sz="2800">
-              <a:latin typeface="Helvetica Neue"/>
-              <a:ea typeface="Helvetica Neue"/>
-              <a:cs typeface="Helvetica Neue"/>
-              <a:sym typeface="Helvetica Neue"/>
-            </a:endParaRPr>
-          </a:p>
-          <a:p>
-            <a:pPr marL="0" indent="0">
-              <a:spcBef>
-                <a:spcPts val="1200"/>
-              </a:spcBef>
-              <a:buSzTx/>
-              <a:buNone/>
-              <a:defRPr sz="2800"/>
-            </a:pPr>
-            <a:r>
-              <a:t>Every element has a default display value depending on what type of element it is. The default for most elements is usually </a:t>
-            </a:r>
-            <a:r>
-              <a:rPr sz="2400">
-                <a:effectLst>
-                  <a:outerShdw sx="100000" sy="100000" kx="0" ky="0" algn="b" rotWithShape="0" blurRad="38100" dist="38100" dir="2700000">
-                    <a:srgbClr val="000000">
-                      <a:alpha val="43137"/>
-                    </a:srgbClr>
-                  </a:outerShdw>
-                </a:effectLst>
-                <a:latin typeface="Verdana"/>
-                <a:ea typeface="Verdana"/>
-                <a:cs typeface="Verdana"/>
-                <a:sym typeface="Verdana"/>
-              </a:rPr>
-              <a:t>block</a:t>
-            </a:r>
-            <a:r>
-              <a:rPr sz="2600">
-                <a:effectLst>
-                  <a:outerShdw sx="100000" sy="100000" kx="0" ky="0" algn="b" rotWithShape="0" blurRad="38100" dist="38100" dir="2700000">
-                    <a:srgbClr val="000000">
-                      <a:alpha val="43137"/>
-                    </a:srgbClr>
-                  </a:outerShdw>
-                </a:effectLst>
-              </a:rPr>
-              <a:t> </a:t>
-            </a:r>
-            <a:r>
-              <a:rPr sz="2600"/>
-              <a:t>or </a:t>
-            </a:r>
-            <a:r>
-              <a:rPr sz="2400">
-                <a:effectLst>
-                  <a:outerShdw sx="100000" sy="100000" kx="0" ky="0" algn="b" rotWithShape="0" blurRad="38100" dist="38100" dir="2700000">
-                    <a:srgbClr val="000000">
-                      <a:alpha val="43137"/>
-                    </a:srgbClr>
-                  </a:outerShdw>
-                </a:effectLst>
-                <a:latin typeface="Verdana"/>
-                <a:ea typeface="Verdana"/>
-                <a:cs typeface="Verdana"/>
-                <a:sym typeface="Verdana"/>
-              </a:rPr>
-              <a:t>inline</a:t>
-            </a:r>
-            <a:r>
-              <a:rPr sz="2600"/>
-              <a:t>.</a:t>
-            </a:r>
-            <a:endParaRPr sz="2600"/>
-          </a:p>
-          <a:p>
-            <a:pPr marL="0" indent="0">
-              <a:spcBef>
-                <a:spcPts val="1200"/>
-              </a:spcBef>
-              <a:buSzTx/>
-              <a:buNone/>
-              <a:defRPr b="1" sz="2800">
-                <a:latin typeface="Verdana"/>
-                <a:ea typeface="Verdana"/>
-                <a:cs typeface="Verdana"/>
-                <a:sym typeface="Verdana"/>
-              </a:defRPr>
-            </a:pPr>
-            <a:r>
-              <a:t>block</a:t>
-            </a:r>
-          </a:p>
-          <a:p>
-            <a:pPr lvl="1" marL="0" indent="444500">
-              <a:spcBef>
-                <a:spcPts val="600"/>
-              </a:spcBef>
-              <a:buSzTx/>
-              <a:buNone/>
-              <a:defRPr sz="2400">
-                <a:effectLst>
-                  <a:outerShdw sx="100000" sy="100000" kx="0" ky="0" algn="b" rotWithShape="0" blurRad="38100" dist="38100" dir="2700000">
-                    <a:srgbClr val="000000">
-                      <a:alpha val="43137"/>
-                    </a:srgbClr>
-                  </a:outerShdw>
-                </a:effectLst>
-                <a:latin typeface="Verdana"/>
-                <a:ea typeface="Verdana"/>
-                <a:cs typeface="Verdana"/>
-                <a:sym typeface="Verdana"/>
-              </a:defRPr>
-            </a:pPr>
-            <a:r>
-              <a:t>&lt;div&gt; </a:t>
-            </a:r>
-            <a:r>
-              <a:rPr sz="2800">
-                <a:latin typeface="Helvetica Neue Light"/>
-                <a:ea typeface="Helvetica Neue Light"/>
-                <a:cs typeface="Helvetica Neue Light"/>
-                <a:sym typeface="Helvetica Neue Light"/>
-              </a:rPr>
-              <a:t>is the standard block level element. It starts on a new line and stretches to the left and right as far as it can. Others include </a:t>
-            </a:r>
-            <a:r>
-              <a:t>&lt;p&gt;</a:t>
-            </a:r>
-            <a:r>
-              <a:t> </a:t>
-            </a:r>
-            <a:r>
-              <a:rPr sz="2800">
-                <a:latin typeface="Helvetica Neue Light"/>
-                <a:ea typeface="Helvetica Neue Light"/>
-                <a:cs typeface="Helvetica Neue Light"/>
-                <a:sym typeface="Helvetica Neue Light"/>
-              </a:rPr>
-              <a:t>and new in HTML5 are </a:t>
-            </a:r>
-            <a:r>
-              <a:t>&lt;header&gt; &lt;footer&gt; &lt;section&gt;</a:t>
-            </a:r>
-            <a:r>
-              <a:rPr sz="2800"/>
-              <a:t> </a:t>
-            </a:r>
-            <a:r>
-              <a:rPr sz="2800">
-                <a:latin typeface="Helvetica Neue Light"/>
-                <a:ea typeface="Helvetica Neue Light"/>
-                <a:cs typeface="Helvetica Neue Light"/>
-                <a:sym typeface="Helvetica Neue Light"/>
-              </a:rPr>
-              <a:t>and more.</a:t>
-            </a:r>
-            <a:endParaRPr sz="2800">
-              <a:latin typeface="Helvetica Neue Light"/>
-              <a:ea typeface="Helvetica Neue Light"/>
-              <a:cs typeface="Helvetica Neue Light"/>
-              <a:sym typeface="Helvetica Neue Light"/>
-            </a:endParaRPr>
-          </a:p>
-          <a:p>
-            <a:pPr marL="0" indent="0">
-              <a:spcBef>
-                <a:spcPts val="1200"/>
-              </a:spcBef>
-              <a:buSzTx/>
-              <a:buNone/>
-              <a:defRPr b="1" sz="2800">
-                <a:latin typeface="Verdana"/>
-                <a:ea typeface="Verdana"/>
-                <a:cs typeface="Verdana"/>
-                <a:sym typeface="Verdana"/>
-              </a:defRPr>
-            </a:pPr>
-            <a:r>
-              <a:t>inline</a:t>
-            </a:r>
-          </a:p>
-          <a:p>
-            <a:pPr lvl="1" marL="0" indent="444500">
-              <a:spcBef>
-                <a:spcPts val="1200"/>
-              </a:spcBef>
-              <a:buSzTx/>
-              <a:buNone/>
-              <a:defRPr sz="2400">
-                <a:effectLst>
-                  <a:outerShdw sx="100000" sy="100000" kx="0" ky="0" algn="b" rotWithShape="0" blurRad="38100" dist="38100" dir="2700000">
-                    <a:srgbClr val="000000">
-                      <a:alpha val="43137"/>
-                    </a:srgbClr>
-                  </a:outerShdw>
-                </a:effectLst>
-                <a:latin typeface="Verdana"/>
-                <a:ea typeface="Verdana"/>
-                <a:cs typeface="Verdana"/>
-                <a:sym typeface="Verdana"/>
-              </a:defRPr>
-            </a:pPr>
-            <a:r>
-              <a:t>&lt;span&gt; </a:t>
-            </a:r>
-            <a:r>
-              <a:rPr sz="2800">
-                <a:latin typeface="Helvetica Neue"/>
-                <a:ea typeface="Helvetica Neue"/>
-                <a:cs typeface="Helvetica Neue"/>
-                <a:sym typeface="Helvetica Neue"/>
-              </a:rPr>
-              <a:t>is the standard inline element. The </a:t>
-            </a:r>
-            <a:r>
-              <a:t>&lt;a&gt; </a:t>
-            </a:r>
-            <a:r>
-              <a:rPr sz="2800">
-                <a:latin typeface="Helvetica Neue Light"/>
-                <a:ea typeface="Helvetica Neue Light"/>
-                <a:cs typeface="Helvetica Neue Light"/>
-                <a:sym typeface="Helvetica Neue Light"/>
-              </a:rPr>
-              <a:t>element is the most common inline element.</a:t>
-            </a:r>
-            <a:endParaRPr sz="2800">
-              <a:latin typeface="Helvetica Neue Light"/>
-              <a:ea typeface="Helvetica Neue Light"/>
-              <a:cs typeface="Helvetica Neue Light"/>
-              <a:sym typeface="Helvetica Neue Light"/>
-            </a:endParaRPr>
-          </a:p>
-          <a:p>
-            <a:pPr marL="0" indent="0">
-              <a:spcBef>
-                <a:spcPts val="1200"/>
-              </a:spcBef>
-              <a:buSzTx/>
-              <a:buNone/>
-              <a:defRPr b="1" sz="2800">
-                <a:latin typeface="Verdana"/>
-                <a:ea typeface="Verdana"/>
-                <a:cs typeface="Verdana"/>
-                <a:sym typeface="Verdana"/>
-              </a:defRPr>
-            </a:pPr>
-            <a:r>
-              <a:t>none</a:t>
-            </a:r>
-          </a:p>
-          <a:p>
-            <a:pPr lvl="1" marL="0" indent="444500">
-              <a:spcBef>
-                <a:spcPts val="1200"/>
-              </a:spcBef>
-              <a:buSzTx/>
-              <a:buNone/>
-              <a:defRPr sz="2800">
-                <a:latin typeface="Helvetica Neue Light"/>
-                <a:ea typeface="Helvetica Neue Light"/>
-                <a:cs typeface="Helvetica Neue Light"/>
-                <a:sym typeface="Helvetica Neue Light"/>
-              </a:defRPr>
-            </a:pPr>
-            <a:r>
-              <a:t>Setting </a:t>
-            </a:r>
-            <a:r>
-              <a:rPr sz="2400">
-                <a:effectLst>
-                  <a:outerShdw sx="100000" sy="100000" kx="0" ky="0" algn="b" rotWithShape="0" blurRad="38100" dist="38100" dir="2700000">
-                    <a:srgbClr val="000000">
-                      <a:alpha val="43137"/>
-                    </a:srgbClr>
-                  </a:outerShdw>
-                </a:effectLst>
-                <a:latin typeface="Verdana"/>
-                <a:ea typeface="Verdana"/>
-                <a:cs typeface="Verdana"/>
-                <a:sym typeface="Verdana"/>
-              </a:rPr>
-              <a:t>display </a:t>
-            </a:r>
-            <a:r>
-              <a:t>to </a:t>
-            </a:r>
-            <a:r>
-              <a:rPr sz="2400">
-                <a:effectLst>
-                  <a:outerShdw sx="100000" sy="100000" kx="0" ky="0" algn="b" rotWithShape="0" blurRad="38100" dist="38100" dir="2700000">
-                    <a:srgbClr val="000000">
-                      <a:alpha val="43137"/>
-                    </a:srgbClr>
-                  </a:outerShdw>
-                </a:effectLst>
-                <a:latin typeface="Verdana"/>
-                <a:ea typeface="Verdana"/>
-                <a:cs typeface="Verdana"/>
-                <a:sym typeface="Verdana"/>
-              </a:rPr>
-              <a:t>none </a:t>
-            </a:r>
-            <a:r>
-              <a:t>will render the page as though the element does not exist. </a:t>
-            </a:r>
-          </a:p>
-          <a:p>
-            <a:pPr lvl="1" marL="0" indent="444500">
-              <a:spcBef>
-                <a:spcPts val="1200"/>
-              </a:spcBef>
-              <a:buSzTx/>
-              <a:buNone/>
-              <a:defRPr sz="2400">
-                <a:effectLst>
-                  <a:outerShdw sx="100000" sy="100000" kx="0" ky="0" algn="b" rotWithShape="0" blurRad="38100" dist="38100" dir="2700000">
-                    <a:srgbClr val="000000">
-                      <a:alpha val="43137"/>
-                    </a:srgbClr>
-                  </a:outerShdw>
-                </a:effectLst>
-                <a:latin typeface="Verdana"/>
-                <a:ea typeface="Verdana"/>
-                <a:cs typeface="Verdana"/>
-                <a:sym typeface="Verdana"/>
-              </a:defRPr>
-            </a:pPr>
-            <a:r>
-              <a:t>visibility: hidden; </a:t>
-            </a:r>
-            <a:r>
-              <a:rPr sz="2800">
-                <a:latin typeface="Helvetica Neue Light"/>
-                <a:ea typeface="Helvetica Neue Light"/>
-                <a:cs typeface="Helvetica Neue Light"/>
-                <a:sym typeface="Helvetica Neue Light"/>
-              </a:rPr>
-              <a:t>will hide the element, but the element will take up the space it would usually.</a:t>
-            </a:r>
-          </a:p>
-        </p:txBody>
-      </p:sp>
-      <p:sp>
-        <p:nvSpPr>
-          <p:cNvPr id="208" name="Shape 208"/>
-          <p:cNvSpPr/>
-          <p:nvPr/>
-        </p:nvSpPr>
-        <p:spPr>
-          <a:xfrm>
-            <a:off x="9958784" y="2068488"/>
-            <a:ext cx="2880321" cy="6999451"/>
-          </a:xfrm>
-          <a:prstGeom prst="rect">
-            <a:avLst/>
-          </a:prstGeom>
-          <a:solidFill>
-            <a:srgbClr val="FFFFFF"/>
-          </a:solidFill>
-          <a:ln>
-            <a:solidFill>
-              <a:srgbClr val="000000"/>
-            </a:solidFill>
-          </a:ln>
           <a:extLst>
             <a:ext uri="{C572A759-6A51-4108-AA02-DFA0A04FC94B}">
               <ma14:wrappingTextBoxFlag xmlns:ma14="http://schemas.microsoft.com/office/mac/drawingml/2011/main" val="1"/>
@@ -8042,123 +9606,122 @@
           </a:extLst>
         </p:spPr>
         <p:txBody>
-          <a:bodyPr lIns="45719" rIns="45719">
-            <a:spAutoFit/>
-          </a:bodyPr>
+          <a:bodyPr/>
           <a:lstStyle/>
           <a:p>
-            <a:pPr algn="l">
-              <a:defRPr sz="2800"/>
-            </a:pPr>
-            <a:r>
-              <a:t>.test-one {  </a:t>
-            </a:r>
-          </a:p>
-          <a:p>
-            <a:pPr algn="l">
-              <a:defRPr sz="2800"/>
-            </a:pPr>
-            <a:r>
-              <a:t>  display:block;</a:t>
-            </a:r>
-          </a:p>
-          <a:p>
-            <a:pPr algn="l">
-              <a:defRPr sz="2800"/>
-            </a:pPr>
-            <a:r>
-              <a:t>}</a:t>
-            </a:r>
-          </a:p>
-          <a:p>
-            <a:pPr algn="l">
-              <a:defRPr sz="2800"/>
-            </a:pPr>
-          </a:p>
-          <a:p>
-            <a:pPr algn="l">
-              <a:defRPr sz="2800"/>
-            </a:pPr>
-            <a:r>
-              <a:t>test-two {  </a:t>
-            </a:r>
-          </a:p>
-          <a:p>
-            <a:pPr algn="l">
-              <a:defRPr sz="2800"/>
-            </a:pPr>
-            <a:r>
-              <a:t>  display:inline;</a:t>
-            </a:r>
-          </a:p>
-          <a:p>
-            <a:pPr algn="l">
-              <a:defRPr sz="2800"/>
-            </a:pPr>
-            <a:r>
-              <a:t>}</a:t>
-            </a:r>
-          </a:p>
-          <a:p>
-            <a:pPr algn="l">
-              <a:defRPr sz="2800"/>
-            </a:pPr>
-          </a:p>
-          <a:p>
-            <a:pPr algn="l">
-              <a:defRPr sz="2800"/>
-            </a:pPr>
-            <a:r>
-              <a:t>test-three {  </a:t>
-            </a:r>
-          </a:p>
-          <a:p>
-            <a:pPr algn="l">
-              <a:defRPr sz="2800"/>
-            </a:pPr>
-            <a:r>
-              <a:t>  display:none;</a:t>
-            </a:r>
-          </a:p>
-          <a:p>
-            <a:pPr algn="l">
-              <a:defRPr sz="2800"/>
-            </a:pPr>
-            <a:r>
-              <a:t>}</a:t>
-            </a:r>
-          </a:p>
-          <a:p>
-            <a:pPr algn="l">
-              <a:defRPr sz="2800"/>
-            </a:pPr>
-          </a:p>
-          <a:p>
-            <a:pPr algn="l">
-              <a:defRPr sz="2800"/>
-            </a:pPr>
-            <a:r>
-              <a:t>.test-four {  </a:t>
-            </a:r>
-          </a:p>
-          <a:p>
-            <a:pPr algn="l">
-              <a:defRPr sz="2800"/>
-            </a:pPr>
-            <a:r>
-              <a:t>  visibility:hidden;</a:t>
-            </a:r>
-          </a:p>
-          <a:p>
-            <a:pPr algn="l">
-              <a:defRPr sz="2800"/>
-            </a:pPr>
-            <a:r>
-              <a:t>}</a:t>
-            </a:r>
+            <a:pPr/>
+            <a:fld id="{86CB4B4D-7CA3-9044-876B-883B54F8677D}" type="slidenum"/>
           </a:p>
         </p:txBody>
       </p:sp>
+      <p:pic>
+        <p:nvPicPr>
+          <p:cNvPr id="214" name="image2.png"/>
+          <p:cNvPicPr>
+            <a:picLocks noChangeAspect="1"/>
+          </p:cNvPicPr>
+          <p:nvPr/>
+        </p:nvPicPr>
+        <p:blipFill>
+          <a:blip r:embed="rId3">
+            <a:extLst/>
+          </a:blip>
+          <a:stretch>
+            <a:fillRect/>
+          </a:stretch>
+        </p:blipFill>
+        <p:spPr>
+          <a:xfrm>
+            <a:off x="337633" y="6604992"/>
+            <a:ext cx="6429376" cy="2362201"/>
+          </a:xfrm>
+          <a:prstGeom prst="rect">
+            <a:avLst/>
+          </a:prstGeom>
+          <a:ln w="12700">
+            <a:miter lim="400000"/>
+          </a:ln>
+          <a:effectLst>
+            <a:outerShdw sx="100000" sy="100000" kx="0" ky="0" algn="b" rotWithShape="0" blurRad="292100" dist="139700" dir="2700000">
+              <a:srgbClr val="333333">
+                <a:alpha val="64999"/>
+              </a:srgbClr>
+            </a:outerShdw>
+          </a:effectLst>
+        </p:spPr>
+      </p:pic>
+      <p:pic>
+        <p:nvPicPr>
+          <p:cNvPr id="215" name="image3.png"/>
+          <p:cNvPicPr>
+            <a:picLocks noChangeAspect="1"/>
+          </p:cNvPicPr>
+          <p:nvPr/>
+        </p:nvPicPr>
+        <p:blipFill>
+          <a:blip r:embed="rId4">
+            <a:extLst/>
+          </a:blip>
+          <a:stretch>
+            <a:fillRect/>
+          </a:stretch>
+        </p:blipFill>
+        <p:spPr>
+          <a:xfrm>
+            <a:off x="6369794" y="2247623"/>
+            <a:ext cx="6429376" cy="3228976"/>
+          </a:xfrm>
+          <a:prstGeom prst="rect">
+            <a:avLst/>
+          </a:prstGeom>
+          <a:ln w="12700">
+            <a:miter lim="400000"/>
+          </a:ln>
+          <a:effectLst>
+            <a:outerShdw sx="100000" sy="100000" kx="0" ky="0" algn="b" rotWithShape="0" blurRad="292100" dist="139700" dir="2700000">
+              <a:srgbClr val="333333">
+                <a:alpha val="64999"/>
+              </a:srgbClr>
+            </a:outerShdw>
+          </a:effectLst>
+        </p:spPr>
+      </p:pic>
+      <p:pic>
+        <p:nvPicPr>
+          <p:cNvPr id="216" name="image4.png"/>
+          <p:cNvPicPr>
+            <a:picLocks noChangeAspect="1"/>
+          </p:cNvPicPr>
+          <p:nvPr/>
+        </p:nvPicPr>
+        <p:blipFill>
+          <a:blip r:embed="rId5">
+            <a:extLst/>
+          </a:blip>
+          <a:stretch>
+            <a:fillRect/>
+          </a:stretch>
+        </p:blipFill>
+        <p:spPr>
+          <a:xfrm>
+            <a:off x="7798544" y="5596880"/>
+            <a:ext cx="5000626" cy="2971801"/>
+          </a:xfrm>
+          <a:prstGeom prst="rect">
+            <a:avLst/>
+          </a:prstGeom>
+          <a:ln w="12700">
+            <a:miter lim="400000"/>
+          </a:ln>
+          <a:effectLst>
+            <a:outerShdw sx="100000" sy="100000" kx="0" ky="0" algn="b" rotWithShape="0" blurRad="292100" dist="139700" dir="2700000">
+              <a:srgbClr val="333333">
+                <a:alpha val="64999"/>
+              </a:srgbClr>
+            </a:outerShdw>
+          </a:effectLst>
+        </p:spPr>
+      </p:pic>
     </p:spTree>
   </p:cSld>
   <p:clrMapOvr>
@@ -8187,7 +9750,7 @@
       </p:grpSpPr>
       <p:sp>
         <p:nvSpPr>
-          <p:cNvPr id="210" name="Shape 210"/>
+          <p:cNvPr id="218" name="Shape 218"/>
           <p:cNvSpPr/>
           <p:nvPr>
             <p:ph type="title"/>
@@ -8204,14 +9767,14 @@
           <a:p>
             <a:pPr/>
             <a:r>
-              <a:t>margin: auto;</a:t>
+              <a:t>CSS Layout I</a:t>
             </a:r>
           </a:p>
         </p:txBody>
       </p:sp>
       <p:sp>
         <p:nvSpPr>
-          <p:cNvPr id="211" name="Shape 211"/>
+          <p:cNvPr id="219" name="Shape 219"/>
           <p:cNvSpPr/>
           <p:nvPr>
             <p:ph type="body" idx="1"/>
@@ -8226,109 +9789,151 @@
           <a:bodyPr/>
           <a:lstStyle/>
           <a:p>
-            <a:pPr/>
-          </a:p>
-          <a:p>
-            <a:pPr/>
-          </a:p>
-          <a:p>
-            <a:pPr/>
-            <a:r>
-              <a:t>Setting the </a:t>
-            </a:r>
-            <a:r>
-              <a:rPr>
-                <a:effectLst>
-                  <a:outerShdw sx="100000" sy="100000" kx="0" ky="0" algn="b" rotWithShape="0" blurRad="38100" dist="38100" dir="2700000">
-                    <a:srgbClr val="000000">
-                      <a:alpha val="43137"/>
-                    </a:srgbClr>
-                  </a:outerShdw>
-                </a:effectLst>
-                <a:latin typeface="Verdana"/>
-                <a:ea typeface="Verdana"/>
-                <a:cs typeface="Verdana"/>
-                <a:sym typeface="Verdana"/>
-              </a:rPr>
-              <a:t>width</a:t>
-            </a:r>
-            <a:r>
-              <a:t> of a block-level element will stop it stretching out to the edges left and right. Then set the margin to auto left and right. This horizontally centres that element within its container.</a:t>
-            </a:r>
-          </a:p>
-          <a:p>
             <a:pPr>
               <a:spcBef>
                 <a:spcPts val="600"/>
               </a:spcBef>
+              <a:defRPr sz="2800">
+                <a:latin typeface="Helvetica Neue Light"/>
+                <a:ea typeface="Helvetica Neue Light"/>
+                <a:cs typeface="Helvetica Neue Light"/>
+                <a:sym typeface="Helvetica Neue Light"/>
+              </a:defRPr>
             </a:pPr>
             <a:r>
-              <a:t>The only problem is when the browser window is narrower than the width you set. What will the browser do?</a:t>
+              <a:t>No layout</a:t>
+            </a:r>
+          </a:p>
+          <a:p>
+            <a:pPr>
+              <a:spcBef>
+                <a:spcPts val="600"/>
+              </a:spcBef>
+              <a:defRPr sz="2800">
+                <a:latin typeface="Helvetica Neue Light"/>
+                <a:ea typeface="Helvetica Neue Light"/>
+                <a:cs typeface="Helvetica Neue Light"/>
+                <a:sym typeface="Helvetica Neue Light"/>
+              </a:defRPr>
+            </a:pPr>
+            <a:r>
+              <a:t>The “display” property</a:t>
+            </a:r>
+          </a:p>
+          <a:p>
+            <a:pPr>
+              <a:spcBef>
+                <a:spcPts val="600"/>
+              </a:spcBef>
+              <a:defRPr sz="2800">
+                <a:latin typeface="Helvetica Neue Light"/>
+                <a:ea typeface="Helvetica Neue Light"/>
+                <a:cs typeface="Helvetica Neue Light"/>
+                <a:sym typeface="Helvetica Neue Light"/>
+              </a:defRPr>
+            </a:pPr>
+            <a:r>
+              <a:t>Margin: auto;</a:t>
+            </a:r>
+          </a:p>
+          <a:p>
+            <a:pPr>
+              <a:spcBef>
+                <a:spcPts val="600"/>
+              </a:spcBef>
+              <a:defRPr sz="2800">
+                <a:latin typeface="Helvetica Neue Light"/>
+                <a:ea typeface="Helvetica Neue Light"/>
+                <a:cs typeface="Helvetica Neue Light"/>
+                <a:sym typeface="Helvetica Neue Light"/>
+              </a:defRPr>
+            </a:pPr>
+            <a:r>
+              <a:t>Max-width</a:t>
+            </a:r>
+          </a:p>
+          <a:p>
+            <a:pPr>
+              <a:spcBef>
+                <a:spcPts val="600"/>
+              </a:spcBef>
+              <a:defRPr sz="2800">
+                <a:latin typeface="Helvetica Neue Light"/>
+                <a:ea typeface="Helvetica Neue Light"/>
+                <a:cs typeface="Helvetica Neue Light"/>
+                <a:sym typeface="Helvetica Neue Light"/>
+              </a:defRPr>
+            </a:pPr>
+            <a:r>
+              <a:t>The box model</a:t>
+            </a:r>
+          </a:p>
+          <a:p>
+            <a:pPr>
+              <a:spcBef>
+                <a:spcPts val="600"/>
+              </a:spcBef>
+              <a:defRPr sz="2800">
+                <a:latin typeface="Helvetica Neue Light"/>
+                <a:ea typeface="Helvetica Neue Light"/>
+                <a:cs typeface="Helvetica Neue Light"/>
+                <a:sym typeface="Helvetica Neue Light"/>
+              </a:defRPr>
+            </a:pPr>
+            <a:r>
+              <a:t>Box-sizing</a:t>
+            </a:r>
+          </a:p>
+          <a:p>
+            <a:pPr>
+              <a:spcBef>
+                <a:spcPts val="600"/>
+              </a:spcBef>
+              <a:defRPr sz="2800">
+                <a:latin typeface="Helvetica Neue Light"/>
+                <a:ea typeface="Helvetica Neue Light"/>
+                <a:cs typeface="Helvetica Neue Light"/>
+                <a:sym typeface="Helvetica Neue Light"/>
+              </a:defRPr>
+            </a:pPr>
+            <a:r>
+              <a:t>Position</a:t>
+            </a:r>
+          </a:p>
+          <a:p>
+            <a:pPr>
+              <a:spcBef>
+                <a:spcPts val="600"/>
+              </a:spcBef>
+              <a:defRPr sz="2800">
+                <a:latin typeface="Helvetica Neue Light"/>
+                <a:ea typeface="Helvetica Neue Light"/>
+                <a:cs typeface="Helvetica Neue Light"/>
+                <a:sym typeface="Helvetica Neue Light"/>
+              </a:defRPr>
+            </a:pPr>
+            <a:r>
+              <a:t>Float</a:t>
+            </a:r>
+          </a:p>
+          <a:p>
+            <a:pPr>
+              <a:spcBef>
+                <a:spcPts val="600"/>
+              </a:spcBef>
+              <a:defRPr sz="2800">
+                <a:latin typeface="Helvetica Neue Light"/>
+                <a:ea typeface="Helvetica Neue Light"/>
+                <a:cs typeface="Helvetica Neue Light"/>
+                <a:sym typeface="Helvetica Neue Light"/>
+              </a:defRPr>
+            </a:pPr>
+            <a:r>
+              <a:t>Clear</a:t>
             </a:r>
           </a:p>
         </p:txBody>
       </p:sp>
-      <p:pic>
-        <p:nvPicPr>
-          <p:cNvPr id="212" name="image7.png"/>
-          <p:cNvPicPr>
-            <a:picLocks noChangeAspect="1"/>
-          </p:cNvPicPr>
-          <p:nvPr/>
-        </p:nvPicPr>
-        <p:blipFill>
-          <a:blip r:embed="rId2">
-            <a:extLst/>
-          </a:blip>
-          <a:stretch>
-            <a:fillRect/>
-          </a:stretch>
-        </p:blipFill>
-        <p:spPr>
-          <a:xfrm>
-            <a:off x="672555" y="2356519"/>
-            <a:ext cx="8592597" cy="1872209"/>
-          </a:xfrm>
-          <a:prstGeom prst="rect">
-            <a:avLst/>
-          </a:prstGeom>
-          <a:ln w="12700">
-            <a:miter lim="400000"/>
-          </a:ln>
-        </p:spPr>
-      </p:pic>
-      <p:pic>
-        <p:nvPicPr>
-          <p:cNvPr id="213" name="image8.png"/>
-          <p:cNvPicPr>
-            <a:picLocks noChangeAspect="1"/>
-          </p:cNvPicPr>
-          <p:nvPr/>
-        </p:nvPicPr>
-        <p:blipFill>
-          <a:blip r:embed="rId3">
-            <a:extLst/>
-          </a:blip>
-          <a:stretch>
-            <a:fillRect/>
-          </a:stretch>
-        </p:blipFill>
-        <p:spPr>
-          <a:xfrm>
-            <a:off x="957783" y="6749008"/>
-            <a:ext cx="9001126" cy="2590801"/>
-          </a:xfrm>
-          <a:prstGeom prst="rect">
-            <a:avLst/>
-          </a:prstGeom>
-          <a:ln>
-            <a:solidFill>
-              <a:srgbClr val="000000"/>
-            </a:solidFill>
-            <a:miter/>
-          </a:ln>
-        </p:spPr>
-      </p:pic>
     </p:spTree>
   </p:cSld>
   <p:clrMapOvr>
@@ -8357,7 +9962,7 @@
       </p:grpSpPr>
       <p:sp>
         <p:nvSpPr>
-          <p:cNvPr id="215" name="Shape 215"/>
+          <p:cNvPr id="221" name="Shape 221"/>
           <p:cNvSpPr/>
           <p:nvPr>
             <p:ph type="title"/>
@@ -8374,23 +9979,23 @@
           <a:p>
             <a:pPr/>
             <a:r>
-              <a:t>max-width</a:t>
+              <a:t>No Layout</a:t>
             </a:r>
           </a:p>
         </p:txBody>
       </p:sp>
       <p:sp>
         <p:nvSpPr>
-          <p:cNvPr id="216" name="Shape 216"/>
+          <p:cNvPr id="222" name="Shape 222"/>
           <p:cNvSpPr/>
           <p:nvPr>
-            <p:ph type="body" sz="half" idx="1"/>
+            <p:ph type="body" sz="quarter" idx="1"/>
           </p:nvPr>
         </p:nvSpPr>
         <p:spPr>
           <a:xfrm>
-            <a:off x="571499" y="4156719"/>
-            <a:ext cx="6794998" cy="4733281"/>
+            <a:off x="571500" y="2324100"/>
+            <a:ext cx="11861800" cy="2048644"/>
           </a:xfrm>
           <a:prstGeom prst="rect">
             <a:avLst/>
@@ -8401,85 +10006,21 @@
           <a:lstStyle/>
           <a:p>
             <a:pPr/>
+            <a:r>
+              <a:t>No layout is ok if you want one big column of content.</a:t>
+            </a:r>
           </a:p>
           <a:p>
             <a:pPr/>
             <a:r>
-              <a:t>To prevent a horizontal scroll bar appearing we can use the </a:t>
-            </a:r>
-            <a:r>
-              <a:rPr>
-                <a:effectLst>
-                  <a:outerShdw sx="100000" sy="100000" kx="0" ky="0" algn="b" rotWithShape="0" blurRad="38100" dist="38100" dir="2700000">
-                    <a:srgbClr val="000000">
-                      <a:alpha val="43137"/>
-                    </a:srgbClr>
-                  </a:outerShdw>
-                </a:effectLst>
-                <a:latin typeface="Verdana"/>
-                <a:ea typeface="Verdana"/>
-                <a:cs typeface="Verdana"/>
-                <a:sym typeface="Verdana"/>
-              </a:rPr>
-              <a:t>max-width</a:t>
-            </a:r>
-            <a:r>
-              <a:t> property. For a site that needs to be usable on a mobile it is important to use </a:t>
-            </a:r>
-            <a:r>
-              <a:rPr>
-                <a:effectLst>
-                  <a:outerShdw sx="100000" sy="100000" kx="0" ky="0" algn="b" rotWithShape="0" blurRad="38100" dist="38100" dir="2700000">
-                    <a:srgbClr val="000000">
-                      <a:alpha val="43137"/>
-                    </a:srgbClr>
-                  </a:outerShdw>
-                </a:effectLst>
-                <a:latin typeface="Verdana"/>
-                <a:ea typeface="Verdana"/>
-                <a:cs typeface="Verdana"/>
-                <a:sym typeface="Verdana"/>
-              </a:rPr>
-              <a:t>max-width</a:t>
-            </a:r>
-            <a:r>
-              <a:t>.</a:t>
-            </a:r>
-          </a:p>
-          <a:p>
-            <a:pPr>
-              <a:defRPr>
-                <a:effectLst>
-                  <a:outerShdw sx="100000" sy="100000" kx="0" ky="0" algn="b" rotWithShape="0" blurRad="38100" dist="38100" dir="2700000">
-                    <a:srgbClr val="000000">
-                      <a:alpha val="43137"/>
-                    </a:srgbClr>
-                  </a:outerShdw>
-                </a:effectLst>
-                <a:latin typeface="Verdana"/>
-                <a:ea typeface="Verdana"/>
-                <a:cs typeface="Verdana"/>
-                <a:sym typeface="Verdana"/>
-              </a:defRPr>
-            </a:pPr>
-            <a:r>
-              <a:t>max-width</a:t>
-            </a:r>
-            <a:r>
-              <a:rPr>
-                <a:latin typeface="Helvetica Neue"/>
-                <a:ea typeface="Helvetica Neue"/>
-                <a:cs typeface="Helvetica Neue"/>
-                <a:sym typeface="Helvetica Neue"/>
-              </a:rPr>
-              <a:t> is supported by all major browsers including IE7</a:t>
+              <a:t>What happens if you make the browser really wide?</a:t>
             </a:r>
           </a:p>
         </p:txBody>
       </p:sp>
       <p:pic>
         <p:nvPicPr>
-          <p:cNvPr id="217" name="image9.png"/>
+          <p:cNvPr id="223" name="image5.png"/>
           <p:cNvPicPr>
             <a:picLocks noChangeAspect="1"/>
           </p:cNvPicPr>
@@ -8495,8 +10036,8 @@
         </p:blipFill>
         <p:spPr>
           <a:xfrm>
-            <a:off x="663575" y="1996480"/>
-            <a:ext cx="10045862" cy="2376265"/>
+            <a:off x="453728" y="4012703"/>
+            <a:ext cx="4981576" cy="4076701"/>
           </a:xfrm>
           <a:prstGeom prst="rect">
             <a:avLst/>
@@ -8504,11 +10045,58 @@
           <a:ln w="12700">
             <a:miter lim="400000"/>
           </a:ln>
+          <a:effectLst>
+            <a:outerShdw sx="100000" sy="100000" kx="0" ky="0" algn="b" rotWithShape="0" blurRad="292100" dist="139700" dir="2700000">
+              <a:srgbClr val="333333">
+                <a:alpha val="64999"/>
+              </a:srgbClr>
+            </a:outerShdw>
+          </a:effectLst>
         </p:spPr>
       </p:pic>
+      <p:sp>
+        <p:nvSpPr>
+          <p:cNvPr id="224" name="Shape 224"/>
+          <p:cNvSpPr/>
+          <p:nvPr/>
+        </p:nvSpPr>
+        <p:spPr>
+          <a:xfrm>
+            <a:off x="6214367" y="6681741"/>
+            <a:ext cx="6218933" cy="954886"/>
+          </a:xfrm>
+          <a:prstGeom prst="rect">
+            <a:avLst/>
+          </a:prstGeom>
+          <a:ln w="12700">
+            <a:miter lim="400000"/>
+          </a:ln>
+          <a:extLst>
+            <a:ext uri="{C572A759-6A51-4108-AA02-DFA0A04FC94B}">
+              <ma14:wrappingTextBoxFlag xmlns:ma14="http://schemas.microsoft.com/office/mac/drawingml/2011/main" val="1"/>
+            </a:ext>
+          </a:extLst>
+        </p:spPr>
+        <p:txBody>
+          <a:bodyPr lIns="50800" tIns="50800" rIns="50800" bIns="50800" anchor="ctr">
+            <a:spAutoFit/>
+          </a:bodyPr>
+          <a:lstStyle>
+            <a:lvl1pPr>
+              <a:defRPr sz="2800"/>
+            </a:lvl1pPr>
+          </a:lstStyle>
+          <a:p>
+            <a:pPr/>
+            <a:r>
+              <a:t>Your eyes have to travel a long distance right to left to the next line.</a:t>
+            </a:r>
+          </a:p>
+        </p:txBody>
+      </p:sp>
       <p:pic>
         <p:nvPicPr>
-          <p:cNvPr id="218" name="image10.png"/>
+          <p:cNvPr id="225" name="image6.png"/>
           <p:cNvPicPr>
             <a:picLocks noChangeAspect="1"/>
           </p:cNvPicPr>
@@ -8524,8 +10112,8 @@
         </p:blipFill>
         <p:spPr>
           <a:xfrm>
-            <a:off x="7726536" y="4660775"/>
-            <a:ext cx="3924301" cy="4467226"/>
+            <a:off x="126752" y="8089403"/>
+            <a:ext cx="11887201" cy="939801"/>
           </a:xfrm>
           <a:prstGeom prst="rect">
             <a:avLst/>
@@ -8533,6 +10121,13 @@
           <a:ln w="12700">
             <a:miter lim="400000"/>
           </a:ln>
+          <a:effectLst>
+            <a:outerShdw sx="100000" sy="100000" kx="0" ky="0" algn="b" rotWithShape="0" blurRad="292100" dist="139700" dir="2700000">
+              <a:srgbClr val="333333">
+                <a:alpha val="64999"/>
+              </a:srgbClr>
+            </a:outerShdw>
+          </a:effectLst>
         </p:spPr>
       </p:pic>
     </p:spTree>
@@ -8563,141 +10158,589 @@
       </p:grpSpPr>
       <p:sp>
         <p:nvSpPr>
-          <p:cNvPr id="220" name="Shape 220"/>
+          <p:cNvPr id="227" name="Shape 227"/>
           <p:cNvSpPr/>
           <p:nvPr>
             <p:ph type="title"/>
           </p:nvPr>
         </p:nvSpPr>
         <p:spPr>
+          <a:xfrm>
+            <a:off x="9939535" y="797935"/>
+            <a:ext cx="2899569" cy="588206"/>
+          </a:xfrm>
           <a:prstGeom prst="rect">
             <a:avLst/>
           </a:prstGeom>
         </p:spPr>
         <p:txBody>
           <a:bodyPr/>
-          <a:lstStyle/>
+          <a:lstStyle>
+            <a:lvl1pPr defTabSz="414781">
+              <a:defRPr sz="2982"/>
+            </a:lvl1pPr>
+          </a:lstStyle>
           <a:p>
             <a:pPr/>
             <a:r>
-              <a:t>the box model</a:t>
+              <a:t>“display” property</a:t>
             </a:r>
           </a:p>
         </p:txBody>
       </p:sp>
       <p:sp>
         <p:nvSpPr>
-          <p:cNvPr id="221" name="Shape 221"/>
+          <p:cNvPr id="228" name="Shape 228"/>
           <p:cNvSpPr/>
           <p:nvPr>
-            <p:ph type="body" sz="half" idx="1"/>
+            <p:ph type="body" idx="1"/>
           </p:nvPr>
         </p:nvSpPr>
         <p:spPr>
           <a:xfrm>
-            <a:off x="571499" y="2284511"/>
-            <a:ext cx="4660479" cy="6565901"/>
+            <a:off x="237703" y="196280"/>
+            <a:ext cx="9361042" cy="9312635"/>
           </a:xfrm>
           <a:prstGeom prst="rect">
             <a:avLst/>
           </a:prstGeom>
+          <a:solidFill>
+            <a:srgbClr val="FFFFFF"/>
+          </a:solidFill>
         </p:spPr>
         <p:txBody>
           <a:bodyPr/>
           <a:lstStyle/>
           <a:p>
-            <a:pPr/>
-            <a:r>
-              <a:t>When you set the width of an element, it can actually appear bigger because of the border  and padding.</a:t>
-            </a:r>
-          </a:p>
-          <a:p>
-            <a:pPr>
+            <a:pPr marL="0" indent="0">
+              <a:spcBef>
+                <a:spcPts val="1200"/>
+              </a:spcBef>
+              <a:buSzTx/>
+              <a:buNone/>
+              <a:defRPr sz="2400">
+                <a:effectLst>
+                  <a:outerShdw sx="100000" sy="100000" kx="0" ky="0" algn="b" rotWithShape="0" blurRad="38100" dist="38100" dir="2700000">
+                    <a:srgbClr val="000000">
+                      <a:alpha val="43137"/>
+                    </a:srgbClr>
+                  </a:outerShdw>
+                </a:effectLst>
+                <a:latin typeface="Verdana"/>
+                <a:ea typeface="Verdana"/>
+                <a:cs typeface="Verdana"/>
+                <a:sym typeface="Verdana"/>
+              </a:defRPr>
+            </a:pPr>
+            <a:r>
+              <a:t>display</a:t>
+            </a:r>
+            <a:r>
+              <a:rPr sz="2600">
+                <a:latin typeface="Helvetica Neue"/>
+                <a:ea typeface="Helvetica Neue"/>
+                <a:cs typeface="Helvetica Neue"/>
+                <a:sym typeface="Helvetica Neue"/>
+              </a:rPr>
+              <a:t> </a:t>
+            </a:r>
+            <a:r>
+              <a:rPr sz="2800">
+                <a:latin typeface="Helvetica Neue"/>
+                <a:ea typeface="Helvetica Neue"/>
+                <a:cs typeface="Helvetica Neue"/>
+                <a:sym typeface="Helvetica Neue"/>
+              </a:rPr>
+              <a:t>is CSS’s most important property for controlling layout.</a:t>
+            </a:r>
+            <a:endParaRPr sz="2800">
+              <a:latin typeface="Helvetica Neue"/>
+              <a:ea typeface="Helvetica Neue"/>
+              <a:cs typeface="Helvetica Neue"/>
+              <a:sym typeface="Helvetica Neue"/>
+            </a:endParaRPr>
+          </a:p>
+          <a:p>
+            <a:pPr marL="0" indent="0">
+              <a:spcBef>
+                <a:spcPts val="1200"/>
+              </a:spcBef>
+              <a:buSzTx/>
+              <a:buNone/>
+              <a:defRPr sz="2800"/>
+            </a:pPr>
+            <a:r>
+              <a:t>Every element has a default display value depending on what type of element it is. The default for most elements is usually </a:t>
+            </a:r>
+            <a:r>
+              <a:rPr sz="2400">
+                <a:effectLst>
+                  <a:outerShdw sx="100000" sy="100000" kx="0" ky="0" algn="b" rotWithShape="0" blurRad="38100" dist="38100" dir="2700000">
+                    <a:srgbClr val="000000">
+                      <a:alpha val="43137"/>
+                    </a:srgbClr>
+                  </a:outerShdw>
+                </a:effectLst>
+                <a:latin typeface="Verdana"/>
+                <a:ea typeface="Verdana"/>
+                <a:cs typeface="Verdana"/>
+                <a:sym typeface="Verdana"/>
+              </a:rPr>
+              <a:t>block</a:t>
+            </a:r>
+            <a:r>
+              <a:rPr sz="2600">
+                <a:effectLst>
+                  <a:outerShdw sx="100000" sy="100000" kx="0" ky="0" algn="b" rotWithShape="0" blurRad="38100" dist="38100" dir="2700000">
+                    <a:srgbClr val="000000">
+                      <a:alpha val="43137"/>
+                    </a:srgbClr>
+                  </a:outerShdw>
+                </a:effectLst>
+              </a:rPr>
+              <a:t> </a:t>
+            </a:r>
+            <a:r>
+              <a:rPr sz="2600"/>
+              <a:t>or </a:t>
+            </a:r>
+            <a:r>
+              <a:rPr sz="2400">
+                <a:effectLst>
+                  <a:outerShdw sx="100000" sy="100000" kx="0" ky="0" algn="b" rotWithShape="0" blurRad="38100" dist="38100" dir="2700000">
+                    <a:srgbClr val="000000">
+                      <a:alpha val="43137"/>
+                    </a:srgbClr>
+                  </a:outerShdw>
+                </a:effectLst>
+                <a:latin typeface="Verdana"/>
+                <a:ea typeface="Verdana"/>
+                <a:cs typeface="Verdana"/>
+                <a:sym typeface="Verdana"/>
+              </a:rPr>
+              <a:t>inline</a:t>
+            </a:r>
+            <a:r>
+              <a:rPr sz="2600"/>
+              <a:t>.</a:t>
+            </a:r>
+            <a:endParaRPr sz="2600"/>
+          </a:p>
+          <a:p>
+            <a:pPr marL="0" indent="0">
+              <a:spcBef>
+                <a:spcPts val="1200"/>
+              </a:spcBef>
+              <a:buSzTx/>
+              <a:buNone/>
+              <a:defRPr b="1" sz="2800">
+                <a:latin typeface="Verdana"/>
+                <a:ea typeface="Verdana"/>
+                <a:cs typeface="Verdana"/>
+                <a:sym typeface="Verdana"/>
+              </a:defRPr>
+            </a:pPr>
+            <a:r>
+              <a:t>block</a:t>
+            </a:r>
+          </a:p>
+          <a:p>
+            <a:pPr lvl="1" marL="0" indent="444500">
               <a:spcBef>
                 <a:spcPts val="600"/>
               </a:spcBef>
+              <a:buSzTx/>
+              <a:buNone/>
+              <a:defRPr sz="2400">
+                <a:effectLst>
+                  <a:outerShdw sx="100000" sy="100000" kx="0" ky="0" algn="b" rotWithShape="0" blurRad="38100" dist="38100" dir="2700000">
+                    <a:srgbClr val="000000">
+                      <a:alpha val="43137"/>
+                    </a:srgbClr>
+                  </a:outerShdw>
+                </a:effectLst>
+                <a:latin typeface="Verdana"/>
+                <a:ea typeface="Verdana"/>
+                <a:cs typeface="Verdana"/>
+                <a:sym typeface="Verdana"/>
+              </a:defRPr>
             </a:pPr>
             <a:r>
-              <a:t>These two elements have their width set the same but they end up rendered as different sizes.</a:t>
-            </a:r>
-          </a:p>
-          <a:p>
-            <a:pPr>
+              <a:t>&lt;div&gt; </a:t>
+            </a:r>
+            <a:r>
+              <a:rPr sz="2800">
+                <a:latin typeface="Helvetica Neue Light"/>
+                <a:ea typeface="Helvetica Neue Light"/>
+                <a:cs typeface="Helvetica Neue Light"/>
+                <a:sym typeface="Helvetica Neue Light"/>
+              </a:rPr>
+              <a:t>is the standard block level element. It starts on a new line and stretches to the left and right as far as it can. Others include </a:t>
+            </a:r>
+            <a:r>
+              <a:t>&lt;p&gt;</a:t>
+            </a:r>
+            <a:r>
+              <a:t> </a:t>
+            </a:r>
+            <a:r>
+              <a:rPr sz="2800">
+                <a:latin typeface="Helvetica Neue Light"/>
+                <a:ea typeface="Helvetica Neue Light"/>
+                <a:cs typeface="Helvetica Neue Light"/>
+                <a:sym typeface="Helvetica Neue Light"/>
+              </a:rPr>
+              <a:t>and new in HTML5 are </a:t>
+            </a:r>
+            <a:r>
+              <a:t>&lt;header&gt; &lt;footer&gt; &lt;section&gt;</a:t>
+            </a:r>
+            <a:r>
+              <a:rPr sz="2800"/>
+              <a:t> </a:t>
+            </a:r>
+            <a:r>
+              <a:rPr sz="2800">
+                <a:latin typeface="Helvetica Neue Light"/>
+                <a:ea typeface="Helvetica Neue Light"/>
+                <a:cs typeface="Helvetica Neue Light"/>
+                <a:sym typeface="Helvetica Neue Light"/>
+              </a:rPr>
+              <a:t>and more.</a:t>
+            </a:r>
+            <a:endParaRPr sz="2800">
+              <a:latin typeface="Helvetica Neue Light"/>
+              <a:ea typeface="Helvetica Neue Light"/>
+              <a:cs typeface="Helvetica Neue Light"/>
+              <a:sym typeface="Helvetica Neue Light"/>
+            </a:endParaRPr>
+          </a:p>
+          <a:p>
+            <a:pPr marL="0" indent="0">
               <a:spcBef>
-                <a:spcPts val="600"/>
+                <a:spcPts val="1200"/>
               </a:spcBef>
+              <a:buSzTx/>
+              <a:buNone/>
+              <a:defRPr b="1" sz="2800">
+                <a:latin typeface="Verdana"/>
+                <a:ea typeface="Verdana"/>
+                <a:cs typeface="Verdana"/>
+                <a:sym typeface="Verdana"/>
+              </a:defRPr>
             </a:pPr>
             <a:r>
-              <a:t>The solution might be to write smaller width value than we wanted</a:t>
+              <a:t>inline</a:t>
+            </a:r>
+          </a:p>
+          <a:p>
+            <a:pPr lvl="1" marL="0" indent="444500">
+              <a:spcBef>
+                <a:spcPts val="1200"/>
+              </a:spcBef>
+              <a:buSzTx/>
+              <a:buNone/>
+              <a:defRPr sz="2400">
+                <a:effectLst>
+                  <a:outerShdw sx="100000" sy="100000" kx="0" ky="0" algn="b" rotWithShape="0" blurRad="38100" dist="38100" dir="2700000">
+                    <a:srgbClr val="000000">
+                      <a:alpha val="43137"/>
+                    </a:srgbClr>
+                  </a:outerShdw>
+                </a:effectLst>
+                <a:latin typeface="Verdana"/>
+                <a:ea typeface="Verdana"/>
+                <a:cs typeface="Verdana"/>
+                <a:sym typeface="Verdana"/>
+              </a:defRPr>
+            </a:pPr>
+            <a:r>
+              <a:t>&lt;span&gt; </a:t>
+            </a:r>
+            <a:r>
+              <a:rPr sz="2800">
+                <a:latin typeface="Helvetica Neue"/>
+                <a:ea typeface="Helvetica Neue"/>
+                <a:cs typeface="Helvetica Neue"/>
+                <a:sym typeface="Helvetica Neue"/>
+              </a:rPr>
+              <a:t>is the standard inline element. The </a:t>
+            </a:r>
+            <a:r>
+              <a:t>&lt;a&gt; </a:t>
+            </a:r>
+            <a:r>
+              <a:rPr sz="2800">
+                <a:latin typeface="Helvetica Neue Light"/>
+                <a:ea typeface="Helvetica Neue Light"/>
+                <a:cs typeface="Helvetica Neue Light"/>
+                <a:sym typeface="Helvetica Neue Light"/>
+              </a:rPr>
+              <a:t>element is the most common inline element.</a:t>
+            </a:r>
+            <a:endParaRPr sz="2800">
+              <a:latin typeface="Helvetica Neue Light"/>
+              <a:ea typeface="Helvetica Neue Light"/>
+              <a:cs typeface="Helvetica Neue Light"/>
+              <a:sym typeface="Helvetica Neue Light"/>
+            </a:endParaRPr>
+          </a:p>
+          <a:p>
+            <a:pPr marL="0" indent="0">
+              <a:spcBef>
+                <a:spcPts val="1200"/>
+              </a:spcBef>
+              <a:buSzTx/>
+              <a:buNone/>
+              <a:defRPr b="1" sz="2800">
+                <a:latin typeface="Verdana"/>
+                <a:ea typeface="Verdana"/>
+                <a:cs typeface="Verdana"/>
+                <a:sym typeface="Verdana"/>
+              </a:defRPr>
+            </a:pPr>
+            <a:r>
+              <a:t>none</a:t>
+            </a:r>
+          </a:p>
+          <a:p>
+            <a:pPr lvl="1" marL="0" indent="444500">
+              <a:spcBef>
+                <a:spcPts val="1200"/>
+              </a:spcBef>
+              <a:buSzTx/>
+              <a:buNone/>
+              <a:defRPr sz="2800">
+                <a:latin typeface="Helvetica Neue Light"/>
+                <a:ea typeface="Helvetica Neue Light"/>
+                <a:cs typeface="Helvetica Neue Light"/>
+                <a:sym typeface="Helvetica Neue Light"/>
+              </a:defRPr>
+            </a:pPr>
+            <a:r>
+              <a:t>Setting </a:t>
+            </a:r>
+            <a:r>
+              <a:rPr sz="2400">
+                <a:effectLst>
+                  <a:outerShdw sx="100000" sy="100000" kx="0" ky="0" algn="b" rotWithShape="0" blurRad="38100" dist="38100" dir="2700000">
+                    <a:srgbClr val="000000">
+                      <a:alpha val="43137"/>
+                    </a:srgbClr>
+                  </a:outerShdw>
+                </a:effectLst>
+                <a:latin typeface="Verdana"/>
+                <a:ea typeface="Verdana"/>
+                <a:cs typeface="Verdana"/>
+                <a:sym typeface="Verdana"/>
+              </a:rPr>
+              <a:t>display </a:t>
+            </a:r>
+            <a:r>
+              <a:t>to </a:t>
+            </a:r>
+            <a:r>
+              <a:rPr sz="2400">
+                <a:effectLst>
+                  <a:outerShdw sx="100000" sy="100000" kx="0" ky="0" algn="b" rotWithShape="0" blurRad="38100" dist="38100" dir="2700000">
+                    <a:srgbClr val="000000">
+                      <a:alpha val="43137"/>
+                    </a:srgbClr>
+                  </a:outerShdw>
+                </a:effectLst>
+                <a:latin typeface="Verdana"/>
+                <a:ea typeface="Verdana"/>
+                <a:cs typeface="Verdana"/>
+                <a:sym typeface="Verdana"/>
+              </a:rPr>
+              <a:t>none </a:t>
+            </a:r>
+            <a:r>
+              <a:t>will render the page as though the element does not exist. </a:t>
+            </a:r>
+          </a:p>
+          <a:p>
+            <a:pPr lvl="1" marL="0" indent="444500">
+              <a:spcBef>
+                <a:spcPts val="1200"/>
+              </a:spcBef>
+              <a:buSzTx/>
+              <a:buNone/>
+              <a:defRPr sz="2400">
+                <a:effectLst>
+                  <a:outerShdw sx="100000" sy="100000" kx="0" ky="0" algn="b" rotWithShape="0" blurRad="38100" dist="38100" dir="2700000">
+                    <a:srgbClr val="000000">
+                      <a:alpha val="43137"/>
+                    </a:srgbClr>
+                  </a:outerShdw>
+                </a:effectLst>
+                <a:latin typeface="Verdana"/>
+                <a:ea typeface="Verdana"/>
+                <a:cs typeface="Verdana"/>
+                <a:sym typeface="Verdana"/>
+              </a:defRPr>
+            </a:pPr>
+            <a:r>
+              <a:t>visibility: hidden; </a:t>
+            </a:r>
+            <a:r>
+              <a:rPr sz="2800">
+                <a:latin typeface="Helvetica Neue Light"/>
+                <a:ea typeface="Helvetica Neue Light"/>
+                <a:cs typeface="Helvetica Neue Light"/>
+                <a:sym typeface="Helvetica Neue Light"/>
+              </a:rPr>
+              <a:t>will hide the element, but the element will take up the space it would usually.</a:t>
             </a:r>
           </a:p>
         </p:txBody>
       </p:sp>
-      <p:pic>
-        <p:nvPicPr>
-          <p:cNvPr id="222" name="image11.png"/>
-          <p:cNvPicPr>
-            <a:picLocks noChangeAspect="1"/>
-          </p:cNvPicPr>
+      <p:sp>
+        <p:nvSpPr>
+          <p:cNvPr id="229" name="Shape 229"/>
+          <p:cNvSpPr/>
           <p:nvPr/>
-        </p:nvPicPr>
-        <p:blipFill>
-          <a:blip r:embed="rId2">
-            <a:extLst/>
-          </a:blip>
-          <a:stretch>
-            <a:fillRect/>
-          </a:stretch>
-        </p:blipFill>
+        </p:nvSpPr>
         <p:spPr>
           <a:xfrm>
-            <a:off x="5114342" y="6244952"/>
-            <a:ext cx="7893999" cy="3326482"/>
+            <a:off x="9958784" y="2068488"/>
+            <a:ext cx="2880321" cy="6999451"/>
           </a:xfrm>
           <a:prstGeom prst="rect">
             <a:avLst/>
           </a:prstGeom>
-          <a:ln w="12700">
-            <a:miter lim="400000"/>
+          <a:solidFill>
+            <a:srgbClr val="FFFFFF"/>
+          </a:solidFill>
+          <a:ln>
+            <a:solidFill>
+              <a:srgbClr val="000000"/>
+            </a:solidFill>
           </a:ln>
-        </p:spPr>
-      </p:pic>
-      <p:pic>
-        <p:nvPicPr>
-          <p:cNvPr id="223" name="image12.png"/>
-          <p:cNvPicPr>
-            <a:picLocks noChangeAspect="1"/>
-          </p:cNvPicPr>
-          <p:nvPr/>
-        </p:nvPicPr>
-        <p:blipFill>
-          <a:blip r:embed="rId3">
-            <a:extLst/>
-          </a:blip>
-          <a:stretch>
-            <a:fillRect/>
-          </a:stretch>
-        </p:blipFill>
-        <p:spPr>
-          <a:xfrm>
-            <a:off x="5870731" y="1727200"/>
-            <a:ext cx="7077076" cy="3362325"/>
-          </a:xfrm>
-          <a:prstGeom prst="rect">
-            <a:avLst/>
-          </a:prstGeom>
-          <a:ln w="12700">
-            <a:miter lim="400000"/>
-          </a:ln>
-          <a:effectLst>
-            <a:outerShdw sx="100000" sy="100000" kx="0" ky="0" algn="b" rotWithShape="0" blurRad="292100" dist="139700" dir="2700000">
-              <a:srgbClr val="333333">
-                <a:alpha val="64999"/>
-              </a:srgbClr>
-            </a:outerShdw>
-          </a:effectLst>
-        </p:spPr>
-      </p:pic>
+          <a:extLst>
+            <a:ext uri="{C572A759-6A51-4108-AA02-DFA0A04FC94B}">
+              <ma14:wrappingTextBoxFlag xmlns:ma14="http://schemas.microsoft.com/office/mac/drawingml/2011/main" val="1"/>
+            </a:ext>
+          </a:extLst>
+        </p:spPr>
+        <p:txBody>
+          <a:bodyPr lIns="45719" rIns="45719">
+            <a:spAutoFit/>
+          </a:bodyPr>
+          <a:lstStyle/>
+          <a:p>
+            <a:pPr algn="l">
+              <a:defRPr sz="2800"/>
+            </a:pPr>
+            <a:r>
+              <a:t>.test-one {  </a:t>
+            </a:r>
+          </a:p>
+          <a:p>
+            <a:pPr algn="l">
+              <a:defRPr sz="2800"/>
+            </a:pPr>
+            <a:r>
+              <a:t>  display:block;</a:t>
+            </a:r>
+          </a:p>
+          <a:p>
+            <a:pPr algn="l">
+              <a:defRPr sz="2800"/>
+            </a:pPr>
+            <a:r>
+              <a:t>}</a:t>
+            </a:r>
+          </a:p>
+          <a:p>
+            <a:pPr algn="l">
+              <a:defRPr sz="2800"/>
+            </a:pPr>
+          </a:p>
+          <a:p>
+            <a:pPr algn="l">
+              <a:defRPr sz="2800"/>
+            </a:pPr>
+            <a:r>
+              <a:t>test-two {  </a:t>
+            </a:r>
+          </a:p>
+          <a:p>
+            <a:pPr algn="l">
+              <a:defRPr sz="2800"/>
+            </a:pPr>
+            <a:r>
+              <a:t>  display:inline;</a:t>
+            </a:r>
+          </a:p>
+          <a:p>
+            <a:pPr algn="l">
+              <a:defRPr sz="2800"/>
+            </a:pPr>
+            <a:r>
+              <a:t>}</a:t>
+            </a:r>
+          </a:p>
+          <a:p>
+            <a:pPr algn="l">
+              <a:defRPr sz="2800"/>
+            </a:pPr>
+          </a:p>
+          <a:p>
+            <a:pPr algn="l">
+              <a:defRPr sz="2800"/>
+            </a:pPr>
+            <a:r>
+              <a:t>test-three {  </a:t>
+            </a:r>
+          </a:p>
+          <a:p>
+            <a:pPr algn="l">
+              <a:defRPr sz="2800"/>
+            </a:pPr>
+            <a:r>
+              <a:t>  display:none;</a:t>
+            </a:r>
+          </a:p>
+          <a:p>
+            <a:pPr algn="l">
+              <a:defRPr sz="2800"/>
+            </a:pPr>
+            <a:r>
+              <a:t>}</a:t>
+            </a:r>
+          </a:p>
+          <a:p>
+            <a:pPr algn="l">
+              <a:defRPr sz="2800"/>
+            </a:pPr>
+          </a:p>
+          <a:p>
+            <a:pPr algn="l">
+              <a:defRPr sz="2800"/>
+            </a:pPr>
+            <a:r>
+              <a:t>.test-four {  </a:t>
+            </a:r>
+          </a:p>
+          <a:p>
+            <a:pPr algn="l">
+              <a:defRPr sz="2800"/>
+            </a:pPr>
+            <a:r>
+              <a:t>  visibility:hidden;</a:t>
+            </a:r>
+          </a:p>
+          <a:p>
+            <a:pPr algn="l">
+              <a:defRPr sz="2800"/>
+            </a:pPr>
+            <a:r>
+              <a:t>}</a:t>
+            </a:r>
+          </a:p>
+        </p:txBody>
+      </p:sp>
     </p:spTree>
   </p:cSld>
   <p:clrMapOvr>
@@ -8726,7 +10769,7 @@
       </p:grpSpPr>
       <p:sp>
         <p:nvSpPr>
-          <p:cNvPr id="225" name="Shape 225"/>
+          <p:cNvPr id="231" name="Shape 231"/>
           <p:cNvSpPr/>
           <p:nvPr>
             <p:ph type="title"/>
@@ -8743,24 +10786,20 @@
           <a:p>
             <a:pPr/>
             <a:r>
-              <a:t>box-sizing</a:t>
+              <a:t>margin: auto;</a:t>
             </a:r>
           </a:p>
         </p:txBody>
       </p:sp>
       <p:sp>
         <p:nvSpPr>
-          <p:cNvPr id="226" name="Shape 226"/>
+          <p:cNvPr id="232" name="Shape 232"/>
           <p:cNvSpPr/>
           <p:nvPr>
-            <p:ph type="body" sz="half" idx="1"/>
+            <p:ph type="body" idx="1"/>
           </p:nvPr>
         </p:nvSpPr>
         <p:spPr>
-          <a:xfrm>
-            <a:off x="237703" y="2324100"/>
-            <a:ext cx="4706766" cy="7089203"/>
-          </a:xfrm>
           <a:prstGeom prst="rect">
             <a:avLst/>
           </a:prstGeom>
@@ -8770,8 +10809,14 @@
           <a:lstStyle/>
           <a:p>
             <a:pPr/>
-            <a:r>
-              <a:t>A new CSS property called </a:t>
+          </a:p>
+          <a:p>
+            <a:pPr/>
+          </a:p>
+          <a:p>
+            <a:pPr/>
+            <a:r>
+              <a:t>Setting the </a:t>
             </a:r>
             <a:r>
               <a:rPr>
@@ -8787,29 +10832,10 @@
                 <a:cs typeface="Verdana"/>
                 <a:sym typeface="Verdana"/>
               </a:rPr>
-              <a:t>box-sizing</a:t>
-            </a:r>
-            <a:r>
-              <a:t> was created for this problem. When you set </a:t>
-            </a:r>
-            <a:r>
-              <a:rPr>
-                <a:effectLst>
-                  <a:outerShdw sx="100000" sy="100000" kx="0" ky="0" algn="b" rotWithShape="0" blurRad="38100" dist="38100" dir="2700000">
-                    <a:srgbClr val="000000">
-                      <a:alpha val="43137"/>
-                    </a:srgbClr>
-                  </a:outerShdw>
-                </a:effectLst>
-                <a:latin typeface="Verdana"/>
-                <a:ea typeface="Verdana"/>
-                <a:cs typeface="Verdana"/>
-                <a:sym typeface="Verdana"/>
-              </a:rPr>
-              <a:t>box-sizing: border-box;</a:t>
-            </a:r>
-            <a:r>
-              <a:t> on an element the padding and border  of that element no longer increases its width.</a:t>
+              <a:t>width</a:t>
+            </a:r>
+            <a:r>
+              <a:t> of a block-level element will stop it stretching out to the edges left and right. Then set the margin to auto left and right. This horizontally centres that element within its container.</a:t>
             </a:r>
           </a:p>
           <a:p>
@@ -8819,53 +10845,14 @@
               </a:spcBef>
             </a:pPr>
             <a:r>
-              <a:t>Here we have set the         </a:t>
-            </a:r>
-            <a:r>
-              <a:rPr>
-                <a:effectLst>
-                  <a:outerShdw sx="100000" sy="100000" kx="0" ky="0" algn="b" rotWithShape="0" blurRad="38100" dist="38100" dir="2700000">
-                    <a:srgbClr val="000000">
-                      <a:alpha val="43137"/>
-                    </a:srgbClr>
-                  </a:outerShdw>
-                </a:effectLst>
-                <a:latin typeface="Verdana"/>
-                <a:ea typeface="Verdana"/>
-                <a:cs typeface="Verdana"/>
-                <a:sym typeface="Verdana"/>
-              </a:rPr>
-              <a:t>box-sizing: border-box; </a:t>
-            </a:r>
-            <a:r>
-              <a:t>on both elements.</a:t>
-            </a:r>
-          </a:p>
-          <a:p>
-            <a:pPr>
-              <a:spcBef>
-                <a:spcPts val="600"/>
-              </a:spcBef>
-            </a:pPr>
-            <a:r>
-              <a:t>Sonme authors want all elements on their pages to work this way.</a:t>
-            </a:r>
-          </a:p>
-          <a:p>
-            <a:pPr>
-              <a:spcBef>
-                <a:spcPts val="600"/>
-              </a:spcBef>
-            </a:pPr>
-            <a:r>
-              <a:t>Use –webkit- and –moz- prefixes to ensure all browser engines targetted. </a:t>
+              <a:t>The only problem is when the browser window is narrower than the width you set. What will the browser do?</a:t>
             </a:r>
           </a:p>
         </p:txBody>
       </p:sp>
       <p:pic>
         <p:nvPicPr>
-          <p:cNvPr id="227" name="image13.png"/>
+          <p:cNvPr id="233" name="image7.png"/>
           <p:cNvPicPr>
             <a:picLocks noChangeAspect="1"/>
           </p:cNvPicPr>
@@ -8881,8 +10868,8 @@
         </p:blipFill>
         <p:spPr>
           <a:xfrm>
-            <a:off x="5412366" y="16097"/>
-            <a:ext cx="7293844" cy="4409951"/>
+            <a:off x="672555" y="2356519"/>
+            <a:ext cx="8592597" cy="1872209"/>
           </a:xfrm>
           <a:prstGeom prst="rect">
             <a:avLst/>
@@ -8894,7 +10881,7 @@
       </p:pic>
       <p:pic>
         <p:nvPicPr>
-          <p:cNvPr id="228" name="image14.png"/>
+          <p:cNvPr id="234" name="image8.png"/>
           <p:cNvPicPr>
             <a:picLocks noChangeAspect="1"/>
           </p:cNvPicPr>
@@ -8910,50 +10897,17 @@
         </p:blipFill>
         <p:spPr>
           <a:xfrm>
-            <a:off x="4867250" y="4457841"/>
-            <a:ext cx="7848874" cy="4424788"/>
+            <a:off x="957783" y="6749008"/>
+            <a:ext cx="9001126" cy="2590801"/>
           </a:xfrm>
           <a:prstGeom prst="rect">
             <a:avLst/>
           </a:prstGeom>
-          <a:ln w="12700">
-            <a:miter lim="400000"/>
-          </a:ln>
-          <a:effectLst>
-            <a:outerShdw sx="100000" sy="100000" kx="0" ky="0" algn="b" rotWithShape="0" blurRad="292100" dist="139700" dir="2700000">
-              <a:srgbClr val="333333">
-                <a:alpha val="64999"/>
-              </a:srgbClr>
-            </a:outerShdw>
-          </a:effectLst>
-        </p:spPr>
-      </p:pic>
-      <p:pic>
-        <p:nvPicPr>
-          <p:cNvPr id="229" name="image15.png"/>
-          <p:cNvPicPr>
-            <a:picLocks noChangeAspect="1"/>
-          </p:cNvPicPr>
-          <p:nvPr/>
-        </p:nvPicPr>
-        <p:blipFill>
-          <a:blip r:embed="rId4">
-            <a:extLst/>
-          </a:blip>
-          <a:stretch>
-            <a:fillRect/>
-          </a:stretch>
-        </p:blipFill>
-        <p:spPr>
-          <a:xfrm>
-            <a:off x="5206255" y="8244454"/>
-            <a:ext cx="6836207" cy="1509147"/>
-          </a:xfrm>
-          <a:prstGeom prst="rect">
-            <a:avLst/>
-          </a:prstGeom>
-          <a:ln w="12700">
-            <a:miter lim="400000"/>
+          <a:ln>
+            <a:solidFill>
+              <a:srgbClr val="000000"/>
+            </a:solidFill>
+            <a:miter/>
           </a:ln>
         </p:spPr>
       </p:pic>
